--- a/spring12/slidesS12/asymptotic-notation.pptx
+++ b/spring12/slidesS12/asymptotic-notation.pptx
@@ -5,28 +5,34 @@
     <p:sldMasterId id="2147483648" r:id="rId1"/>
   </p:sldMasterIdLst>
   <p:notesMasterIdLst>
-    <p:notesMasterId r:id="rId13"/>
+    <p:notesMasterId r:id="rId19"/>
   </p:notesMasterIdLst>
   <p:handoutMasterIdLst>
-    <p:handoutMasterId r:id="rId14"/>
+    <p:handoutMasterId r:id="rId20"/>
   </p:handoutMasterIdLst>
   <p:sldIdLst>
     <p:sldId id="412" r:id="rId2"/>
     <p:sldId id="418" r:id="rId3"/>
     <p:sldId id="420" r:id="rId4"/>
-    <p:sldId id="421" r:id="rId5"/>
-    <p:sldId id="422" r:id="rId6"/>
-    <p:sldId id="423" r:id="rId7"/>
-    <p:sldId id="424" r:id="rId8"/>
-    <p:sldId id="425" r:id="rId9"/>
-    <p:sldId id="426" r:id="rId10"/>
-    <p:sldId id="427" r:id="rId11"/>
-    <p:sldId id="428" r:id="rId12"/>
+    <p:sldId id="435" r:id="rId5"/>
+    <p:sldId id="421" r:id="rId6"/>
+    <p:sldId id="429" r:id="rId7"/>
+    <p:sldId id="430" r:id="rId8"/>
+    <p:sldId id="431" r:id="rId9"/>
+    <p:sldId id="433" r:id="rId10"/>
+    <p:sldId id="423" r:id="rId11"/>
+    <p:sldId id="424" r:id="rId12"/>
+    <p:sldId id="432" r:id="rId13"/>
+    <p:sldId id="425" r:id="rId14"/>
+    <p:sldId id="426" r:id="rId15"/>
+    <p:sldId id="427" r:id="rId16"/>
+    <p:sldId id="434" r:id="rId17"/>
+    <p:sldId id="428" r:id="rId18"/>
   </p:sldIdLst>
   <p:sldSz cx="9144000" cy="6858000" type="screen4x3"/>
   <p:notesSz cx="9601200" cy="7315200"/>
   <p:custDataLst>
-    <p:tags r:id="rId16"/>
+    <p:tags r:id="rId22"/>
   </p:custDataLst>
   <p:defaultTextStyle>
     <a:defPPr>
@@ -939,7 +945,7 @@
       </p:grpSpPr>
       <p:sp>
         <p:nvSpPr>
-          <p:cNvPr id="93186" name="Rectangle 7"/>
+          <p:cNvPr id="89090" name="Rectangle 7"/>
           <p:cNvSpPr>
             <a:spLocks noGrp="1" noChangeArrowheads="1"/>
           </p:cNvSpPr>
@@ -954,7 +960,7 @@
           <a:bodyPr/>
           <a:lstStyle/>
           <a:p>
-            <a:fld id="{3D4A3035-0C75-4571-954A-16C4CDFA3531}" type="slidenum">
+            <a:fld id="{BE163671-35E8-40B9-9591-4504F594E34E}" type="slidenum">
               <a:rPr lang="en-US" smtClean="0"/>
               <a:pPr/>
               <a:t>10</a:t>
@@ -965,7 +971,7 @@
       </p:sp>
       <p:sp>
         <p:nvSpPr>
-          <p:cNvPr id="93187" name="Rectangle 2"/>
+          <p:cNvPr id="89091" name="Rectangle 2"/>
           <p:cNvSpPr>
             <a:spLocks noGrp="1" noRot="1" noChangeAspect="1" noChangeArrowheads="1" noTextEdit="1"/>
           </p:cNvSpPr>
@@ -979,7 +985,7 @@
       </p:sp>
       <p:sp>
         <p:nvSpPr>
-          <p:cNvPr id="93188" name="Rectangle 3"/>
+          <p:cNvPr id="89092" name="Rectangle 3"/>
           <p:cNvSpPr>
             <a:spLocks noGrp="1" noChangeArrowheads="1"/>
           </p:cNvSpPr>
@@ -1027,6 +1033,534 @@
       </p:grpSpPr>
       <p:sp>
         <p:nvSpPr>
+          <p:cNvPr id="90114" name="Rectangle 7"/>
+          <p:cNvSpPr>
+            <a:spLocks noGrp="1" noChangeArrowheads="1"/>
+          </p:cNvSpPr>
+          <p:nvPr>
+            <p:ph type="sldNum" sz="quarter" idx="5"/>
+          </p:nvPr>
+        </p:nvSpPr>
+        <p:spPr>
+          <a:noFill/>
+        </p:spPr>
+        <p:txBody>
+          <a:bodyPr/>
+          <a:lstStyle/>
+          <a:p>
+            <a:fld id="{6453755B-D008-434C-A4FE-3B574660E21E}" type="slidenum">
+              <a:rPr lang="en-US" smtClean="0"/>
+              <a:pPr/>
+              <a:t>11</a:t>
+            </a:fld>
+            <a:endParaRPr lang="en-US" smtClean="0"/>
+          </a:p>
+        </p:txBody>
+      </p:sp>
+      <p:sp>
+        <p:nvSpPr>
+          <p:cNvPr id="90115" name="Rectangle 2"/>
+          <p:cNvSpPr>
+            <a:spLocks noGrp="1" noRot="1" noChangeAspect="1" noChangeArrowheads="1" noTextEdit="1"/>
+          </p:cNvSpPr>
+          <p:nvPr>
+            <p:ph type="sldImg"/>
+          </p:nvPr>
+        </p:nvSpPr>
+        <p:spPr>
+          <a:ln/>
+        </p:spPr>
+      </p:sp>
+      <p:sp>
+        <p:nvSpPr>
+          <p:cNvPr id="90116" name="Rectangle 3"/>
+          <p:cNvSpPr>
+            <a:spLocks noGrp="1" noChangeArrowheads="1"/>
+          </p:cNvSpPr>
+          <p:nvPr>
+            <p:ph type="body" idx="1"/>
+          </p:nvPr>
+        </p:nvSpPr>
+        <p:spPr>
+          <a:noFill/>
+          <a:ln/>
+        </p:spPr>
+        <p:txBody>
+          <a:bodyPr/>
+          <a:lstStyle/>
+          <a:p>
+            <a:pPr eaLnBrk="1" hangingPunct="1"/>
+            <a:endParaRPr lang="en-US" smtClean="0"/>
+          </a:p>
+        </p:txBody>
+      </p:sp>
+    </p:spTree>
+  </p:cSld>
+  <p:clrMapOvr>
+    <a:masterClrMapping/>
+  </p:clrMapOvr>
+</p:notes>
+</file>
+
+<file path=ppt/notesSlides/notesSlide12.xml><?xml version="1.0" encoding="utf-8"?>
+<p:notes xmlns:a="http://schemas.openxmlformats.org/drawingml/2006/main" xmlns:r="http://schemas.openxmlformats.org/officeDocument/2006/relationships" xmlns:p="http://schemas.openxmlformats.org/presentationml/2006/main">
+  <p:cSld>
+    <p:spTree>
+      <p:nvGrpSpPr>
+        <p:cNvPr id="1" name=""/>
+        <p:cNvGrpSpPr/>
+        <p:nvPr/>
+      </p:nvGrpSpPr>
+      <p:grpSpPr>
+        <a:xfrm>
+          <a:off x="0" y="0"/>
+          <a:ext cx="0" cy="0"/>
+          <a:chOff x="0" y="0"/>
+          <a:chExt cx="0" cy="0"/>
+        </a:xfrm>
+      </p:grpSpPr>
+      <p:sp>
+        <p:nvSpPr>
+          <p:cNvPr id="86018" name="Rectangle 7"/>
+          <p:cNvSpPr>
+            <a:spLocks noGrp="1" noChangeArrowheads="1"/>
+          </p:cNvSpPr>
+          <p:nvPr>
+            <p:ph type="sldNum" sz="quarter" idx="5"/>
+          </p:nvPr>
+        </p:nvSpPr>
+        <p:spPr>
+          <a:noFill/>
+        </p:spPr>
+        <p:txBody>
+          <a:bodyPr/>
+          <a:lstStyle/>
+          <a:p>
+            <a:fld id="{851054AE-29A3-422F-9AAB-8118498C1DA1}" type="slidenum">
+              <a:rPr lang="en-US" smtClean="0"/>
+              <a:pPr/>
+              <a:t>12</a:t>
+            </a:fld>
+            <a:endParaRPr lang="en-US" smtClean="0"/>
+          </a:p>
+        </p:txBody>
+      </p:sp>
+      <p:sp>
+        <p:nvSpPr>
+          <p:cNvPr id="86019" name="Rectangle 2"/>
+          <p:cNvSpPr>
+            <a:spLocks noGrp="1" noRot="1" noChangeAspect="1" noChangeArrowheads="1" noTextEdit="1"/>
+          </p:cNvSpPr>
+          <p:nvPr>
+            <p:ph type="sldImg"/>
+          </p:nvPr>
+        </p:nvSpPr>
+        <p:spPr>
+          <a:ln/>
+        </p:spPr>
+      </p:sp>
+      <p:sp>
+        <p:nvSpPr>
+          <p:cNvPr id="86020" name="Rectangle 3"/>
+          <p:cNvSpPr>
+            <a:spLocks noGrp="1" noChangeArrowheads="1"/>
+          </p:cNvSpPr>
+          <p:nvPr>
+            <p:ph type="body" idx="1"/>
+          </p:nvPr>
+        </p:nvSpPr>
+        <p:spPr>
+          <a:noFill/>
+          <a:ln/>
+        </p:spPr>
+        <p:txBody>
+          <a:bodyPr/>
+          <a:lstStyle/>
+          <a:p>
+            <a:pPr eaLnBrk="1" hangingPunct="1"/>
+            <a:endParaRPr lang="en-US" smtClean="0"/>
+          </a:p>
+        </p:txBody>
+      </p:sp>
+    </p:spTree>
+  </p:cSld>
+  <p:clrMapOvr>
+    <a:masterClrMapping/>
+  </p:clrMapOvr>
+</p:notes>
+</file>
+
+<file path=ppt/notesSlides/notesSlide13.xml><?xml version="1.0" encoding="utf-8"?>
+<p:notes xmlns:a="http://schemas.openxmlformats.org/drawingml/2006/main" xmlns:r="http://schemas.openxmlformats.org/officeDocument/2006/relationships" xmlns:p="http://schemas.openxmlformats.org/presentationml/2006/main">
+  <p:cSld>
+    <p:spTree>
+      <p:nvGrpSpPr>
+        <p:cNvPr id="1" name=""/>
+        <p:cNvGrpSpPr/>
+        <p:nvPr/>
+      </p:nvGrpSpPr>
+      <p:grpSpPr>
+        <a:xfrm>
+          <a:off x="0" y="0"/>
+          <a:ext cx="0" cy="0"/>
+          <a:chOff x="0" y="0"/>
+          <a:chExt cx="0" cy="0"/>
+        </a:xfrm>
+      </p:grpSpPr>
+      <p:sp>
+        <p:nvSpPr>
+          <p:cNvPr id="91138" name="Rectangle 7"/>
+          <p:cNvSpPr>
+            <a:spLocks noGrp="1" noChangeArrowheads="1"/>
+          </p:cNvSpPr>
+          <p:nvPr>
+            <p:ph type="sldNum" sz="quarter" idx="5"/>
+          </p:nvPr>
+        </p:nvSpPr>
+        <p:spPr>
+          <a:noFill/>
+        </p:spPr>
+        <p:txBody>
+          <a:bodyPr/>
+          <a:lstStyle/>
+          <a:p>
+            <a:fld id="{802FEFEA-64E2-4B2C-839A-FDFAD00BA839}" type="slidenum">
+              <a:rPr lang="en-US" smtClean="0"/>
+              <a:pPr/>
+              <a:t>13</a:t>
+            </a:fld>
+            <a:endParaRPr lang="en-US" smtClean="0"/>
+          </a:p>
+        </p:txBody>
+      </p:sp>
+      <p:sp>
+        <p:nvSpPr>
+          <p:cNvPr id="91139" name="Rectangle 2"/>
+          <p:cNvSpPr>
+            <a:spLocks noGrp="1" noRot="1" noChangeAspect="1" noChangeArrowheads="1" noTextEdit="1"/>
+          </p:cNvSpPr>
+          <p:nvPr>
+            <p:ph type="sldImg"/>
+          </p:nvPr>
+        </p:nvSpPr>
+        <p:spPr>
+          <a:ln/>
+        </p:spPr>
+      </p:sp>
+      <p:sp>
+        <p:nvSpPr>
+          <p:cNvPr id="91140" name="Rectangle 3"/>
+          <p:cNvSpPr>
+            <a:spLocks noGrp="1" noChangeArrowheads="1"/>
+          </p:cNvSpPr>
+          <p:nvPr>
+            <p:ph type="body" idx="1"/>
+          </p:nvPr>
+        </p:nvSpPr>
+        <p:spPr>
+          <a:noFill/>
+          <a:ln/>
+        </p:spPr>
+        <p:txBody>
+          <a:bodyPr/>
+          <a:lstStyle/>
+          <a:p>
+            <a:pPr eaLnBrk="1" hangingPunct="1"/>
+            <a:endParaRPr lang="en-US" smtClean="0"/>
+          </a:p>
+        </p:txBody>
+      </p:sp>
+    </p:spTree>
+  </p:cSld>
+  <p:clrMapOvr>
+    <a:masterClrMapping/>
+  </p:clrMapOvr>
+</p:notes>
+</file>
+
+<file path=ppt/notesSlides/notesSlide14.xml><?xml version="1.0" encoding="utf-8"?>
+<p:notes xmlns:a="http://schemas.openxmlformats.org/drawingml/2006/main" xmlns:r="http://schemas.openxmlformats.org/officeDocument/2006/relationships" xmlns:p="http://schemas.openxmlformats.org/presentationml/2006/main">
+  <p:cSld>
+    <p:spTree>
+      <p:nvGrpSpPr>
+        <p:cNvPr id="1" name=""/>
+        <p:cNvGrpSpPr/>
+        <p:nvPr/>
+      </p:nvGrpSpPr>
+      <p:grpSpPr>
+        <a:xfrm>
+          <a:off x="0" y="0"/>
+          <a:ext cx="0" cy="0"/>
+          <a:chOff x="0" y="0"/>
+          <a:chExt cx="0" cy="0"/>
+        </a:xfrm>
+      </p:grpSpPr>
+      <p:sp>
+        <p:nvSpPr>
+          <p:cNvPr id="90114" name="Rectangle 7"/>
+          <p:cNvSpPr>
+            <a:spLocks noGrp="1" noChangeArrowheads="1"/>
+          </p:cNvSpPr>
+          <p:nvPr>
+            <p:ph type="sldNum" sz="quarter" idx="5"/>
+          </p:nvPr>
+        </p:nvSpPr>
+        <p:spPr>
+          <a:noFill/>
+        </p:spPr>
+        <p:txBody>
+          <a:bodyPr/>
+          <a:lstStyle/>
+          <a:p>
+            <a:fld id="{6453755B-D008-434C-A4FE-3B574660E21E}" type="slidenum">
+              <a:rPr lang="en-US" smtClean="0"/>
+              <a:pPr/>
+              <a:t>14</a:t>
+            </a:fld>
+            <a:endParaRPr lang="en-US" smtClean="0"/>
+          </a:p>
+        </p:txBody>
+      </p:sp>
+      <p:sp>
+        <p:nvSpPr>
+          <p:cNvPr id="90115" name="Rectangle 2"/>
+          <p:cNvSpPr>
+            <a:spLocks noGrp="1" noRot="1" noChangeAspect="1" noChangeArrowheads="1" noTextEdit="1"/>
+          </p:cNvSpPr>
+          <p:nvPr>
+            <p:ph type="sldImg"/>
+          </p:nvPr>
+        </p:nvSpPr>
+        <p:spPr>
+          <a:ln/>
+        </p:spPr>
+      </p:sp>
+      <p:sp>
+        <p:nvSpPr>
+          <p:cNvPr id="90116" name="Rectangle 3"/>
+          <p:cNvSpPr>
+            <a:spLocks noGrp="1" noChangeArrowheads="1"/>
+          </p:cNvSpPr>
+          <p:nvPr>
+            <p:ph type="body" idx="1"/>
+          </p:nvPr>
+        </p:nvSpPr>
+        <p:spPr>
+          <a:noFill/>
+          <a:ln/>
+        </p:spPr>
+        <p:txBody>
+          <a:bodyPr/>
+          <a:lstStyle/>
+          <a:p>
+            <a:pPr eaLnBrk="1" hangingPunct="1"/>
+            <a:endParaRPr lang="en-US" smtClean="0"/>
+          </a:p>
+        </p:txBody>
+      </p:sp>
+    </p:spTree>
+  </p:cSld>
+  <p:clrMapOvr>
+    <a:masterClrMapping/>
+  </p:clrMapOvr>
+</p:notes>
+</file>
+
+<file path=ppt/notesSlides/notesSlide15.xml><?xml version="1.0" encoding="utf-8"?>
+<p:notes xmlns:a="http://schemas.openxmlformats.org/drawingml/2006/main" xmlns:r="http://schemas.openxmlformats.org/officeDocument/2006/relationships" xmlns:p="http://schemas.openxmlformats.org/presentationml/2006/main">
+  <p:cSld>
+    <p:spTree>
+      <p:nvGrpSpPr>
+        <p:cNvPr id="1" name=""/>
+        <p:cNvGrpSpPr/>
+        <p:nvPr/>
+      </p:nvGrpSpPr>
+      <p:grpSpPr>
+        <a:xfrm>
+          <a:off x="0" y="0"/>
+          <a:ext cx="0" cy="0"/>
+          <a:chOff x="0" y="0"/>
+          <a:chExt cx="0" cy="0"/>
+        </a:xfrm>
+      </p:grpSpPr>
+      <p:sp>
+        <p:nvSpPr>
+          <p:cNvPr id="93186" name="Rectangle 7"/>
+          <p:cNvSpPr>
+            <a:spLocks noGrp="1" noChangeArrowheads="1"/>
+          </p:cNvSpPr>
+          <p:nvPr>
+            <p:ph type="sldNum" sz="quarter" idx="5"/>
+          </p:nvPr>
+        </p:nvSpPr>
+        <p:spPr>
+          <a:noFill/>
+        </p:spPr>
+        <p:txBody>
+          <a:bodyPr/>
+          <a:lstStyle/>
+          <a:p>
+            <a:fld id="{3D4A3035-0C75-4571-954A-16C4CDFA3531}" type="slidenum">
+              <a:rPr lang="en-US" smtClean="0"/>
+              <a:pPr/>
+              <a:t>15</a:t>
+            </a:fld>
+            <a:endParaRPr lang="en-US" smtClean="0"/>
+          </a:p>
+        </p:txBody>
+      </p:sp>
+      <p:sp>
+        <p:nvSpPr>
+          <p:cNvPr id="93187" name="Rectangle 2"/>
+          <p:cNvSpPr>
+            <a:spLocks noGrp="1" noRot="1" noChangeAspect="1" noChangeArrowheads="1" noTextEdit="1"/>
+          </p:cNvSpPr>
+          <p:nvPr>
+            <p:ph type="sldImg"/>
+          </p:nvPr>
+        </p:nvSpPr>
+        <p:spPr>
+          <a:ln/>
+        </p:spPr>
+      </p:sp>
+      <p:sp>
+        <p:nvSpPr>
+          <p:cNvPr id="93188" name="Rectangle 3"/>
+          <p:cNvSpPr>
+            <a:spLocks noGrp="1" noChangeArrowheads="1"/>
+          </p:cNvSpPr>
+          <p:nvPr>
+            <p:ph type="body" idx="1"/>
+          </p:nvPr>
+        </p:nvSpPr>
+        <p:spPr>
+          <a:noFill/>
+          <a:ln/>
+        </p:spPr>
+        <p:txBody>
+          <a:bodyPr/>
+          <a:lstStyle/>
+          <a:p>
+            <a:pPr eaLnBrk="1" hangingPunct="1"/>
+            <a:endParaRPr lang="en-US" smtClean="0"/>
+          </a:p>
+        </p:txBody>
+      </p:sp>
+    </p:spTree>
+  </p:cSld>
+  <p:clrMapOvr>
+    <a:masterClrMapping/>
+  </p:clrMapOvr>
+</p:notes>
+</file>
+
+<file path=ppt/notesSlides/notesSlide16.xml><?xml version="1.0" encoding="utf-8"?>
+<p:notes xmlns:a="http://schemas.openxmlformats.org/drawingml/2006/main" xmlns:r="http://schemas.openxmlformats.org/officeDocument/2006/relationships" xmlns:p="http://schemas.openxmlformats.org/presentationml/2006/main">
+  <p:cSld>
+    <p:spTree>
+      <p:nvGrpSpPr>
+        <p:cNvPr id="1" name=""/>
+        <p:cNvGrpSpPr/>
+        <p:nvPr/>
+      </p:nvGrpSpPr>
+      <p:grpSpPr>
+        <a:xfrm>
+          <a:off x="0" y="0"/>
+          <a:ext cx="0" cy="0"/>
+          <a:chOff x="0" y="0"/>
+          <a:chExt cx="0" cy="0"/>
+        </a:xfrm>
+      </p:grpSpPr>
+      <p:sp>
+        <p:nvSpPr>
+          <p:cNvPr id="86018" name="Rectangle 7"/>
+          <p:cNvSpPr>
+            <a:spLocks noGrp="1" noChangeArrowheads="1"/>
+          </p:cNvSpPr>
+          <p:nvPr>
+            <p:ph type="sldNum" sz="quarter" idx="5"/>
+          </p:nvPr>
+        </p:nvSpPr>
+        <p:spPr>
+          <a:noFill/>
+        </p:spPr>
+        <p:txBody>
+          <a:bodyPr/>
+          <a:lstStyle/>
+          <a:p>
+            <a:fld id="{851054AE-29A3-422F-9AAB-8118498C1DA1}" type="slidenum">
+              <a:rPr lang="en-US" smtClean="0"/>
+              <a:pPr/>
+              <a:t>16</a:t>
+            </a:fld>
+            <a:endParaRPr lang="en-US" smtClean="0"/>
+          </a:p>
+        </p:txBody>
+      </p:sp>
+      <p:sp>
+        <p:nvSpPr>
+          <p:cNvPr id="86019" name="Rectangle 2"/>
+          <p:cNvSpPr>
+            <a:spLocks noGrp="1" noRot="1" noChangeAspect="1" noChangeArrowheads="1" noTextEdit="1"/>
+          </p:cNvSpPr>
+          <p:nvPr>
+            <p:ph type="sldImg"/>
+          </p:nvPr>
+        </p:nvSpPr>
+        <p:spPr>
+          <a:ln/>
+        </p:spPr>
+      </p:sp>
+      <p:sp>
+        <p:nvSpPr>
+          <p:cNvPr id="86020" name="Rectangle 3"/>
+          <p:cNvSpPr>
+            <a:spLocks noGrp="1" noChangeArrowheads="1"/>
+          </p:cNvSpPr>
+          <p:nvPr>
+            <p:ph type="body" idx="1"/>
+          </p:nvPr>
+        </p:nvSpPr>
+        <p:spPr>
+          <a:noFill/>
+          <a:ln/>
+        </p:spPr>
+        <p:txBody>
+          <a:bodyPr/>
+          <a:lstStyle/>
+          <a:p>
+            <a:pPr eaLnBrk="1" hangingPunct="1"/>
+            <a:endParaRPr lang="en-US" smtClean="0"/>
+          </a:p>
+        </p:txBody>
+      </p:sp>
+    </p:spTree>
+  </p:cSld>
+  <p:clrMapOvr>
+    <a:masterClrMapping/>
+  </p:clrMapOvr>
+</p:notes>
+</file>
+
+<file path=ppt/notesSlides/notesSlide17.xml><?xml version="1.0" encoding="utf-8"?>
+<p:notes xmlns:a="http://schemas.openxmlformats.org/drawingml/2006/main" xmlns:r="http://schemas.openxmlformats.org/officeDocument/2006/relationships" xmlns:p="http://schemas.openxmlformats.org/presentationml/2006/main">
+  <p:cSld>
+    <p:spTree>
+      <p:nvGrpSpPr>
+        <p:cNvPr id="1" name=""/>
+        <p:cNvGrpSpPr/>
+        <p:nvPr/>
+      </p:nvGrpSpPr>
+      <p:grpSpPr>
+        <a:xfrm>
+          <a:off x="0" y="0"/>
+          <a:ext cx="0" cy="0"/>
+          <a:chOff x="0" y="0"/>
+          <a:chExt cx="0" cy="0"/>
+        </a:xfrm>
+      </p:grpSpPr>
+      <p:sp>
+        <p:nvSpPr>
           <p:cNvPr id="2" name="Slide Image Placeholder 1"/>
           <p:cNvSpPr>
             <a:spLocks noGrp="1" noRot="1" noChangeAspect="1"/>
@@ -1081,7 +1615,7 @@
               <a:pPr>
                 <a:defRPr/>
               </a:pPr>
-              <a:t>11</a:t>
+              <a:t>17</a:t>
             </a:fld>
             <a:endParaRPr lang="en-US"/>
           </a:p>
@@ -1290,7 +1824,7 @@
       </p:grpSpPr>
       <p:sp>
         <p:nvSpPr>
-          <p:cNvPr id="87042" name="Rectangle 7"/>
+          <p:cNvPr id="86018" name="Rectangle 7"/>
           <p:cNvSpPr>
             <a:spLocks noGrp="1" noChangeArrowheads="1"/>
           </p:cNvSpPr>
@@ -1305,7 +1839,7 @@
           <a:bodyPr/>
           <a:lstStyle/>
           <a:p>
-            <a:fld id="{B788ED83-384D-48F6-809E-40BF361D6CFA}" type="slidenum">
+            <a:fld id="{851054AE-29A3-422F-9AAB-8118498C1DA1}" type="slidenum">
               <a:rPr lang="en-US" smtClean="0"/>
               <a:pPr/>
               <a:t>4</a:t>
@@ -1316,7 +1850,7 @@
       </p:sp>
       <p:sp>
         <p:nvSpPr>
-          <p:cNvPr id="87043" name="Rectangle 2"/>
+          <p:cNvPr id="86019" name="Rectangle 2"/>
           <p:cNvSpPr>
             <a:spLocks noGrp="1" noRot="1" noChangeAspect="1" noChangeArrowheads="1" noTextEdit="1"/>
           </p:cNvSpPr>
@@ -1330,7 +1864,7 @@
       </p:sp>
       <p:sp>
         <p:nvSpPr>
-          <p:cNvPr id="87044" name="Rectangle 3"/>
+          <p:cNvPr id="86020" name="Rectangle 3"/>
           <p:cNvSpPr>
             <a:spLocks noGrp="1" noChangeArrowheads="1"/>
           </p:cNvSpPr>
@@ -1378,7 +1912,7 @@
       </p:grpSpPr>
       <p:sp>
         <p:nvSpPr>
-          <p:cNvPr id="88066" name="Rectangle 7"/>
+          <p:cNvPr id="87042" name="Rectangle 7"/>
           <p:cNvSpPr>
             <a:spLocks noGrp="1" noChangeArrowheads="1"/>
           </p:cNvSpPr>
@@ -1393,7 +1927,7 @@
           <a:bodyPr/>
           <a:lstStyle/>
           <a:p>
-            <a:fld id="{F32ABE30-6A1E-49E8-9003-F54FD461BF7A}" type="slidenum">
+            <a:fld id="{B788ED83-384D-48F6-809E-40BF361D6CFA}" type="slidenum">
               <a:rPr lang="en-US" smtClean="0"/>
               <a:pPr/>
               <a:t>5</a:t>
@@ -1404,7 +1938,7 @@
       </p:sp>
       <p:sp>
         <p:nvSpPr>
-          <p:cNvPr id="88067" name="Rectangle 2"/>
+          <p:cNvPr id="87043" name="Rectangle 2"/>
           <p:cNvSpPr>
             <a:spLocks noGrp="1" noRot="1" noChangeAspect="1" noChangeArrowheads="1" noTextEdit="1"/>
           </p:cNvSpPr>
@@ -1418,7 +1952,7 @@
       </p:sp>
       <p:sp>
         <p:nvSpPr>
-          <p:cNvPr id="88068" name="Rectangle 3"/>
+          <p:cNvPr id="87044" name="Rectangle 3"/>
           <p:cNvSpPr>
             <a:spLocks noGrp="1" noChangeArrowheads="1"/>
           </p:cNvSpPr>
@@ -1466,7 +2000,7 @@
       </p:grpSpPr>
       <p:sp>
         <p:nvSpPr>
-          <p:cNvPr id="89090" name="Rectangle 7"/>
+          <p:cNvPr id="88066" name="Rectangle 7"/>
           <p:cNvSpPr>
             <a:spLocks noGrp="1" noChangeArrowheads="1"/>
           </p:cNvSpPr>
@@ -1481,7 +2015,7 @@
           <a:bodyPr/>
           <a:lstStyle/>
           <a:p>
-            <a:fld id="{BE163671-35E8-40B9-9591-4504F594E34E}" type="slidenum">
+            <a:fld id="{F32ABE30-6A1E-49E8-9003-F54FD461BF7A}" type="slidenum">
               <a:rPr lang="en-US" smtClean="0"/>
               <a:pPr/>
               <a:t>6</a:t>
@@ -1492,7 +2026,7 @@
       </p:sp>
       <p:sp>
         <p:nvSpPr>
-          <p:cNvPr id="89091" name="Rectangle 2"/>
+          <p:cNvPr id="88067" name="Rectangle 2"/>
           <p:cNvSpPr>
             <a:spLocks noGrp="1" noRot="1" noChangeAspect="1" noChangeArrowheads="1" noTextEdit="1"/>
           </p:cNvSpPr>
@@ -1506,7 +2040,7 @@
       </p:sp>
       <p:sp>
         <p:nvSpPr>
-          <p:cNvPr id="89092" name="Rectangle 3"/>
+          <p:cNvPr id="88068" name="Rectangle 3"/>
           <p:cNvSpPr>
             <a:spLocks noGrp="1" noChangeArrowheads="1"/>
           </p:cNvSpPr>
@@ -1554,7 +2088,7 @@
       </p:grpSpPr>
       <p:sp>
         <p:nvSpPr>
-          <p:cNvPr id="90114" name="Rectangle 7"/>
+          <p:cNvPr id="88066" name="Rectangle 7"/>
           <p:cNvSpPr>
             <a:spLocks noGrp="1" noChangeArrowheads="1"/>
           </p:cNvSpPr>
@@ -1569,7 +2103,7 @@
           <a:bodyPr/>
           <a:lstStyle/>
           <a:p>
-            <a:fld id="{6453755B-D008-434C-A4FE-3B574660E21E}" type="slidenum">
+            <a:fld id="{F32ABE30-6A1E-49E8-9003-F54FD461BF7A}" type="slidenum">
               <a:rPr lang="en-US" smtClean="0"/>
               <a:pPr/>
               <a:t>7</a:t>
@@ -1580,7 +2114,7 @@
       </p:sp>
       <p:sp>
         <p:nvSpPr>
-          <p:cNvPr id="90115" name="Rectangle 2"/>
+          <p:cNvPr id="88067" name="Rectangle 2"/>
           <p:cNvSpPr>
             <a:spLocks noGrp="1" noRot="1" noChangeAspect="1" noChangeArrowheads="1" noTextEdit="1"/>
           </p:cNvSpPr>
@@ -1594,7 +2128,7 @@
       </p:sp>
       <p:sp>
         <p:nvSpPr>
-          <p:cNvPr id="90116" name="Rectangle 3"/>
+          <p:cNvPr id="88068" name="Rectangle 3"/>
           <p:cNvSpPr>
             <a:spLocks noGrp="1" noChangeArrowheads="1"/>
           </p:cNvSpPr>
@@ -1642,7 +2176,7 @@
       </p:grpSpPr>
       <p:sp>
         <p:nvSpPr>
-          <p:cNvPr id="91138" name="Rectangle 7"/>
+          <p:cNvPr id="86018" name="Rectangle 7"/>
           <p:cNvSpPr>
             <a:spLocks noGrp="1" noChangeArrowheads="1"/>
           </p:cNvSpPr>
@@ -1657,7 +2191,7 @@
           <a:bodyPr/>
           <a:lstStyle/>
           <a:p>
-            <a:fld id="{802FEFEA-64E2-4B2C-839A-FDFAD00BA839}" type="slidenum">
+            <a:fld id="{851054AE-29A3-422F-9AAB-8118498C1DA1}" type="slidenum">
               <a:rPr lang="en-US" smtClean="0"/>
               <a:pPr/>
               <a:t>8</a:t>
@@ -1668,7 +2202,7 @@
       </p:sp>
       <p:sp>
         <p:nvSpPr>
-          <p:cNvPr id="91139" name="Rectangle 2"/>
+          <p:cNvPr id="86019" name="Rectangle 2"/>
           <p:cNvSpPr>
             <a:spLocks noGrp="1" noRot="1" noChangeAspect="1" noChangeArrowheads="1" noTextEdit="1"/>
           </p:cNvSpPr>
@@ -1682,7 +2216,7 @@
       </p:sp>
       <p:sp>
         <p:nvSpPr>
-          <p:cNvPr id="91140" name="Rectangle 3"/>
+          <p:cNvPr id="86020" name="Rectangle 3"/>
           <p:cNvSpPr>
             <a:spLocks noGrp="1" noChangeArrowheads="1"/>
           </p:cNvSpPr>
@@ -1730,7 +2264,7 @@
       </p:grpSpPr>
       <p:sp>
         <p:nvSpPr>
-          <p:cNvPr id="90114" name="Rectangle 7"/>
+          <p:cNvPr id="89090" name="Rectangle 7"/>
           <p:cNvSpPr>
             <a:spLocks noGrp="1" noChangeArrowheads="1"/>
           </p:cNvSpPr>
@@ -1745,7 +2279,7 @@
           <a:bodyPr/>
           <a:lstStyle/>
           <a:p>
-            <a:fld id="{6453755B-D008-434C-A4FE-3B574660E21E}" type="slidenum">
+            <a:fld id="{BE163671-35E8-40B9-9591-4504F594E34E}" type="slidenum">
               <a:rPr lang="en-US" smtClean="0"/>
               <a:pPr/>
               <a:t>9</a:t>
@@ -1756,7 +2290,7 @@
       </p:sp>
       <p:sp>
         <p:nvSpPr>
-          <p:cNvPr id="90115" name="Rectangle 2"/>
+          <p:cNvPr id="89091" name="Rectangle 2"/>
           <p:cNvSpPr>
             <a:spLocks noGrp="1" noRot="1" noChangeAspect="1" noChangeArrowheads="1" noTextEdit="1"/>
           </p:cNvSpPr>
@@ -1770,7 +2304,7 @@
       </p:sp>
       <p:sp>
         <p:nvSpPr>
-          <p:cNvPr id="90116" name="Rectangle 3"/>
+          <p:cNvPr id="89092" name="Rectangle 3"/>
           <p:cNvSpPr>
             <a:spLocks noGrp="1" noChangeArrowheads="1"/>
           </p:cNvSpPr>
@@ -3273,52 +3807,46 @@
       </p:grpSpPr>
       <p:sp>
         <p:nvSpPr>
-          <p:cNvPr id="52227" name="Rectangle 2"/>
+          <p:cNvPr id="13317" name="Rectangle 3"/>
           <p:cNvSpPr>
             <a:spLocks noGrp="1" noChangeArrowheads="1"/>
           </p:cNvSpPr>
           <p:nvPr>
-            <p:ph type="title"/>
+            <p:ph type="body" idx="1"/>
           </p:nvPr>
         </p:nvSpPr>
         <p:spPr>
           <a:xfrm>
-            <a:off x="1485900" y="0"/>
-            <a:ext cx="7543800" cy="1143000"/>
+            <a:off x="1260475" y="982663"/>
+            <a:ext cx="7318375" cy="1035050"/>
           </a:xfrm>
         </p:spPr>
         <p:txBody>
           <a:bodyPr/>
           <a:lstStyle/>
           <a:p>
-            <a:pPr eaLnBrk="1" hangingPunct="1"/>
-            <a:r>
-              <a:rPr lang="en-US" sz="4800" dirty="0" smtClean="0"/>
-              <a:t>Theta:  </a:t>
-            </a:r>
-            <a:r>
-              <a:rPr lang="en-US" sz="4800" b="0" dirty="0" err="1" smtClean="0">
+            <a:pPr marL="0" indent="0" eaLnBrk="1" hangingPunct="1">
+              <a:lnSpc>
+                <a:spcPct val="90000"/>
+              </a:lnSpc>
+              <a:buFontTx/>
+              <a:buNone/>
+            </a:pPr>
+            <a:r>
+              <a:rPr lang="en-US" sz="4800" dirty="0" smtClean="0">
                 <a:solidFill>
                   <a:srgbClr val="FF33CC"/>
                 </a:solidFill>
-                <a:sym typeface="Symbol" pitchFamily="18" charset="2"/>
-              </a:rPr>
-              <a:t>Θ</a:t>
-            </a:r>
-            <a:r>
-              <a:rPr lang="en-US" sz="4800" b="0" dirty="0" smtClean="0">
-                <a:solidFill>
-                  <a:srgbClr val="FF33CC"/>
-                </a:solidFill>
-              </a:rPr>
-              <a:t>(∙)</a:t>
-            </a:r>
+              </a:rPr>
+              <a:t>Asymptotically smaller</a:t>
+            </a:r>
+            <a:endParaRPr lang="en-US" sz="4000" dirty="0" smtClean="0"/>
           </a:p>
         </p:txBody>
       </p:sp>
       <p:sp>
         <p:nvSpPr>
-          <p:cNvPr id="52228" name="Rectangle 4"/>
+          <p:cNvPr id="483333" name="Rectangle 5"/>
           <p:cNvSpPr>
             <a:spLocks noChangeArrowheads="1"/>
           </p:cNvSpPr>
@@ -3326,8 +3854,8 @@
         </p:nvSpPr>
         <p:spPr bwMode="auto">
           <a:xfrm>
-            <a:off x="1612900" y="1741900"/>
-            <a:ext cx="6070600" cy="1009650"/>
+            <a:off x="1123950" y="1855788"/>
+            <a:ext cx="6616700" cy="1890712"/>
           </a:xfrm>
           <a:prstGeom prst="rect">
             <a:avLst/>
@@ -3344,9 +3872,37 @@
           <a:bodyPr/>
           <a:lstStyle/>
           <a:p>
-            <a:pPr algn="ctr"/>
-            <a:r>
-              <a:rPr lang="en-US" sz="6600" dirty="0">
+            <a:pPr>
+              <a:spcBef>
+                <a:spcPct val="20000"/>
+              </a:spcBef>
+            </a:pPr>
+            <a:r>
+              <a:rPr lang="en-US" sz="4800" dirty="0" smtClean="0">
+                <a:solidFill>
+                  <a:srgbClr val="B702A0"/>
+                </a:solidFill>
+                <a:latin typeface="Comic Sans MS" pitchFamily="66" charset="0"/>
+              </a:rPr>
+              <a:t>Def:</a:t>
+            </a:r>
+            <a:r>
+              <a:rPr lang="en-US" sz="5400" i="1" dirty="0" smtClean="0">
+                <a:solidFill>
+                  <a:srgbClr val="000099"/>
+                </a:solidFill>
+                <a:latin typeface="Comic Sans MS" pitchFamily="66" charset="0"/>
+              </a:rPr>
+              <a:t> </a:t>
+            </a:r>
+            <a:r>
+              <a:rPr lang="en-US" sz="5400" i="1" dirty="0" smtClean="0">
+                <a:latin typeface="Comic Sans MS" pitchFamily="66" charset="0"/>
+              </a:rPr>
+              <a:t> </a:t>
+            </a:r>
+            <a:r>
+              <a:rPr lang="en-US" sz="5400" dirty="0">
                 <a:solidFill>
                   <a:srgbClr val="0000FF"/>
                 </a:solidFill>
@@ -3355,70 +3911,2126 @@
               <a:t>f(n)</a:t>
             </a:r>
             <a:r>
-              <a:rPr lang="en-US" sz="6600" dirty="0">
+              <a:rPr lang="en-US" sz="5400" dirty="0">
                 <a:latin typeface="Comic Sans MS" pitchFamily="66" charset="0"/>
               </a:rPr>
               <a:t> </a:t>
             </a:r>
             <a:r>
-              <a:rPr lang="en-US" sz="6600" b="1" dirty="0">
+              <a:rPr lang="en-US" sz="5400" b="1" dirty="0">
+                <a:latin typeface="Comic Sans MS" pitchFamily="66" charset="0"/>
+              </a:rPr>
+              <a:t>= </a:t>
+            </a:r>
+            <a:r>
+              <a:rPr lang="en-US" sz="5400" dirty="0">
+                <a:solidFill>
+                  <a:srgbClr val="FF33CC"/>
+                </a:solidFill>
+                <a:latin typeface="Comic Sans MS" pitchFamily="66" charset="0"/>
+              </a:rPr>
+              <a:t>o(</a:t>
+            </a:r>
+            <a:r>
+              <a:rPr lang="en-US" sz="5400" dirty="0">
+                <a:solidFill>
+                  <a:srgbClr val="0000FF"/>
+                </a:solidFill>
+                <a:latin typeface="Comic Sans MS" pitchFamily="66" charset="0"/>
+              </a:rPr>
+              <a:t>g(n)</a:t>
+            </a:r>
+            <a:r>
+              <a:rPr lang="en-US" sz="5400" dirty="0">
+                <a:solidFill>
+                  <a:srgbClr val="FF33CC"/>
+                </a:solidFill>
+                <a:latin typeface="Comic Sans MS" pitchFamily="66" charset="0"/>
+              </a:rPr>
+              <a:t>)</a:t>
+            </a:r>
+          </a:p>
+          <a:p>
+            <a:pPr>
+              <a:spcBef>
+                <a:spcPct val="20000"/>
+              </a:spcBef>
+            </a:pPr>
+            <a:r>
+              <a:rPr lang="en-US" sz="5400" dirty="0" smtClean="0">
+                <a:latin typeface="Comic Sans MS" pitchFamily="66" charset="0"/>
+              </a:rPr>
+              <a:t>  </a:t>
+            </a:r>
+            <a:r>
+              <a:rPr lang="en-US" sz="5400" dirty="0" err="1" smtClean="0">
+                <a:latin typeface="Comic Sans MS" pitchFamily="66" charset="0"/>
+              </a:rPr>
+              <a:t>iff</a:t>
+            </a:r>
+            <a:endParaRPr lang="en-US" sz="5400" dirty="0">
+              <a:latin typeface="Comic Sans MS" pitchFamily="66" charset="0"/>
+            </a:endParaRPr>
+          </a:p>
+        </p:txBody>
+      </p:sp>
+      <p:sp useBgFill="1">
+        <p:nvSpPr>
+          <p:cNvPr id="8" name="Rectangle 2"/>
+          <p:cNvSpPr>
+            <a:spLocks noGrp="1" noChangeArrowheads="1"/>
+          </p:cNvSpPr>
+          <p:nvPr>
+            <p:ph type="title"/>
+          </p:nvPr>
+        </p:nvSpPr>
+        <p:spPr>
+          <a:xfrm>
+            <a:off x="1143000" y="152400"/>
+            <a:ext cx="7239000" cy="914400"/>
+          </a:xfrm>
+        </p:spPr>
+        <p:txBody>
+          <a:bodyPr/>
+          <a:lstStyle/>
+          <a:p>
+            <a:pPr eaLnBrk="1" hangingPunct="1"/>
+            <a:r>
+              <a:rPr lang="en-US" dirty="0" smtClean="0"/>
+              <a:t>Little Oh:   </a:t>
+            </a:r>
+            <a:r>
+              <a:rPr lang="en-US" dirty="0" smtClean="0">
+                <a:solidFill>
+                  <a:srgbClr val="FF33CC"/>
+                </a:solidFill>
+              </a:rPr>
+              <a:t>o(∙)</a:t>
+            </a:r>
+          </a:p>
+        </p:txBody>
+      </p:sp>
+      <p:graphicFrame>
+        <p:nvGraphicFramePr>
+          <p:cNvPr id="6" name="Object 6"/>
+          <p:cNvGraphicFramePr>
+            <a:graphicFrameLocks noChangeAspect="1"/>
+          </p:cNvGraphicFramePr>
+          <p:nvPr>
+            <p:extLst>
+              <p:ext uri="{D42A27DB-BD31-4B8C-83A1-F6EECF244321}">
+                <p14:modId xmlns:p14="http://schemas.microsoft.com/office/powerpoint/2010/main" val="2319889666"/>
+              </p:ext>
+            </p:extLst>
+          </p:nvPr>
+        </p:nvGraphicFramePr>
+        <p:xfrm>
+          <a:off x="2146300" y="2981325"/>
+          <a:ext cx="4865688" cy="2392363"/>
+        </p:xfrm>
+        <a:graphic>
+          <a:graphicData uri="http://schemas.openxmlformats.org/presentationml/2006/ole">
+            <mc:AlternateContent xmlns:mc="http://schemas.openxmlformats.org/markup-compatibility/2006">
+              <mc:Choice xmlns:v="urn:schemas-microsoft-com:vml" Requires="v">
+                <p:oleObj spid="_x0000_s153644" name="Equation" r:id="rId4" imgW="927100" imgH="457200" progId="Equation.DSMT4">
+                  <p:embed/>
+                </p:oleObj>
+              </mc:Choice>
+              <mc:Fallback>
+                <p:oleObj name="Equation" r:id="rId4" imgW="927100" imgH="457200" progId="Equation.DSMT4">
+                  <p:embed/>
+                  <p:pic>
+                    <p:nvPicPr>
+                      <p:cNvPr id="0" name=""/>
+                      <p:cNvPicPr>
+                        <a:picLocks noChangeAspect="1" noChangeArrowheads="1"/>
+                      </p:cNvPicPr>
+                      <p:nvPr/>
+                    </p:nvPicPr>
+                    <p:blipFill>
+                      <a:blip r:embed="rId5"/>
+                      <a:srcRect/>
+                      <a:stretch>
+                        <a:fillRect/>
+                      </a:stretch>
+                    </p:blipFill>
+                    <p:spPr bwMode="auto">
+                      <a:xfrm>
+                        <a:off x="2146300" y="2981325"/>
+                        <a:ext cx="4865688" cy="2392363"/>
+                      </a:xfrm>
+                      <a:prstGeom prst="rect">
+                        <a:avLst/>
+                      </a:prstGeom>
+                      <a:noFill/>
+                      <a:extLst>
+                        <a:ext uri="{909E8E84-426E-40dd-AFC4-6F175D3DCCD1}">
+                          <a14:hiddenFill xmlns:a14="http://schemas.microsoft.com/office/drawing/2010/main">
+                            <a:solidFill>
+                              <a:srgbClr val="FFFFFF"/>
+                            </a:solidFill>
+                          </a14:hiddenFill>
+                        </a:ext>
+                      </a:extLst>
+                    </p:spPr>
+                  </p:pic>
+                </p:oleObj>
+              </mc:Fallback>
+            </mc:AlternateContent>
+          </a:graphicData>
+        </a:graphic>
+      </p:graphicFrame>
+    </p:spTree>
+  </p:cSld>
+  <p:clrMapOvr>
+    <a:masterClrMapping/>
+  </p:clrMapOvr>
+  <mc:AlternateContent xmlns:mc="http://schemas.openxmlformats.org/markup-compatibility/2006" xmlns:p14="http://schemas.microsoft.com/office/powerpoint/2010/main">
+    <mc:Choice Requires="p14">
+      <p:transition spd="slow" p14:dur="1200">
+        <p:fade thruBlk="1"/>
+      </p:transition>
+    </mc:Choice>
+    <mc:Fallback xmlns="">
+      <p:transition xmlns:p14="http://schemas.microsoft.com/office/powerpoint/2010/main" spd="slow">
+        <p:fade thruBlk="1"/>
+      </p:transition>
+    </mc:Fallback>
+  </mc:AlternateContent>
+  <p:timing>
+    <p:tnLst>
+      <p:par>
+        <p:cTn xmlns:p14="http://schemas.microsoft.com/office/powerpoint/2010/main" id="1" dur="indefinite" restart="never" nodeType="tmRoot">
+          <p:childTnLst>
+            <p:seq concurrent="1" nextAc="seek">
+              <p:cTn id="2" dur="indefinite" nodeType="mainSeq">
+                <p:childTnLst>
+                  <p:par>
+                    <p:cTn id="3" fill="hold">
+                      <p:stCondLst>
+                        <p:cond delay="indefinite"/>
+                      </p:stCondLst>
+                      <p:childTnLst>
+                        <p:par>
+                          <p:cTn id="4" fill="hold">
+                            <p:stCondLst>
+                              <p:cond delay="0"/>
+                            </p:stCondLst>
+                            <p:childTnLst>
+                              <p:par>
+                                <p:cTn id="5" presetID="9" presetClass="entr" presetSubtype="0" fill="hold" nodeType="clickEffect">
+                                  <p:stCondLst>
+                                    <p:cond delay="0"/>
+                                  </p:stCondLst>
+                                  <p:childTnLst>
+                                    <p:set>
+                                      <p:cBhvr>
+                                        <p:cTn id="6" dur="1" fill="hold">
+                                          <p:stCondLst>
+                                            <p:cond delay="0"/>
+                                          </p:stCondLst>
+                                        </p:cTn>
+                                        <p:tgtEl>
+                                          <p:spTgt spid="483333">
+                                            <p:txEl>
+                                              <p:pRg st="0" end="0"/>
+                                            </p:txEl>
+                                          </p:spTgt>
+                                        </p:tgtEl>
+                                        <p:attrNameLst>
+                                          <p:attrName>style.visibility</p:attrName>
+                                        </p:attrNameLst>
+                                      </p:cBhvr>
+                                      <p:to>
+                                        <p:strVal val="visible"/>
+                                      </p:to>
+                                    </p:set>
+                                    <p:animEffect transition="in" filter="dissolve">
+                                      <p:cBhvr>
+                                        <p:cTn id="7" dur="500"/>
+                                        <p:tgtEl>
+                                          <p:spTgt spid="483333">
+                                            <p:txEl>
+                                              <p:pRg st="0" end="0"/>
+                                            </p:txEl>
+                                          </p:spTgt>
+                                        </p:tgtEl>
+                                      </p:cBhvr>
+                                    </p:animEffect>
+                                  </p:childTnLst>
+                                </p:cTn>
+                              </p:par>
+                            </p:childTnLst>
+                          </p:cTn>
+                        </p:par>
+                      </p:childTnLst>
+                    </p:cTn>
+                  </p:par>
+                  <p:par>
+                    <p:cTn id="8" fill="hold">
+                      <p:stCondLst>
+                        <p:cond delay="indefinite"/>
+                      </p:stCondLst>
+                      <p:childTnLst>
+                        <p:par>
+                          <p:cTn id="9" fill="hold">
+                            <p:stCondLst>
+                              <p:cond delay="0"/>
+                            </p:stCondLst>
+                            <p:childTnLst>
+                              <p:par>
+                                <p:cTn id="10" presetID="1" presetClass="entr" presetSubtype="0" fill="hold" nodeType="clickEffect">
+                                  <p:stCondLst>
+                                    <p:cond delay="0"/>
+                                  </p:stCondLst>
+                                  <p:childTnLst>
+                                    <p:set>
+                                      <p:cBhvr>
+                                        <p:cTn id="11" dur="1" fill="hold">
+                                          <p:stCondLst>
+                                            <p:cond delay="0"/>
+                                          </p:stCondLst>
+                                        </p:cTn>
+                                        <p:tgtEl>
+                                          <p:spTgt spid="483333">
+                                            <p:txEl>
+                                              <p:pRg st="1" end="1"/>
+                                            </p:txEl>
+                                          </p:spTgt>
+                                        </p:tgtEl>
+                                        <p:attrNameLst>
+                                          <p:attrName>style.visibility</p:attrName>
+                                        </p:attrNameLst>
+                                      </p:cBhvr>
+                                      <p:to>
+                                        <p:strVal val="visible"/>
+                                      </p:to>
+                                    </p:set>
+                                  </p:childTnLst>
+                                </p:cTn>
+                              </p:par>
+                            </p:childTnLst>
+                          </p:cTn>
+                        </p:par>
+                        <p:par>
+                          <p:cTn id="12" fill="hold">
+                            <p:stCondLst>
+                              <p:cond delay="0"/>
+                            </p:stCondLst>
+                            <p:childTnLst>
+                              <p:par>
+                                <p:cTn id="13" presetID="22" presetClass="entr" presetSubtype="8" fill="hold" nodeType="afterEffect">
+                                  <p:stCondLst>
+                                    <p:cond delay="0"/>
+                                  </p:stCondLst>
+                                  <p:childTnLst>
+                                    <p:set>
+                                      <p:cBhvr>
+                                        <p:cTn id="14" dur="1" fill="hold">
+                                          <p:stCondLst>
+                                            <p:cond delay="0"/>
+                                          </p:stCondLst>
+                                        </p:cTn>
+                                        <p:tgtEl>
+                                          <p:spTgt spid="6"/>
+                                        </p:tgtEl>
+                                        <p:attrNameLst>
+                                          <p:attrName>style.visibility</p:attrName>
+                                        </p:attrNameLst>
+                                      </p:cBhvr>
+                                      <p:to>
+                                        <p:strVal val="visible"/>
+                                      </p:to>
+                                    </p:set>
+                                    <p:animEffect transition="in" filter="wipe(left)">
+                                      <p:cBhvr>
+                                        <p:cTn id="15" dur="1000"/>
+                                        <p:tgtEl>
+                                          <p:spTgt spid="6"/>
+                                        </p:tgtEl>
+                                      </p:cBhvr>
+                                    </p:animEffect>
+                                  </p:childTnLst>
+                                </p:cTn>
+                              </p:par>
+                            </p:childTnLst>
+                          </p:cTn>
+                        </p:par>
+                      </p:childTnLst>
+                    </p:cTn>
+                  </p:par>
+                </p:childTnLst>
+              </p:cTn>
+              <p:prevCondLst>
+                <p:cond evt="onPrev" delay="0">
+                  <p:tgtEl>
+                    <p:sldTgt/>
+                  </p:tgtEl>
+                </p:cond>
+              </p:prevCondLst>
+              <p:nextCondLst>
+                <p:cond evt="onNext" delay="0">
+                  <p:tgtEl>
+                    <p:sldTgt/>
+                  </p:tgtEl>
+                </p:cond>
+              </p:nextCondLst>
+            </p:seq>
+          </p:childTnLst>
+        </p:cTn>
+      </p:par>
+    </p:tnLst>
+  </p:timing>
+</p:sld>
+</file>
+
+<file path=ppt/slides/slide11.xml><?xml version="1.0" encoding="utf-8"?>
+<p:sld xmlns:a="http://schemas.openxmlformats.org/drawingml/2006/main" xmlns:r="http://schemas.openxmlformats.org/officeDocument/2006/relationships" xmlns:p="http://schemas.openxmlformats.org/presentationml/2006/main">
+  <p:cSld>
+    <p:spTree>
+      <p:nvGrpSpPr>
+        <p:cNvPr id="1" name=""/>
+        <p:cNvGrpSpPr/>
+        <p:nvPr/>
+      </p:nvGrpSpPr>
+      <p:grpSpPr>
+        <a:xfrm>
+          <a:off x="0" y="0"/>
+          <a:ext cx="0" cy="0"/>
+          <a:chOff x="0" y="0"/>
+          <a:chExt cx="0" cy="0"/>
+        </a:xfrm>
+      </p:grpSpPr>
+      <p:sp useBgFill="1">
+        <p:nvSpPr>
+          <p:cNvPr id="50179" name="Rectangle 2"/>
+          <p:cNvSpPr>
+            <a:spLocks noGrp="1" noChangeArrowheads="1"/>
+          </p:cNvSpPr>
+          <p:nvPr>
+            <p:ph type="title"/>
+          </p:nvPr>
+        </p:nvSpPr>
+        <p:spPr/>
+        <p:txBody>
+          <a:bodyPr/>
+          <a:lstStyle/>
+          <a:p>
+            <a:pPr eaLnBrk="1" hangingPunct="1"/>
+            <a:r>
+              <a:rPr lang="en-US" dirty="0" smtClean="0"/>
+              <a:t>Little Oh:   </a:t>
+            </a:r>
+            <a:r>
+              <a:rPr lang="en-US" dirty="0" smtClean="0">
+                <a:solidFill>
+                  <a:srgbClr val="FF33CC"/>
+                </a:solidFill>
+              </a:rPr>
+              <a:t>o(∙)</a:t>
+            </a:r>
+          </a:p>
+        </p:txBody>
+      </p:sp>
+      <p:sp>
+        <p:nvSpPr>
+          <p:cNvPr id="50180" name="Text Box 10"/>
+          <p:cNvSpPr txBox="1">
+            <a:spLocks noChangeArrowheads="1"/>
+          </p:cNvSpPr>
+          <p:nvPr/>
+        </p:nvSpPr>
+        <p:spPr bwMode="auto">
+          <a:xfrm>
+            <a:off x="311865" y="2044749"/>
+            <a:ext cx="2762295" cy="923330"/>
+          </a:xfrm>
+          <a:prstGeom prst="rect">
+            <a:avLst/>
+          </a:prstGeom>
+          <a:noFill/>
+          <a:ln w="9525">
+            <a:noFill/>
+            <a:miter lim="800000"/>
+            <a:headEnd/>
+            <a:tailEnd type="none" w="lg" len="lg"/>
+          </a:ln>
+        </p:spPr>
+        <p:txBody>
+          <a:bodyPr wrap="none">
+            <a:spAutoFit/>
+          </a:bodyPr>
+          <a:lstStyle/>
+          <a:p>
+            <a:r>
+              <a:rPr lang="en-US" sz="5400" dirty="0">
+                <a:latin typeface="Comic Sans MS" pitchFamily="66" charset="0"/>
+              </a:rPr>
+              <a:t>because</a:t>
+            </a:r>
+          </a:p>
+        </p:txBody>
+      </p:sp>
+      <p:graphicFrame>
+        <p:nvGraphicFramePr>
+          <p:cNvPr id="8" name="Object 7"/>
+          <p:cNvGraphicFramePr>
+            <a:graphicFrameLocks noChangeAspect="1"/>
+          </p:cNvGraphicFramePr>
+          <p:nvPr>
+            <p:extLst>
+              <p:ext uri="{D42A27DB-BD31-4B8C-83A1-F6EECF244321}">
+                <p14:modId xmlns:p14="http://schemas.microsoft.com/office/powerpoint/2010/main" val="2478136810"/>
+              </p:ext>
+            </p:extLst>
+          </p:nvPr>
+        </p:nvGraphicFramePr>
+        <p:xfrm>
+          <a:off x="2532063" y="830263"/>
+          <a:ext cx="4065587" cy="1487487"/>
+        </p:xfrm>
+        <a:graphic>
+          <a:graphicData uri="http://schemas.openxmlformats.org/presentationml/2006/ole">
+            <mc:AlternateContent xmlns:mc="http://schemas.openxmlformats.org/markup-compatibility/2006">
+              <mc:Choice xmlns:v="urn:schemas-microsoft-com:vml" Requires="v">
+                <p:oleObj spid="_x0000_s154701" name="Equation" r:id="rId4" imgW="660400" imgH="241300" progId="Equation.DSMT4">
+                  <p:embed/>
+                </p:oleObj>
+              </mc:Choice>
+              <mc:Fallback>
+                <p:oleObj name="Equation" r:id="rId4" imgW="660400" imgH="241300" progId="Equation.DSMT4">
+                  <p:embed/>
+                  <p:pic>
+                    <p:nvPicPr>
+                      <p:cNvPr id="0" name="Picture 2"/>
+                      <p:cNvPicPr>
+                        <a:picLocks noChangeAspect="1" noChangeArrowheads="1"/>
+                      </p:cNvPicPr>
+                      <p:nvPr/>
+                    </p:nvPicPr>
+                    <p:blipFill>
+                      <a:blip r:embed="rId5"/>
+                      <a:srcRect/>
+                      <a:stretch>
+                        <a:fillRect/>
+                      </a:stretch>
+                    </p:blipFill>
+                    <p:spPr bwMode="auto">
+                      <a:xfrm>
+                        <a:off x="2532063" y="830263"/>
+                        <a:ext cx="4065587" cy="1487487"/>
+                      </a:xfrm>
+                      <a:prstGeom prst="rect">
+                        <a:avLst/>
+                      </a:prstGeom>
+                      <a:noFill/>
+                      <a:extLst>
+                        <a:ext uri="{909E8E84-426E-40dd-AFC4-6F175D3DCCD1}">
+                          <a14:hiddenFill xmlns:a14="http://schemas.microsoft.com/office/drawing/2010/main">
+                            <a:solidFill>
+                              <a:srgbClr val="FFFFFF"/>
+                            </a:solidFill>
+                          </a14:hiddenFill>
+                        </a:ext>
+                      </a:extLst>
+                    </p:spPr>
+                  </p:pic>
+                </p:oleObj>
+              </mc:Fallback>
+            </mc:AlternateContent>
+          </a:graphicData>
+        </a:graphic>
+      </p:graphicFrame>
+      <p:graphicFrame>
+        <p:nvGraphicFramePr>
+          <p:cNvPr id="9" name="Object 8"/>
+          <p:cNvGraphicFramePr>
+            <a:graphicFrameLocks noChangeAspect="1"/>
+          </p:cNvGraphicFramePr>
+          <p:nvPr>
+            <p:extLst>
+              <p:ext uri="{D42A27DB-BD31-4B8C-83A1-F6EECF244321}">
+                <p14:modId xmlns:p14="http://schemas.microsoft.com/office/powerpoint/2010/main" val="1405486214"/>
+              </p:ext>
+            </p:extLst>
+          </p:nvPr>
+        </p:nvGraphicFramePr>
+        <p:xfrm>
+          <a:off x="1033463" y="2628900"/>
+          <a:ext cx="7038975" cy="2690813"/>
+        </p:xfrm>
+        <a:graphic>
+          <a:graphicData uri="http://schemas.openxmlformats.org/presentationml/2006/ole">
+            <mc:AlternateContent xmlns:mc="http://schemas.openxmlformats.org/markup-compatibility/2006">
+              <mc:Choice xmlns:v="urn:schemas-microsoft-com:vml" Requires="v">
+                <p:oleObj spid="_x0000_s154702" name="Equation" r:id="rId6" imgW="1130300" imgH="431800" progId="Equation.DSMT4">
+                  <p:embed/>
+                </p:oleObj>
+              </mc:Choice>
+              <mc:Fallback>
+                <p:oleObj name="Equation" r:id="rId6" imgW="1130300" imgH="431800" progId="Equation.DSMT4">
+                  <p:embed/>
+                  <p:pic>
+                    <p:nvPicPr>
+                      <p:cNvPr id="0" name="Picture 3"/>
+                      <p:cNvPicPr>
+                        <a:picLocks noChangeAspect="1" noChangeArrowheads="1"/>
+                      </p:cNvPicPr>
+                      <p:nvPr/>
+                    </p:nvPicPr>
+                    <p:blipFill>
+                      <a:blip r:embed="rId7"/>
+                      <a:srcRect/>
+                      <a:stretch>
+                        <a:fillRect/>
+                      </a:stretch>
+                    </p:blipFill>
+                    <p:spPr bwMode="auto">
+                      <a:xfrm>
+                        <a:off x="1033463" y="2628900"/>
+                        <a:ext cx="7038975" cy="2690813"/>
+                      </a:xfrm>
+                      <a:prstGeom prst="rect">
+                        <a:avLst/>
+                      </a:prstGeom>
+                      <a:noFill/>
+                      <a:extLst>
+                        <a:ext uri="{909E8E84-426E-40dd-AFC4-6F175D3DCCD1}">
+                          <a14:hiddenFill xmlns:a14="http://schemas.microsoft.com/office/drawing/2010/main">
+                            <a:solidFill>
+                              <a:srgbClr val="FFFFFF"/>
+                            </a:solidFill>
+                          </a14:hiddenFill>
+                        </a:ext>
+                      </a:extLst>
+                    </p:spPr>
+                  </p:pic>
+                </p:oleObj>
+              </mc:Fallback>
+            </mc:AlternateContent>
+          </a:graphicData>
+        </a:graphic>
+      </p:graphicFrame>
+    </p:spTree>
+  </p:cSld>
+  <p:clrMapOvr>
+    <a:masterClrMapping/>
+  </p:clrMapOvr>
+  <mc:AlternateContent xmlns:mc="http://schemas.openxmlformats.org/markup-compatibility/2006" xmlns:p14="http://schemas.microsoft.com/office/powerpoint/2010/main">
+    <mc:Choice Requires="p14">
+      <p:transition spd="med" p14:dur="700">
+        <p:fade/>
+      </p:transition>
+    </mc:Choice>
+    <mc:Fallback xmlns="">
+      <p:transition xmlns:p14="http://schemas.microsoft.com/office/powerpoint/2010/main" spd="med">
+        <p:fade/>
+      </p:transition>
+    </mc:Fallback>
+  </mc:AlternateContent>
+  <p:timing>
+    <p:tnLst>
+      <p:par>
+        <p:cTn xmlns:p14="http://schemas.microsoft.com/office/powerpoint/2010/main" id="1" dur="indefinite" restart="never" nodeType="tmRoot">
+          <p:childTnLst>
+            <p:seq concurrent="1" nextAc="seek">
+              <p:cTn id="2" dur="indefinite" nodeType="mainSeq">
+                <p:childTnLst>
+                  <p:par>
+                    <p:cTn id="3" fill="hold">
+                      <p:stCondLst>
+                        <p:cond delay="indefinite"/>
+                      </p:stCondLst>
+                      <p:childTnLst>
+                        <p:par>
+                          <p:cTn id="4" fill="hold">
+                            <p:stCondLst>
+                              <p:cond delay="0"/>
+                            </p:stCondLst>
+                            <p:childTnLst>
+                              <p:par>
+                                <p:cTn id="5" presetID="9" presetClass="entr" presetSubtype="0" fill="hold" grpId="1" nodeType="clickEffect">
+                                  <p:stCondLst>
+                                    <p:cond delay="0"/>
+                                  </p:stCondLst>
+                                  <p:childTnLst>
+                                    <p:set>
+                                      <p:cBhvr>
+                                        <p:cTn id="6" dur="1" fill="hold">
+                                          <p:stCondLst>
+                                            <p:cond delay="0"/>
+                                          </p:stCondLst>
+                                        </p:cTn>
+                                        <p:tgtEl>
+                                          <p:spTgt spid="50180"/>
+                                        </p:tgtEl>
+                                        <p:attrNameLst>
+                                          <p:attrName>style.visibility</p:attrName>
+                                        </p:attrNameLst>
+                                      </p:cBhvr>
+                                      <p:to>
+                                        <p:strVal val="visible"/>
+                                      </p:to>
+                                    </p:set>
+                                    <p:animEffect transition="in" filter="dissolve">
+                                      <p:cBhvr>
+                                        <p:cTn id="7" dur="500"/>
+                                        <p:tgtEl>
+                                          <p:spTgt spid="50180"/>
+                                        </p:tgtEl>
+                                      </p:cBhvr>
+                                    </p:animEffect>
+                                  </p:childTnLst>
+                                </p:cTn>
+                              </p:par>
+                            </p:childTnLst>
+                          </p:cTn>
+                        </p:par>
+                      </p:childTnLst>
+                    </p:cTn>
+                  </p:par>
+                  <p:par>
+                    <p:cTn id="8" fill="hold">
+                      <p:stCondLst>
+                        <p:cond delay="indefinite"/>
+                      </p:stCondLst>
+                      <p:childTnLst>
+                        <p:par>
+                          <p:cTn id="9" fill="hold">
+                            <p:stCondLst>
+                              <p:cond delay="0"/>
+                            </p:stCondLst>
+                            <p:childTnLst>
+                              <p:par>
+                                <p:cTn id="10" presetID="22" presetClass="entr" presetSubtype="8" fill="hold" nodeType="clickEffect">
+                                  <p:stCondLst>
+                                    <p:cond delay="0"/>
+                                  </p:stCondLst>
+                                  <p:childTnLst>
+                                    <p:set>
+                                      <p:cBhvr>
+                                        <p:cTn id="11" dur="1" fill="hold">
+                                          <p:stCondLst>
+                                            <p:cond delay="0"/>
+                                          </p:stCondLst>
+                                        </p:cTn>
+                                        <p:tgtEl>
+                                          <p:spTgt spid="9"/>
+                                        </p:tgtEl>
+                                        <p:attrNameLst>
+                                          <p:attrName>style.visibility</p:attrName>
+                                        </p:attrNameLst>
+                                      </p:cBhvr>
+                                      <p:to>
+                                        <p:strVal val="visible"/>
+                                      </p:to>
+                                    </p:set>
+                                    <p:animEffect transition="in" filter="wipe(left)">
+                                      <p:cBhvr>
+                                        <p:cTn id="12" dur="1000"/>
+                                        <p:tgtEl>
+                                          <p:spTgt spid="9"/>
+                                        </p:tgtEl>
+                                      </p:cBhvr>
+                                    </p:animEffect>
+                                  </p:childTnLst>
+                                </p:cTn>
+                              </p:par>
+                            </p:childTnLst>
+                          </p:cTn>
+                        </p:par>
+                      </p:childTnLst>
+                    </p:cTn>
+                  </p:par>
+                </p:childTnLst>
+              </p:cTn>
+              <p:prevCondLst>
+                <p:cond evt="onPrev" delay="0">
+                  <p:tgtEl>
+                    <p:sldTgt/>
+                  </p:tgtEl>
+                </p:cond>
+              </p:prevCondLst>
+              <p:nextCondLst>
+                <p:cond evt="onNext" delay="0">
+                  <p:tgtEl>
+                    <p:sldTgt/>
+                  </p:tgtEl>
+                </p:cond>
+              </p:nextCondLst>
+            </p:seq>
+          </p:childTnLst>
+        </p:cTn>
+      </p:par>
+    </p:tnLst>
+    <p:bldLst>
+      <p:bldP spid="50180" grpId="1"/>
+    </p:bldLst>
+  </p:timing>
+</p:sld>
+</file>
+
+<file path=ppt/slides/slide12.xml><?xml version="1.0" encoding="utf-8"?>
+<p:sld xmlns:a="http://schemas.openxmlformats.org/drawingml/2006/main" xmlns:r="http://schemas.openxmlformats.org/officeDocument/2006/relationships" xmlns:p="http://schemas.openxmlformats.org/presentationml/2006/main">
+  <p:cSld>
+    <p:spTree>
+      <p:nvGrpSpPr>
+        <p:cNvPr id="1" name=""/>
+        <p:cNvGrpSpPr/>
+        <p:nvPr/>
+      </p:nvGrpSpPr>
+      <p:grpSpPr>
+        <a:xfrm>
+          <a:off x="0" y="0"/>
+          <a:ext cx="0" cy="0"/>
+          <a:chOff x="0" y="0"/>
+          <a:chExt cx="0" cy="0"/>
+        </a:xfrm>
+      </p:grpSpPr>
+      <p:sp>
+        <p:nvSpPr>
+          <p:cNvPr id="11269" name="Text Box 5"/>
+          <p:cNvSpPr txBox="1">
+            <a:spLocks noChangeArrowheads="1"/>
+          </p:cNvSpPr>
+          <p:nvPr/>
+        </p:nvSpPr>
+        <p:spPr bwMode="auto">
+          <a:xfrm>
+            <a:off x="1076957" y="1243548"/>
+            <a:ext cx="6771643" cy="3785652"/>
+          </a:xfrm>
+          <a:prstGeom prst="rect">
+            <a:avLst/>
+          </a:prstGeom>
+          <a:noFill/>
+          <a:ln w="9525">
+            <a:noFill/>
+            <a:miter lim="800000"/>
+            <a:headEnd/>
+            <a:tailEnd type="none" w="lg" len="lg"/>
+          </a:ln>
+        </p:spPr>
+        <p:txBody>
+          <a:bodyPr wrap="none">
+            <a:spAutoFit/>
+          </a:bodyPr>
+          <a:lstStyle/>
+          <a:p>
+            <a:r>
+              <a:rPr lang="en-US" sz="6000" dirty="0" smtClean="0">
+                <a:solidFill>
+                  <a:srgbClr val="8D007E"/>
+                </a:solidFill>
+                <a:latin typeface="Comic Sans MS" pitchFamily="66" charset="0"/>
+              </a:rPr>
+              <a:t>Lemma:</a:t>
+            </a:r>
+            <a:r>
+              <a:rPr lang="en-US" sz="7200" dirty="0" smtClean="0">
+                <a:solidFill>
+                  <a:srgbClr val="006600"/>
+                </a:solidFill>
+                <a:latin typeface="Comic Sans MS" pitchFamily="66" charset="0"/>
+              </a:rPr>
+              <a:t> </a:t>
+            </a:r>
+          </a:p>
+          <a:p>
+            <a:r>
+              <a:rPr lang="en-US" sz="6600" b="1" kern="0" dirty="0" smtClean="0">
+                <a:solidFill>
+                  <a:srgbClr val="FF33CC"/>
+                </a:solidFill>
+                <a:latin typeface="Comic Sans MS"/>
+                <a:ea typeface="+mj-ea"/>
+                <a:cs typeface="+mj-cs"/>
+              </a:rPr>
+              <a:t>o</a:t>
+            </a:r>
+            <a:r>
+              <a:rPr lang="en-US" sz="6600" b="1" kern="0" dirty="0">
+                <a:solidFill>
+                  <a:srgbClr val="FF33CC"/>
+                </a:solidFill>
+                <a:latin typeface="Comic Sans MS"/>
+                <a:ea typeface="+mj-ea"/>
+                <a:cs typeface="+mj-cs"/>
+              </a:rPr>
+              <a:t>(∙)</a:t>
+            </a:r>
+            <a:r>
+              <a:rPr lang="en-US" sz="8000" dirty="0" smtClean="0">
+                <a:solidFill>
+                  <a:srgbClr val="006600"/>
+                </a:solidFill>
+                <a:latin typeface="Comic Sans MS" pitchFamily="66" charset="0"/>
+              </a:rPr>
+              <a:t> </a:t>
+            </a:r>
+            <a:r>
+              <a:rPr lang="en-US" sz="8000" dirty="0">
+                <a:solidFill>
+                  <a:srgbClr val="006600"/>
+                </a:solidFill>
+                <a:latin typeface="Comic Sans MS" pitchFamily="66" charset="0"/>
+              </a:rPr>
+              <a:t>is </a:t>
+            </a:r>
+            <a:r>
+              <a:rPr lang="en-US" sz="8000" dirty="0" smtClean="0">
+                <a:solidFill>
+                  <a:srgbClr val="006600"/>
+                </a:solidFill>
+                <a:latin typeface="Comic Sans MS" pitchFamily="66" charset="0"/>
+              </a:rPr>
+              <a:t>a strict</a:t>
+            </a:r>
+          </a:p>
+          <a:p>
+            <a:r>
+              <a:rPr lang="en-US" sz="8000" dirty="0" smtClean="0">
+                <a:solidFill>
+                  <a:srgbClr val="006600"/>
+                </a:solidFill>
+                <a:latin typeface="Comic Sans MS" pitchFamily="66" charset="0"/>
+              </a:rPr>
+              <a:t>partial order</a:t>
+            </a:r>
+            <a:endParaRPr lang="en-US" sz="8000" dirty="0">
+              <a:solidFill>
+                <a:srgbClr val="006600"/>
+              </a:solidFill>
+              <a:latin typeface="Comic Sans MS" pitchFamily="66" charset="0"/>
+            </a:endParaRPr>
+          </a:p>
+        </p:txBody>
+      </p:sp>
+      <p:sp useBgFill="1">
+        <p:nvSpPr>
+          <p:cNvPr id="5" name="Rectangle 2"/>
+          <p:cNvSpPr>
+            <a:spLocks noGrp="1" noChangeArrowheads="1"/>
+          </p:cNvSpPr>
+          <p:nvPr>
+            <p:ph type="title"/>
+          </p:nvPr>
+        </p:nvSpPr>
+        <p:spPr>
+          <a:xfrm>
+            <a:off x="1143000" y="152400"/>
+            <a:ext cx="7239000" cy="914400"/>
+          </a:xfrm>
+        </p:spPr>
+        <p:txBody>
+          <a:bodyPr/>
+          <a:lstStyle/>
+          <a:p>
+            <a:pPr eaLnBrk="1" hangingPunct="1"/>
+            <a:r>
+              <a:rPr lang="en-US" dirty="0" smtClean="0"/>
+              <a:t>Little Oh:   </a:t>
+            </a:r>
+            <a:r>
+              <a:rPr lang="en-US" dirty="0" smtClean="0">
+                <a:solidFill>
+                  <a:srgbClr val="FF33CC"/>
+                </a:solidFill>
+              </a:rPr>
+              <a:t>o(∙)</a:t>
+            </a:r>
+          </a:p>
+        </p:txBody>
+      </p:sp>
+    </p:spTree>
+    <p:extLst>
+      <p:ext uri="{BB962C8B-B14F-4D97-AF65-F5344CB8AC3E}">
+        <p14:creationId xmlns:p14="http://schemas.microsoft.com/office/powerpoint/2010/main" val="2945658028"/>
+      </p:ext>
+    </p:extLst>
+  </p:cSld>
+  <p:clrMapOvr>
+    <a:masterClrMapping/>
+  </p:clrMapOvr>
+  <mc:AlternateContent xmlns:mc="http://schemas.openxmlformats.org/markup-compatibility/2006" xmlns:p14="http://schemas.microsoft.com/office/powerpoint/2010/main">
+    <mc:Choice Requires="p14">
+      <p:transition spd="med" p14:dur="700">
+        <p:fade/>
+      </p:transition>
+    </mc:Choice>
+    <mc:Fallback xmlns="">
+      <p:transition xmlns:p14="http://schemas.microsoft.com/office/powerpoint/2010/main" spd="med">
+        <p:fade/>
+      </p:transition>
+    </mc:Fallback>
+  </mc:AlternateContent>
+  <p:timing>
+    <p:tnLst>
+      <p:par>
+        <p:cTn xmlns:p14="http://schemas.microsoft.com/office/powerpoint/2010/main" id="1" dur="indefinite" restart="never" nodeType="tmRoot"/>
+      </p:par>
+    </p:tnLst>
+  </p:timing>
+</p:sld>
+</file>
+
+<file path=ppt/slides/slide13.xml><?xml version="1.0" encoding="utf-8"?>
+<p:sld xmlns:a="http://schemas.openxmlformats.org/drawingml/2006/main" xmlns:r="http://schemas.openxmlformats.org/officeDocument/2006/relationships" xmlns:p="http://schemas.openxmlformats.org/presentationml/2006/main">
+  <p:cSld>
+    <p:spTree>
+      <p:nvGrpSpPr>
+        <p:cNvPr id="1" name=""/>
+        <p:cNvGrpSpPr/>
+        <p:nvPr/>
+      </p:nvGrpSpPr>
+      <p:grpSpPr>
+        <a:xfrm>
+          <a:off x="0" y="0"/>
+          <a:ext cx="0" cy="0"/>
+          <a:chOff x="0" y="0"/>
+          <a:chExt cx="0" cy="0"/>
+        </a:xfrm>
+      </p:grpSpPr>
+      <p:sp>
+        <p:nvSpPr>
+          <p:cNvPr id="14341" name="Rectangle 1027"/>
+          <p:cNvSpPr>
+            <a:spLocks noGrp="1" noChangeArrowheads="1"/>
+          </p:cNvSpPr>
+          <p:nvPr>
+            <p:ph type="body" sz="half" idx="1"/>
+          </p:nvPr>
+        </p:nvSpPr>
+        <p:spPr>
+          <a:xfrm>
+            <a:off x="676275" y="1147763"/>
+            <a:ext cx="7989888" cy="1730375"/>
+          </a:xfrm>
+        </p:spPr>
+        <p:txBody>
+          <a:bodyPr/>
+          <a:lstStyle/>
+          <a:p>
+            <a:pPr marL="0" indent="0" eaLnBrk="1" hangingPunct="1">
+              <a:lnSpc>
+                <a:spcPct val="90000"/>
+              </a:lnSpc>
+              <a:buFontTx/>
+              <a:buNone/>
+            </a:pPr>
+            <a:r>
+              <a:rPr lang="en-US" sz="4000" dirty="0" smtClean="0">
+                <a:solidFill>
+                  <a:srgbClr val="FF33CC"/>
+                </a:solidFill>
+              </a:rPr>
+              <a:t>Asymptotic Order of Growth:</a:t>
+            </a:r>
+          </a:p>
+          <a:p>
+            <a:pPr marL="0" indent="0" eaLnBrk="1" hangingPunct="1">
+              <a:lnSpc>
+                <a:spcPct val="90000"/>
+              </a:lnSpc>
+              <a:buFontTx/>
+              <a:buNone/>
+            </a:pPr>
+            <a:endParaRPr lang="en-US" sz="4000" dirty="0" smtClean="0"/>
+          </a:p>
+          <a:p>
+            <a:pPr marL="0" indent="0" eaLnBrk="1" hangingPunct="1">
+              <a:lnSpc>
+                <a:spcPct val="90000"/>
+              </a:lnSpc>
+              <a:buFontTx/>
+              <a:buNone/>
+            </a:pPr>
+            <a:endParaRPr lang="en-US" sz="2400" dirty="0" smtClean="0"/>
+          </a:p>
+        </p:txBody>
+      </p:sp>
+      <p:sp>
+        <p:nvSpPr>
+          <p:cNvPr id="487429" name="Rectangle 1029"/>
+          <p:cNvSpPr>
+            <a:spLocks noChangeArrowheads="1"/>
+          </p:cNvSpPr>
+          <p:nvPr/>
+        </p:nvSpPr>
+        <p:spPr bwMode="auto">
+          <a:xfrm>
+            <a:off x="2209800" y="1752600"/>
+            <a:ext cx="5219700" cy="1166812"/>
+          </a:xfrm>
+          <a:prstGeom prst="rect">
+            <a:avLst/>
+          </a:prstGeom>
+          <a:noFill/>
+          <a:ln w="9525">
+            <a:noFill/>
+            <a:miter lim="800000"/>
+            <a:headEnd/>
+            <a:tailEnd/>
+          </a:ln>
+        </p:spPr>
+        <p:txBody>
+          <a:bodyPr/>
+          <a:lstStyle/>
+          <a:p>
+            <a:pPr algn="ctr">
+              <a:spcBef>
+                <a:spcPct val="20000"/>
+              </a:spcBef>
+            </a:pPr>
+            <a:r>
+              <a:rPr lang="en-US" sz="7200" dirty="0" smtClean="0">
+                <a:solidFill>
+                  <a:srgbClr val="0000FF"/>
+                </a:solidFill>
+                <a:latin typeface="Comic Sans MS" pitchFamily="66" charset="0"/>
+              </a:rPr>
+              <a:t>f</a:t>
+            </a:r>
+            <a:r>
+              <a:rPr lang="en-US" sz="7200" dirty="0" smtClean="0">
+                <a:solidFill>
+                  <a:schemeClr val="accent5">
+                    <a:lumMod val="50000"/>
+                  </a:schemeClr>
+                </a:solidFill>
+                <a:latin typeface="Comic Sans MS" pitchFamily="66" charset="0"/>
+              </a:rPr>
+              <a:t>  </a:t>
+            </a:r>
+            <a:r>
+              <a:rPr lang="en-US" sz="7200" b="1" dirty="0" smtClean="0">
                 <a:latin typeface="Euclid Symbol" charset="2"/>
                 <a:cs typeface="Euclid Symbol" charset="2"/>
               </a:rPr>
               <a:t>=</a:t>
             </a:r>
             <a:r>
-              <a:rPr lang="en-US" sz="6600" b="1" dirty="0" smtClean="0">
+              <a:rPr lang="en-US" sz="7200" b="1" dirty="0" smtClean="0">
                 <a:latin typeface="Comic Sans MS" pitchFamily="66" charset="0"/>
               </a:rPr>
               <a:t> </a:t>
             </a:r>
             <a:r>
-              <a:rPr lang="en-US" sz="6600" dirty="0" err="1" smtClean="0">
+              <a:rPr lang="en-US" sz="7200" dirty="0" smtClean="0">
                 <a:solidFill>
                   <a:srgbClr val="FF33CC"/>
                 </a:solidFill>
+                <a:latin typeface="Comic Sans MS" pitchFamily="66" charset="0"/>
+              </a:rPr>
+              <a:t>O</a:t>
+            </a:r>
+            <a:r>
+              <a:rPr lang="en-US" sz="7200" dirty="0">
+                <a:solidFill>
+                  <a:srgbClr val="FF33CC"/>
+                </a:solidFill>
+                <a:latin typeface="Comic Sans MS" pitchFamily="66" charset="0"/>
+              </a:rPr>
+              <a:t>(</a:t>
+            </a:r>
+            <a:r>
+              <a:rPr lang="en-US" sz="7200" dirty="0" smtClean="0">
+                <a:solidFill>
+                  <a:srgbClr val="0000FF"/>
+                </a:solidFill>
+                <a:latin typeface="Comic Sans MS" pitchFamily="66" charset="0"/>
+              </a:rPr>
+              <a:t>g</a:t>
+            </a:r>
+            <a:r>
+              <a:rPr lang="en-US" sz="7200" dirty="0" smtClean="0">
+                <a:solidFill>
+                  <a:srgbClr val="FF33CC"/>
+                </a:solidFill>
+                <a:latin typeface="Comic Sans MS" pitchFamily="66" charset="0"/>
+              </a:rPr>
+              <a:t>)</a:t>
+            </a:r>
+            <a:endParaRPr lang="en-US" sz="7200" dirty="0">
+              <a:solidFill>
+                <a:srgbClr val="FF33CC"/>
+              </a:solidFill>
+              <a:latin typeface="Comic Sans MS" pitchFamily="66" charset="0"/>
+            </a:endParaRPr>
+          </a:p>
+        </p:txBody>
+      </p:sp>
+      <p:graphicFrame>
+        <p:nvGraphicFramePr>
+          <p:cNvPr id="487430" name="Object 1030"/>
+          <p:cNvGraphicFramePr>
+            <a:graphicFrameLocks noChangeAspect="1"/>
+          </p:cNvGraphicFramePr>
+          <p:nvPr/>
+        </p:nvGraphicFramePr>
+        <p:xfrm>
+          <a:off x="900113" y="3225800"/>
+          <a:ext cx="7327900" cy="2087563"/>
+        </p:xfrm>
+        <a:graphic>
+          <a:graphicData uri="http://schemas.openxmlformats.org/presentationml/2006/ole">
+            <mc:AlternateContent xmlns:mc="http://schemas.openxmlformats.org/markup-compatibility/2006">
+              <mc:Choice xmlns:v="urn:schemas-microsoft-com:vml" Requires="v">
+                <p:oleObj spid="_x0000_s155691" name="Equation" r:id="rId4" imgW="1689100" imgH="482600" progId="Equation.DSMT4">
+                  <p:embed/>
+                </p:oleObj>
+              </mc:Choice>
+              <mc:Fallback>
+                <p:oleObj name="Equation" r:id="rId4" imgW="1689100" imgH="482600" progId="Equation.DSMT4">
+                  <p:embed/>
+                  <p:pic>
+                    <p:nvPicPr>
+                      <p:cNvPr id="0" name="Object 1030"/>
+                      <p:cNvPicPr>
+                        <a:picLocks noChangeAspect="1" noChangeArrowheads="1"/>
+                      </p:cNvPicPr>
+                      <p:nvPr/>
+                    </p:nvPicPr>
+                    <p:blipFill>
+                      <a:blip r:embed="rId5">
+                        <a:extLst>
+                          <a:ext uri="{28A0092B-C50C-407E-A947-70E740481C1C}">
+                            <a14:useLocalDpi xmlns:a14="http://schemas.microsoft.com/office/drawing/2010/main" val="0"/>
+                          </a:ext>
+                        </a:extLst>
+                      </a:blip>
+                      <a:srcRect/>
+                      <a:stretch>
+                        <a:fillRect/>
+                      </a:stretch>
+                    </p:blipFill>
+                    <p:spPr bwMode="auto">
+                      <a:xfrm>
+                        <a:off x="900113" y="3225800"/>
+                        <a:ext cx="7327900" cy="2087563"/>
+                      </a:xfrm>
+                      <a:prstGeom prst="rect">
+                        <a:avLst/>
+                      </a:prstGeom>
+                      <a:noFill/>
+                      <a:extLst>
+                        <a:ext uri="{909E8E84-426E-40dd-AFC4-6F175D3DCCD1}">
+                          <a14:hiddenFill xmlns:a14="http://schemas.microsoft.com/office/drawing/2010/main">
+                            <a:solidFill>
+                              <a:srgbClr val="FFFFFF"/>
+                            </a:solidFill>
+                          </a14:hiddenFill>
+                        </a:ext>
+                      </a:extLst>
+                    </p:spPr>
+                  </p:pic>
+                </p:oleObj>
+              </mc:Fallback>
+            </mc:AlternateContent>
+          </a:graphicData>
+        </a:graphic>
+      </p:graphicFrame>
+      <p:sp>
+        <p:nvSpPr>
+          <p:cNvPr id="487431" name="Line 1031"/>
+          <p:cNvSpPr>
+            <a:spLocks noChangeShapeType="1"/>
+          </p:cNvSpPr>
+          <p:nvPr/>
+        </p:nvSpPr>
+        <p:spPr bwMode="auto">
+          <a:xfrm>
+            <a:off x="2748117" y="4243110"/>
+            <a:ext cx="1061883" cy="45719"/>
+          </a:xfrm>
+          <a:prstGeom prst="line">
+            <a:avLst/>
+          </a:prstGeom>
+          <a:noFill/>
+          <a:ln w="57150">
+            <a:solidFill>
+              <a:srgbClr val="FF0000"/>
+            </a:solidFill>
+            <a:round/>
+            <a:headEnd/>
+            <a:tailEnd type="none" w="lg" len="lg"/>
+          </a:ln>
+        </p:spPr>
+        <p:txBody>
+          <a:bodyPr/>
+          <a:lstStyle/>
+          <a:p>
+            <a:endParaRPr lang="en-US"/>
+          </a:p>
+        </p:txBody>
+      </p:sp>
+      <p:sp>
+        <p:nvSpPr>
+          <p:cNvPr id="487432" name="Text Box 1032"/>
+          <p:cNvSpPr txBox="1">
+            <a:spLocks noChangeArrowheads="1"/>
+          </p:cNvSpPr>
+          <p:nvPr/>
+        </p:nvSpPr>
+        <p:spPr bwMode="auto">
+          <a:xfrm>
+            <a:off x="962025" y="5338763"/>
+            <a:ext cx="7567697" cy="800219"/>
+          </a:xfrm>
+          <a:prstGeom prst="rect">
+            <a:avLst/>
+          </a:prstGeom>
+          <a:noFill/>
+          <a:ln w="9525">
+            <a:noFill/>
+            <a:miter lim="800000"/>
+            <a:headEnd/>
+            <a:tailEnd type="none" w="lg" len="lg"/>
+          </a:ln>
+        </p:spPr>
+        <p:txBody>
+          <a:bodyPr wrap="none">
+            <a:spAutoFit/>
+          </a:bodyPr>
+          <a:lstStyle/>
+          <a:p>
+            <a:r>
+              <a:rPr lang="en-US" dirty="0">
+                <a:solidFill>
+                  <a:srgbClr val="C80000"/>
+                </a:solidFill>
+                <a:latin typeface="Comic Sans MS" pitchFamily="66" charset="0"/>
+              </a:rPr>
+              <a:t>a technicality －ignore now</a:t>
+            </a:r>
+          </a:p>
+        </p:txBody>
+      </p:sp>
+      <p:sp>
+        <p:nvSpPr>
+          <p:cNvPr id="10" name="Rectangle 2"/>
+          <p:cNvSpPr>
+            <a:spLocks noGrp="1" noChangeArrowheads="1"/>
+          </p:cNvSpPr>
+          <p:nvPr>
+            <p:ph type="title"/>
+          </p:nvPr>
+        </p:nvSpPr>
+        <p:spPr>
+          <a:xfrm>
+            <a:off x="1143000" y="152400"/>
+            <a:ext cx="7239000" cy="914400"/>
+          </a:xfrm>
+        </p:spPr>
+        <p:txBody>
+          <a:bodyPr/>
+          <a:lstStyle/>
+          <a:p>
+            <a:pPr eaLnBrk="1" hangingPunct="1"/>
+            <a:r>
+              <a:rPr lang="en-US" dirty="0" smtClean="0"/>
+              <a:t>Big Oh: </a:t>
+            </a:r>
+            <a:r>
+              <a:rPr lang="en-US" dirty="0" smtClean="0">
+                <a:solidFill>
+                  <a:srgbClr val="FF33CC"/>
+                </a:solidFill>
+              </a:rPr>
+              <a:t>O(∙)</a:t>
+            </a:r>
+          </a:p>
+        </p:txBody>
+      </p:sp>
+    </p:spTree>
+  </p:cSld>
+  <p:clrMapOvr>
+    <a:masterClrMapping/>
+  </p:clrMapOvr>
+  <p:transition xmlns:p14="http://schemas.microsoft.com/office/powerpoint/2010/main" spd="slow">
+    <p:fade thruBlk="1"/>
+  </p:transition>
+  <p:timing>
+    <p:tnLst>
+      <p:par>
+        <p:cTn xmlns:p14="http://schemas.microsoft.com/office/powerpoint/2010/main" id="1" dur="indefinite" restart="never" nodeType="tmRoot">
+          <p:childTnLst>
+            <p:seq concurrent="1" nextAc="seek">
+              <p:cTn id="2" dur="indefinite" nodeType="mainSeq">
+                <p:childTnLst>
+                  <p:par>
+                    <p:cTn id="3" fill="hold">
+                      <p:stCondLst>
+                        <p:cond delay="indefinite"/>
+                      </p:stCondLst>
+                      <p:childTnLst>
+                        <p:par>
+                          <p:cTn id="4" fill="hold">
+                            <p:stCondLst>
+                              <p:cond delay="0"/>
+                            </p:stCondLst>
+                            <p:childTnLst>
+                              <p:par>
+                                <p:cTn id="5" presetID="9" presetClass="entr" presetSubtype="0" fill="hold" grpId="0" nodeType="clickEffect">
+                                  <p:stCondLst>
+                                    <p:cond delay="0"/>
+                                  </p:stCondLst>
+                                  <p:childTnLst>
+                                    <p:set>
+                                      <p:cBhvr>
+                                        <p:cTn id="6" dur="1" fill="hold">
+                                          <p:stCondLst>
+                                            <p:cond delay="0"/>
+                                          </p:stCondLst>
+                                        </p:cTn>
+                                        <p:tgtEl>
+                                          <p:spTgt spid="487429"/>
+                                        </p:tgtEl>
+                                        <p:attrNameLst>
+                                          <p:attrName>style.visibility</p:attrName>
+                                        </p:attrNameLst>
+                                      </p:cBhvr>
+                                      <p:to>
+                                        <p:strVal val="visible"/>
+                                      </p:to>
+                                    </p:set>
+                                    <p:animEffect transition="in" filter="dissolve">
+                                      <p:cBhvr>
+                                        <p:cTn id="7" dur="500"/>
+                                        <p:tgtEl>
+                                          <p:spTgt spid="487429"/>
+                                        </p:tgtEl>
+                                      </p:cBhvr>
+                                    </p:animEffect>
+                                  </p:childTnLst>
+                                </p:cTn>
+                              </p:par>
+                            </p:childTnLst>
+                          </p:cTn>
+                        </p:par>
+                      </p:childTnLst>
+                    </p:cTn>
+                  </p:par>
+                  <p:par>
+                    <p:cTn id="8" fill="hold">
+                      <p:stCondLst>
+                        <p:cond delay="indefinite"/>
+                      </p:stCondLst>
+                      <p:childTnLst>
+                        <p:par>
+                          <p:cTn id="9" fill="hold">
+                            <p:stCondLst>
+                              <p:cond delay="0"/>
+                            </p:stCondLst>
+                            <p:childTnLst>
+                              <p:par>
+                                <p:cTn id="10" presetID="22" presetClass="entr" presetSubtype="8" fill="hold" nodeType="clickEffect">
+                                  <p:stCondLst>
+                                    <p:cond delay="0"/>
+                                  </p:stCondLst>
+                                  <p:childTnLst>
+                                    <p:set>
+                                      <p:cBhvr>
+                                        <p:cTn id="11" dur="1" fill="hold">
+                                          <p:stCondLst>
+                                            <p:cond delay="0"/>
+                                          </p:stCondLst>
+                                        </p:cTn>
+                                        <p:tgtEl>
+                                          <p:spTgt spid="487430"/>
+                                        </p:tgtEl>
+                                        <p:attrNameLst>
+                                          <p:attrName>style.visibility</p:attrName>
+                                        </p:attrNameLst>
+                                      </p:cBhvr>
+                                      <p:to>
+                                        <p:strVal val="visible"/>
+                                      </p:to>
+                                    </p:set>
+                                    <p:animEffect transition="in" filter="wipe(left)">
+                                      <p:cBhvr>
+                                        <p:cTn id="12" dur="1000"/>
+                                        <p:tgtEl>
+                                          <p:spTgt spid="487430"/>
+                                        </p:tgtEl>
+                                      </p:cBhvr>
+                                    </p:animEffect>
+                                  </p:childTnLst>
+                                </p:cTn>
+                              </p:par>
+                            </p:childTnLst>
+                          </p:cTn>
+                        </p:par>
+                      </p:childTnLst>
+                    </p:cTn>
+                  </p:par>
+                  <p:par>
+                    <p:cTn id="13" fill="hold">
+                      <p:stCondLst>
+                        <p:cond delay="indefinite"/>
+                      </p:stCondLst>
+                      <p:childTnLst>
+                        <p:par>
+                          <p:cTn id="14" fill="hold">
+                            <p:stCondLst>
+                              <p:cond delay="0"/>
+                            </p:stCondLst>
+                            <p:childTnLst>
+                              <p:par>
+                                <p:cTn id="15" presetID="22" presetClass="entr" presetSubtype="2" fill="hold" grpId="0" nodeType="clickEffect">
+                                  <p:stCondLst>
+                                    <p:cond delay="0"/>
+                                  </p:stCondLst>
+                                  <p:childTnLst>
+                                    <p:set>
+                                      <p:cBhvr>
+                                        <p:cTn id="16" dur="1" fill="hold">
+                                          <p:stCondLst>
+                                            <p:cond delay="0"/>
+                                          </p:stCondLst>
+                                        </p:cTn>
+                                        <p:tgtEl>
+                                          <p:spTgt spid="487431"/>
+                                        </p:tgtEl>
+                                        <p:attrNameLst>
+                                          <p:attrName>style.visibility</p:attrName>
+                                        </p:attrNameLst>
+                                      </p:cBhvr>
+                                      <p:to>
+                                        <p:strVal val="visible"/>
+                                      </p:to>
+                                    </p:set>
+                                    <p:animEffect transition="in" filter="wipe(right)">
+                                      <p:cBhvr>
+                                        <p:cTn id="17" dur="500"/>
+                                        <p:tgtEl>
+                                          <p:spTgt spid="487431"/>
+                                        </p:tgtEl>
+                                      </p:cBhvr>
+                                    </p:animEffect>
+                                  </p:childTnLst>
+                                </p:cTn>
+                              </p:par>
+                            </p:childTnLst>
+                          </p:cTn>
+                        </p:par>
+                        <p:par>
+                          <p:cTn id="18" fill="hold">
+                            <p:stCondLst>
+                              <p:cond delay="500"/>
+                            </p:stCondLst>
+                            <p:childTnLst>
+                              <p:par>
+                                <p:cTn id="19" presetID="22" presetClass="entr" presetSubtype="1" fill="hold" nodeType="afterEffect">
+                                  <p:stCondLst>
+                                    <p:cond delay="0"/>
+                                  </p:stCondLst>
+                                  <p:childTnLst>
+                                    <p:set>
+                                      <p:cBhvr>
+                                        <p:cTn id="20" dur="1" fill="hold">
+                                          <p:stCondLst>
+                                            <p:cond delay="0"/>
+                                          </p:stCondLst>
+                                        </p:cTn>
+                                        <p:tgtEl>
+                                          <p:spTgt spid="487432">
+                                            <p:txEl>
+                                              <p:pRg st="0" end="0"/>
+                                            </p:txEl>
+                                          </p:spTgt>
+                                        </p:tgtEl>
+                                        <p:attrNameLst>
+                                          <p:attrName>style.visibility</p:attrName>
+                                        </p:attrNameLst>
+                                      </p:cBhvr>
+                                      <p:to>
+                                        <p:strVal val="visible"/>
+                                      </p:to>
+                                    </p:set>
+                                    <p:animEffect transition="in" filter="wipe(up)">
+                                      <p:cBhvr>
+                                        <p:cTn id="21" dur="1000"/>
+                                        <p:tgtEl>
+                                          <p:spTgt spid="487432">
+                                            <p:txEl>
+                                              <p:pRg st="0" end="0"/>
+                                            </p:txEl>
+                                          </p:spTgt>
+                                        </p:tgtEl>
+                                      </p:cBhvr>
+                                    </p:animEffect>
+                                  </p:childTnLst>
+                                </p:cTn>
+                              </p:par>
+                            </p:childTnLst>
+                          </p:cTn>
+                        </p:par>
+                      </p:childTnLst>
+                    </p:cTn>
+                  </p:par>
+                </p:childTnLst>
+              </p:cTn>
+              <p:prevCondLst>
+                <p:cond evt="onPrev" delay="0">
+                  <p:tgtEl>
+                    <p:sldTgt/>
+                  </p:tgtEl>
+                </p:cond>
+              </p:prevCondLst>
+              <p:nextCondLst>
+                <p:cond evt="onNext" delay="0">
+                  <p:tgtEl>
+                    <p:sldTgt/>
+                  </p:tgtEl>
+                </p:cond>
+              </p:nextCondLst>
+            </p:seq>
+          </p:childTnLst>
+        </p:cTn>
+      </p:par>
+    </p:tnLst>
+    <p:bldLst>
+      <p:bldP spid="487429" grpId="0"/>
+      <p:bldP spid="487431" grpId="0" animBg="1"/>
+    </p:bldLst>
+  </p:timing>
+</p:sld>
+</file>
+
+<file path=ppt/slides/slide14.xml><?xml version="1.0" encoding="utf-8"?>
+<p:sld xmlns:a="http://schemas.openxmlformats.org/drawingml/2006/main" xmlns:r="http://schemas.openxmlformats.org/officeDocument/2006/relationships" xmlns:p="http://schemas.openxmlformats.org/presentationml/2006/main">
+  <p:cSld>
+    <p:spTree>
+      <p:nvGrpSpPr>
+        <p:cNvPr id="1" name=""/>
+        <p:cNvGrpSpPr/>
+        <p:nvPr/>
+      </p:nvGrpSpPr>
+      <p:grpSpPr>
+        <a:xfrm>
+          <a:off x="0" y="0"/>
+          <a:ext cx="0" cy="0"/>
+          <a:chOff x="0" y="0"/>
+          <a:chExt cx="0" cy="0"/>
+        </a:xfrm>
+      </p:grpSpPr>
+      <p:sp>
+        <p:nvSpPr>
+          <p:cNvPr id="50179" name="Rectangle 2"/>
+          <p:cNvSpPr>
+            <a:spLocks noGrp="1" noChangeArrowheads="1"/>
+          </p:cNvSpPr>
+          <p:nvPr>
+            <p:ph type="title"/>
+          </p:nvPr>
+        </p:nvSpPr>
+        <p:spPr/>
+        <p:txBody>
+          <a:bodyPr/>
+          <a:lstStyle/>
+          <a:p>
+            <a:pPr eaLnBrk="1" hangingPunct="1"/>
+            <a:r>
+              <a:rPr lang="en-US" dirty="0" smtClean="0"/>
+              <a:t>Big Oh: </a:t>
+            </a:r>
+            <a:r>
+              <a:rPr lang="en-US" dirty="0" smtClean="0">
+                <a:solidFill>
+                  <a:srgbClr val="FF33CC"/>
+                </a:solidFill>
+              </a:rPr>
+              <a:t>O(∙)</a:t>
+            </a:r>
+          </a:p>
+        </p:txBody>
+      </p:sp>
+      <p:sp>
+        <p:nvSpPr>
+          <p:cNvPr id="50180" name="Text Box 10"/>
+          <p:cNvSpPr txBox="1">
+            <a:spLocks noChangeArrowheads="1"/>
+          </p:cNvSpPr>
+          <p:nvPr/>
+        </p:nvSpPr>
+        <p:spPr bwMode="auto">
+          <a:xfrm>
+            <a:off x="311865" y="2044749"/>
+            <a:ext cx="2762295" cy="923330"/>
+          </a:xfrm>
+          <a:prstGeom prst="rect">
+            <a:avLst/>
+          </a:prstGeom>
+          <a:noFill/>
+          <a:ln w="9525">
+            <a:noFill/>
+            <a:miter lim="800000"/>
+            <a:headEnd/>
+            <a:tailEnd type="none" w="lg" len="lg"/>
+          </a:ln>
+        </p:spPr>
+        <p:txBody>
+          <a:bodyPr wrap="none">
+            <a:spAutoFit/>
+          </a:bodyPr>
+          <a:lstStyle/>
+          <a:p>
+            <a:r>
+              <a:rPr lang="en-US" sz="5400" dirty="0">
+                <a:latin typeface="Comic Sans MS" pitchFamily="66" charset="0"/>
+              </a:rPr>
+              <a:t>because</a:t>
+            </a:r>
+          </a:p>
+        </p:txBody>
+      </p:sp>
+      <p:graphicFrame>
+        <p:nvGraphicFramePr>
+          <p:cNvPr id="8" name="Object 7"/>
+          <p:cNvGraphicFramePr>
+            <a:graphicFrameLocks noChangeAspect="1"/>
+          </p:cNvGraphicFramePr>
+          <p:nvPr>
+            <p:extLst>
+              <p:ext uri="{D42A27DB-BD31-4B8C-83A1-F6EECF244321}">
+                <p14:modId xmlns:p14="http://schemas.microsoft.com/office/powerpoint/2010/main" val="1236512052"/>
+              </p:ext>
+            </p:extLst>
+          </p:nvPr>
+        </p:nvGraphicFramePr>
+        <p:xfrm>
+          <a:off x="2141538" y="830263"/>
+          <a:ext cx="4846637" cy="1487487"/>
+        </p:xfrm>
+        <a:graphic>
+          <a:graphicData uri="http://schemas.openxmlformats.org/presentationml/2006/ole">
+            <mc:AlternateContent xmlns:mc="http://schemas.openxmlformats.org/markup-compatibility/2006">
+              <mc:Choice xmlns:v="urn:schemas-microsoft-com:vml" Requires="v">
+                <p:oleObj spid="_x0000_s156745" name="Equation" r:id="rId4" imgW="787400" imgH="241300" progId="Equation.DSMT4">
+                  <p:embed/>
+                </p:oleObj>
+              </mc:Choice>
+              <mc:Fallback>
+                <p:oleObj name="Equation" r:id="rId4" imgW="787400" imgH="241300" progId="Equation.DSMT4">
+                  <p:embed/>
+                  <p:pic>
+                    <p:nvPicPr>
+                      <p:cNvPr id="0" name="Picture 2"/>
+                      <p:cNvPicPr>
+                        <a:picLocks noChangeAspect="1" noChangeArrowheads="1"/>
+                      </p:cNvPicPr>
+                      <p:nvPr/>
+                    </p:nvPicPr>
+                    <p:blipFill>
+                      <a:blip r:embed="rId5"/>
+                      <a:srcRect/>
+                      <a:stretch>
+                        <a:fillRect/>
+                      </a:stretch>
+                    </p:blipFill>
+                    <p:spPr bwMode="auto">
+                      <a:xfrm>
+                        <a:off x="2141538" y="830263"/>
+                        <a:ext cx="4846637" cy="1487487"/>
+                      </a:xfrm>
+                      <a:prstGeom prst="rect">
+                        <a:avLst/>
+                      </a:prstGeom>
+                      <a:noFill/>
+                      <a:extLst>
+                        <a:ext uri="{909E8E84-426E-40dd-AFC4-6F175D3DCCD1}">
+                          <a14:hiddenFill xmlns:a14="http://schemas.microsoft.com/office/drawing/2010/main">
+                            <a:solidFill>
+                              <a:srgbClr val="FFFFFF"/>
+                            </a:solidFill>
+                          </a14:hiddenFill>
+                        </a:ext>
+                      </a:extLst>
+                    </p:spPr>
+                  </p:pic>
+                </p:oleObj>
+              </mc:Fallback>
+            </mc:AlternateContent>
+          </a:graphicData>
+        </a:graphic>
+      </p:graphicFrame>
+      <p:graphicFrame>
+        <p:nvGraphicFramePr>
+          <p:cNvPr id="9" name="Object 8"/>
+          <p:cNvGraphicFramePr>
+            <a:graphicFrameLocks noChangeAspect="1"/>
+          </p:cNvGraphicFramePr>
+          <p:nvPr/>
+        </p:nvGraphicFramePr>
+        <p:xfrm>
+          <a:off x="1350963" y="2590800"/>
+          <a:ext cx="6405562" cy="2768600"/>
+        </p:xfrm>
+        <a:graphic>
+          <a:graphicData uri="http://schemas.openxmlformats.org/presentationml/2006/ole">
+            <mc:AlternateContent xmlns:mc="http://schemas.openxmlformats.org/markup-compatibility/2006">
+              <mc:Choice xmlns:v="urn:schemas-microsoft-com:vml" Requires="v">
+                <p:oleObj spid="_x0000_s156746" name="Equation" r:id="rId6" imgW="1028700" imgH="444500" progId="Equation.DSMT4">
+                  <p:embed/>
+                </p:oleObj>
+              </mc:Choice>
+              <mc:Fallback>
+                <p:oleObj name="Equation" r:id="rId6" imgW="1028700" imgH="444500" progId="Equation.DSMT4">
+                  <p:embed/>
+                  <p:pic>
+                    <p:nvPicPr>
+                      <p:cNvPr id="0" name="Picture 3"/>
+                      <p:cNvPicPr>
+                        <a:picLocks noChangeAspect="1" noChangeArrowheads="1"/>
+                      </p:cNvPicPr>
+                      <p:nvPr/>
+                    </p:nvPicPr>
+                    <p:blipFill>
+                      <a:blip r:embed="rId7">
+                        <a:extLst>
+                          <a:ext uri="{28A0092B-C50C-407E-A947-70E740481C1C}">
+                            <a14:useLocalDpi xmlns:a14="http://schemas.microsoft.com/office/drawing/2010/main" val="0"/>
+                          </a:ext>
+                        </a:extLst>
+                      </a:blip>
+                      <a:srcRect/>
+                      <a:stretch>
+                        <a:fillRect/>
+                      </a:stretch>
+                    </p:blipFill>
+                    <p:spPr bwMode="auto">
+                      <a:xfrm>
+                        <a:off x="1350963" y="2590800"/>
+                        <a:ext cx="6405562" cy="2768600"/>
+                      </a:xfrm>
+                      <a:prstGeom prst="rect">
+                        <a:avLst/>
+                      </a:prstGeom>
+                      <a:noFill/>
+                      <a:extLst>
+                        <a:ext uri="{909E8E84-426E-40dd-AFC4-6F175D3DCCD1}">
+                          <a14:hiddenFill xmlns:a14="http://schemas.microsoft.com/office/drawing/2010/main">
+                            <a:solidFill>
+                              <a:srgbClr val="FFFFFF"/>
+                            </a:solidFill>
+                          </a14:hiddenFill>
+                        </a:ext>
+                      </a:extLst>
+                    </p:spPr>
+                  </p:pic>
+                </p:oleObj>
+              </mc:Fallback>
+            </mc:AlternateContent>
+          </a:graphicData>
+        </a:graphic>
+      </p:graphicFrame>
+    </p:spTree>
+  </p:cSld>
+  <p:clrMapOvr>
+    <a:masterClrMapping/>
+  </p:clrMapOvr>
+  <mc:AlternateContent xmlns:mc="http://schemas.openxmlformats.org/markup-compatibility/2006" xmlns:p14="http://schemas.microsoft.com/office/powerpoint/2010/main">
+    <mc:Choice Requires="p14">
+      <p:transition spd="med" p14:dur="700">
+        <p:fade/>
+      </p:transition>
+    </mc:Choice>
+    <mc:Fallback xmlns="">
+      <p:transition xmlns:p14="http://schemas.microsoft.com/office/powerpoint/2010/main" spd="med">
+        <p:fade/>
+      </p:transition>
+    </mc:Fallback>
+  </mc:AlternateContent>
+  <p:timing>
+    <p:tnLst>
+      <p:par>
+        <p:cTn xmlns:p14="http://schemas.microsoft.com/office/powerpoint/2010/main" id="1" dur="indefinite" restart="never" nodeType="tmRoot">
+          <p:childTnLst>
+            <p:seq concurrent="1" nextAc="seek">
+              <p:cTn id="2" dur="indefinite" nodeType="mainSeq">
+                <p:childTnLst>
+                  <p:par>
+                    <p:cTn id="3" fill="hold">
+                      <p:stCondLst>
+                        <p:cond delay="indefinite"/>
+                      </p:stCondLst>
+                      <p:childTnLst>
+                        <p:par>
+                          <p:cTn id="4" fill="hold">
+                            <p:stCondLst>
+                              <p:cond delay="0"/>
+                            </p:stCondLst>
+                            <p:childTnLst>
+                              <p:par>
+                                <p:cTn id="5" presetID="9" presetClass="entr" presetSubtype="0" fill="hold" grpId="0" nodeType="clickEffect">
+                                  <p:stCondLst>
+                                    <p:cond delay="0"/>
+                                  </p:stCondLst>
+                                  <p:childTnLst>
+                                    <p:set>
+                                      <p:cBhvr>
+                                        <p:cTn id="6" dur="1" fill="hold">
+                                          <p:stCondLst>
+                                            <p:cond delay="0"/>
+                                          </p:stCondLst>
+                                        </p:cTn>
+                                        <p:tgtEl>
+                                          <p:spTgt spid="50180"/>
+                                        </p:tgtEl>
+                                        <p:attrNameLst>
+                                          <p:attrName>style.visibility</p:attrName>
+                                        </p:attrNameLst>
+                                      </p:cBhvr>
+                                      <p:to>
+                                        <p:strVal val="visible"/>
+                                      </p:to>
+                                    </p:set>
+                                    <p:animEffect transition="in" filter="dissolve">
+                                      <p:cBhvr>
+                                        <p:cTn id="7" dur="500"/>
+                                        <p:tgtEl>
+                                          <p:spTgt spid="50180"/>
+                                        </p:tgtEl>
+                                      </p:cBhvr>
+                                    </p:animEffect>
+                                  </p:childTnLst>
+                                </p:cTn>
+                              </p:par>
+                            </p:childTnLst>
+                          </p:cTn>
+                        </p:par>
+                        <p:par>
+                          <p:cTn id="8" fill="hold">
+                            <p:stCondLst>
+                              <p:cond delay="500"/>
+                            </p:stCondLst>
+                            <p:childTnLst>
+                              <p:par>
+                                <p:cTn id="9" presetID="22" presetClass="entr" presetSubtype="8" fill="hold" nodeType="afterEffect">
+                                  <p:stCondLst>
+                                    <p:cond delay="0"/>
+                                  </p:stCondLst>
+                                  <p:childTnLst>
+                                    <p:set>
+                                      <p:cBhvr>
+                                        <p:cTn id="10" dur="1" fill="hold">
+                                          <p:stCondLst>
+                                            <p:cond delay="0"/>
+                                          </p:stCondLst>
+                                        </p:cTn>
+                                        <p:tgtEl>
+                                          <p:spTgt spid="9"/>
+                                        </p:tgtEl>
+                                        <p:attrNameLst>
+                                          <p:attrName>style.visibility</p:attrName>
+                                        </p:attrNameLst>
+                                      </p:cBhvr>
+                                      <p:to>
+                                        <p:strVal val="visible"/>
+                                      </p:to>
+                                    </p:set>
+                                    <p:animEffect transition="in" filter="wipe(left)">
+                                      <p:cBhvr>
+                                        <p:cTn id="11" dur="2000"/>
+                                        <p:tgtEl>
+                                          <p:spTgt spid="9"/>
+                                        </p:tgtEl>
+                                      </p:cBhvr>
+                                    </p:animEffect>
+                                  </p:childTnLst>
+                                </p:cTn>
+                              </p:par>
+                            </p:childTnLst>
+                          </p:cTn>
+                        </p:par>
+                      </p:childTnLst>
+                    </p:cTn>
+                  </p:par>
+                </p:childTnLst>
+              </p:cTn>
+              <p:prevCondLst>
+                <p:cond evt="onPrev" delay="0">
+                  <p:tgtEl>
+                    <p:sldTgt/>
+                  </p:tgtEl>
+                </p:cond>
+              </p:prevCondLst>
+              <p:nextCondLst>
+                <p:cond evt="onNext" delay="0">
+                  <p:tgtEl>
+                    <p:sldTgt/>
+                  </p:tgtEl>
+                </p:cond>
+              </p:nextCondLst>
+            </p:seq>
+          </p:childTnLst>
+        </p:cTn>
+      </p:par>
+    </p:tnLst>
+    <p:bldLst>
+      <p:bldP spid="50180" grpId="0"/>
+    </p:bldLst>
+  </p:timing>
+</p:sld>
+</file>
+
+<file path=ppt/slides/slide15.xml><?xml version="1.0" encoding="utf-8"?>
+<p:sld xmlns:a="http://schemas.openxmlformats.org/drawingml/2006/main" xmlns:r="http://schemas.openxmlformats.org/officeDocument/2006/relationships" xmlns:p="http://schemas.openxmlformats.org/presentationml/2006/main">
+  <p:cSld>
+    <p:spTree>
+      <p:nvGrpSpPr>
+        <p:cNvPr id="1" name=""/>
+        <p:cNvGrpSpPr/>
+        <p:nvPr/>
+      </p:nvGrpSpPr>
+      <p:grpSpPr>
+        <a:xfrm>
+          <a:off x="0" y="0"/>
+          <a:ext cx="0" cy="0"/>
+          <a:chOff x="0" y="0"/>
+          <a:chExt cx="0" cy="0"/>
+        </a:xfrm>
+      </p:grpSpPr>
+      <p:sp>
+        <p:nvSpPr>
+          <p:cNvPr id="52227" name="Rectangle 2"/>
+          <p:cNvSpPr>
+            <a:spLocks noGrp="1" noChangeArrowheads="1"/>
+          </p:cNvSpPr>
+          <p:nvPr>
+            <p:ph type="title"/>
+          </p:nvPr>
+        </p:nvSpPr>
+        <p:spPr>
+          <a:xfrm>
+            <a:off x="1485900" y="0"/>
+            <a:ext cx="7543800" cy="1143000"/>
+          </a:xfrm>
+        </p:spPr>
+        <p:txBody>
+          <a:bodyPr/>
+          <a:lstStyle/>
+          <a:p>
+            <a:pPr eaLnBrk="1" hangingPunct="1"/>
+            <a:r>
+              <a:rPr lang="en-US" sz="4800" dirty="0" smtClean="0"/>
+              <a:t>Theta:  </a:t>
+            </a:r>
+            <a:r>
+              <a:rPr lang="en-US" sz="4800" b="0" dirty="0" err="1" smtClean="0">
+                <a:solidFill>
+                  <a:srgbClr val="FF33CC"/>
+                </a:solidFill>
                 <a:sym typeface="Symbol" pitchFamily="18" charset="2"/>
               </a:rPr>
               <a:t>Θ</a:t>
             </a:r>
             <a:r>
-              <a:rPr lang="en-US" sz="6600" dirty="0" err="1" smtClean="0">
+              <a:rPr lang="en-US" sz="4800" b="0" dirty="0" smtClean="0">
                 <a:solidFill>
                   <a:srgbClr val="FF33CC"/>
                 </a:solidFill>
+              </a:rPr>
+              <a:t>(∙)</a:t>
+            </a:r>
+          </a:p>
+        </p:txBody>
+      </p:sp>
+      <p:sp>
+        <p:nvSpPr>
+          <p:cNvPr id="52228" name="Rectangle 4"/>
+          <p:cNvSpPr>
+            <a:spLocks noChangeArrowheads="1"/>
+          </p:cNvSpPr>
+          <p:nvPr/>
+        </p:nvSpPr>
+        <p:spPr bwMode="auto">
+          <a:xfrm>
+            <a:off x="2743200" y="1741900"/>
+            <a:ext cx="4483100" cy="1382300"/>
+          </a:xfrm>
+          <a:prstGeom prst="rect">
+            <a:avLst/>
+          </a:prstGeom>
+          <a:noFill/>
+          <a:ln w="9525">
+            <a:noFill/>
+            <a:miter lim="800000"/>
+            <a:headEnd/>
+            <a:tailEnd/>
+          </a:ln>
+        </p:spPr>
+        <p:txBody>
+          <a:bodyPr/>
+          <a:lstStyle/>
+          <a:p>
+            <a:pPr algn="ctr"/>
+            <a:r>
+              <a:rPr lang="en-US" sz="7200" dirty="0" smtClean="0">
+                <a:solidFill>
+                  <a:srgbClr val="0000FF"/>
+                </a:solidFill>
+                <a:latin typeface="Comic Sans MS" pitchFamily="66" charset="0"/>
+              </a:rPr>
+              <a:t>f</a:t>
+            </a:r>
+            <a:r>
+              <a:rPr lang="en-US" sz="7200" dirty="0" smtClean="0">
+                <a:latin typeface="Comic Sans MS" pitchFamily="66" charset="0"/>
+              </a:rPr>
+              <a:t> </a:t>
+            </a:r>
+            <a:r>
+              <a:rPr lang="en-US" sz="7200" b="1" dirty="0">
+                <a:latin typeface="Euclid Symbol" charset="2"/>
+                <a:cs typeface="Euclid Symbol" charset="2"/>
+              </a:rPr>
+              <a:t>=</a:t>
+            </a:r>
+            <a:r>
+              <a:rPr lang="en-US" sz="7200" b="1" dirty="0" smtClean="0">
+                <a:latin typeface="Comic Sans MS" pitchFamily="66" charset="0"/>
+              </a:rPr>
+              <a:t> </a:t>
+            </a:r>
+            <a:r>
+              <a:rPr lang="en-US" sz="7200" dirty="0" err="1" smtClean="0">
+                <a:solidFill>
+                  <a:srgbClr val="FF33CC"/>
+                </a:solidFill>
+                <a:sym typeface="Symbol" pitchFamily="18" charset="2"/>
+              </a:rPr>
+              <a:t>Θ</a:t>
+            </a:r>
+            <a:r>
+              <a:rPr lang="en-US" sz="7200" dirty="0" smtClean="0">
+                <a:solidFill>
+                  <a:srgbClr val="FF33CC"/>
+                </a:solidFill>
                 <a:latin typeface="Comic Sans MS" pitchFamily="66" charset="0"/>
               </a:rPr>
               <a:t>(</a:t>
             </a:r>
             <a:r>
-              <a:rPr lang="en-US" sz="6600" dirty="0" err="1">
+              <a:rPr lang="en-US" sz="7200" dirty="0" smtClean="0">
                 <a:solidFill>
                   <a:srgbClr val="0000FF"/>
                 </a:solidFill>
                 <a:latin typeface="Comic Sans MS" pitchFamily="66" charset="0"/>
               </a:rPr>
-              <a:t>g(n</a:t>
-            </a:r>
-            <a:r>
-              <a:rPr lang="en-US" sz="6600" dirty="0">
-                <a:solidFill>
-                  <a:srgbClr val="0000FF"/>
+              <a:t>g</a:t>
+            </a:r>
+            <a:r>
+              <a:rPr lang="en-US" sz="7200" dirty="0" smtClean="0">
+                <a:solidFill>
+                  <a:srgbClr val="FF33CC"/>
                 </a:solidFill>
                 <a:latin typeface="Comic Sans MS" pitchFamily="66" charset="0"/>
               </a:rPr>
               <a:t>)</a:t>
             </a:r>
-            <a:r>
-              <a:rPr lang="en-US" sz="6600" dirty="0">
-                <a:solidFill>
-                  <a:srgbClr val="FF33CC"/>
-                </a:solidFill>
-                <a:latin typeface="Comic Sans MS" pitchFamily="66" charset="0"/>
-              </a:rPr>
-              <a:t>)</a:t>
-            </a:r>
-            <a:endParaRPr lang="en-US" sz="5400" dirty="0">
+            <a:endParaRPr lang="en-US" sz="6000" dirty="0">
               <a:latin typeface="Comic Sans MS" pitchFamily="66" charset="0"/>
               <a:sym typeface="Symbol" pitchFamily="18" charset="2"/>
             </a:endParaRPr>
@@ -3435,8 +6047,8 @@
         </p:nvSpPr>
         <p:spPr bwMode="auto">
           <a:xfrm>
-            <a:off x="1227781" y="2979179"/>
-            <a:ext cx="6751090" cy="2954655"/>
+            <a:off x="1371600" y="2979179"/>
+            <a:ext cx="5706419" cy="3193021"/>
           </a:xfrm>
           <a:prstGeom prst="rect">
             <a:avLst/>
@@ -3456,7 +6068,7 @@
           <a:lstStyle/>
           <a:p>
             <a:r>
-              <a:rPr lang="en-US" sz="5400" dirty="0" smtClean="0">
+              <a:rPr lang="en-US" sz="6000" dirty="0" smtClean="0">
                 <a:solidFill>
                   <a:srgbClr val="B702A0"/>
                 </a:solidFill>
@@ -3465,88 +6077,75 @@
               <a:t>Def:</a:t>
             </a:r>
             <a:r>
-              <a:rPr lang="en-US" sz="6000" i="1" dirty="0" smtClean="0">
+              <a:rPr lang="en-US" sz="6600" i="1" dirty="0" smtClean="0">
                 <a:latin typeface="Comic Sans MS" pitchFamily="66" charset="0"/>
               </a:rPr>
               <a:t> </a:t>
             </a:r>
             <a:r>
-              <a:rPr lang="en-US" sz="6000" dirty="0" smtClean="0">
+              <a:rPr lang="en-US" sz="6600" dirty="0" smtClean="0">
                 <a:solidFill>
                   <a:srgbClr val="0000FF"/>
                 </a:solidFill>
                 <a:latin typeface="Comic Sans MS" pitchFamily="66" charset="0"/>
               </a:rPr>
-              <a:t>f(n)</a:t>
-            </a:r>
-            <a:r>
-              <a:rPr lang="en-US" sz="6000" b="1" dirty="0">
+              <a:t>f</a:t>
+            </a:r>
+            <a:r>
+              <a:rPr lang="en-US" sz="6600" b="1" dirty="0" smtClean="0">
                 <a:latin typeface="Euclid Symbol" charset="2"/>
                 <a:cs typeface="Euclid Symbol" charset="2"/>
               </a:rPr>
+              <a:t> = </a:t>
+            </a:r>
+            <a:r>
+              <a:rPr lang="en-US" sz="6600" dirty="0" smtClean="0">
+                <a:latin typeface="Comic Sans MS" pitchFamily="66" charset="0"/>
+              </a:rPr>
+              <a:t>O</a:t>
+            </a:r>
+            <a:r>
+              <a:rPr lang="en-US" sz="6600" dirty="0">
+                <a:latin typeface="Comic Sans MS" pitchFamily="66" charset="0"/>
+              </a:rPr>
+              <a:t>(</a:t>
+            </a:r>
+            <a:r>
+              <a:rPr lang="en-US" sz="6600" dirty="0" smtClean="0">
+                <a:solidFill>
+                  <a:srgbClr val="0000FF"/>
+                </a:solidFill>
+                <a:latin typeface="Comic Sans MS" pitchFamily="66" charset="0"/>
+              </a:rPr>
+              <a:t>g</a:t>
+            </a:r>
+            <a:r>
+              <a:rPr lang="en-US" sz="6600" dirty="0" smtClean="0">
+                <a:latin typeface="Comic Sans MS" pitchFamily="66" charset="0"/>
+              </a:rPr>
+              <a:t>)   </a:t>
+            </a:r>
+          </a:p>
+          <a:p>
+            <a:r>
+              <a:rPr lang="en-US" sz="6600" dirty="0">
+                <a:solidFill>
+                  <a:srgbClr val="FF33CC"/>
+                </a:solidFill>
+                <a:latin typeface="Comic Sans MS" pitchFamily="66" charset="0"/>
+              </a:rPr>
               <a:t> </a:t>
             </a:r>
             <a:r>
-              <a:rPr lang="en-US" sz="6000" b="1" dirty="0" smtClean="0">
-                <a:latin typeface="Euclid Symbol" charset="2"/>
-                <a:cs typeface="Euclid Symbol" charset="2"/>
-              </a:rPr>
-              <a:t>= </a:t>
-            </a:r>
-            <a:r>
-              <a:rPr lang="en-US" sz="6000" dirty="0" smtClean="0">
-                <a:latin typeface="Comic Sans MS" pitchFamily="66" charset="0"/>
-              </a:rPr>
-              <a:t>O</a:t>
-            </a:r>
-            <a:r>
-              <a:rPr lang="en-US" sz="6000" dirty="0">
-                <a:latin typeface="Comic Sans MS" pitchFamily="66" charset="0"/>
-              </a:rPr>
-              <a:t>(</a:t>
-            </a:r>
-            <a:r>
-              <a:rPr lang="en-US" sz="6000" dirty="0">
-                <a:solidFill>
-                  <a:srgbClr val="0000FF"/>
-                </a:solidFill>
-                <a:latin typeface="Comic Sans MS" pitchFamily="66" charset="0"/>
-              </a:rPr>
-              <a:t>g(n)</a:t>
-            </a:r>
-            <a:r>
-              <a:rPr lang="en-US" sz="6000" dirty="0">
-                <a:latin typeface="Comic Sans MS" pitchFamily="66" charset="0"/>
-              </a:rPr>
-              <a:t>) </a:t>
-            </a:r>
-            <a:r>
-              <a:rPr lang="en-US" sz="6000" dirty="0" smtClean="0">
-                <a:latin typeface="Comic Sans MS" pitchFamily="66" charset="0"/>
-              </a:rPr>
-              <a:t>  </a:t>
-            </a:r>
-          </a:p>
-          <a:p>
-            <a:r>
-              <a:rPr lang="en-US" sz="6000" dirty="0">
+              <a:rPr lang="en-US" sz="6600" dirty="0" smtClean="0">
                 <a:solidFill>
                   <a:srgbClr val="FF33CC"/>
                 </a:solidFill>
                 <a:latin typeface="Comic Sans MS" pitchFamily="66" charset="0"/>
               </a:rPr>
-              <a:t> </a:t>
-            </a:r>
-            <a:r>
-              <a:rPr lang="en-US" sz="6000" dirty="0" smtClean="0">
-                <a:solidFill>
-                  <a:srgbClr val="FF33CC"/>
-                </a:solidFill>
-                <a:latin typeface="Comic Sans MS" pitchFamily="66" charset="0"/>
-              </a:rPr>
               <a:t>           and</a:t>
             </a:r>
-            <a:endParaRPr lang="en-US" sz="6000" dirty="0" smtClean="0">
+            <a:endParaRPr lang="en-US" sz="6600" dirty="0" smtClean="0">
               <a:solidFill>
                 <a:srgbClr val="008000"/>
               </a:solidFill>
@@ -3555,7 +6154,7 @@
           </a:p>
           <a:p>
             <a:r>
-              <a:rPr lang="en-US" sz="6000" dirty="0" smtClean="0">
+              <a:rPr lang="en-US" sz="6600" dirty="0" smtClean="0">
                 <a:solidFill>
                   <a:schemeClr val="accent5">
                     <a:lumMod val="50000"/>
@@ -3566,55 +6165,58 @@
               <a:t>       </a:t>
             </a:r>
             <a:r>
-              <a:rPr lang="en-US" sz="6000" dirty="0" smtClean="0">
+              <a:rPr lang="en-US" sz="6600" dirty="0" smtClean="0">
                 <a:solidFill>
                   <a:srgbClr val="0000FF"/>
                 </a:solidFill>
                 <a:latin typeface="Comic Sans MS" pitchFamily="66" charset="0"/>
               </a:rPr>
-              <a:t>g(n)</a:t>
-            </a:r>
-            <a:r>
-              <a:rPr lang="en-US" sz="6000" b="1" dirty="0">
+              <a:t>g</a:t>
+            </a:r>
+            <a:r>
+              <a:rPr lang="en-US" sz="6600" b="1" dirty="0" smtClean="0">
                 <a:latin typeface="Euclid Symbol" charset="2"/>
                 <a:cs typeface="Euclid Symbol" charset="2"/>
               </a:rPr>
               <a:t> </a:t>
             </a:r>
             <a:r>
-              <a:rPr lang="en-US" sz="6000" b="1" dirty="0" smtClean="0">
+              <a:rPr lang="en-US" sz="6600" b="1" dirty="0" smtClean="0">
                 <a:latin typeface="Euclid Symbol" charset="2"/>
                 <a:cs typeface="Euclid Symbol" charset="2"/>
               </a:rPr>
               <a:t>= </a:t>
             </a:r>
             <a:r>
-              <a:rPr lang="en-US" sz="6000" dirty="0" smtClean="0">
+              <a:rPr lang="en-US" sz="6600" dirty="0" smtClean="0">
                 <a:latin typeface="Comic Sans MS" pitchFamily="66" charset="0"/>
               </a:rPr>
               <a:t>O</a:t>
             </a:r>
             <a:r>
-              <a:rPr lang="en-US" sz="6000" dirty="0">
+              <a:rPr lang="en-US" sz="6600" dirty="0">
                 <a:latin typeface="Comic Sans MS" pitchFamily="66" charset="0"/>
               </a:rPr>
               <a:t>(</a:t>
             </a:r>
             <a:r>
-              <a:rPr lang="en-US" sz="6000" dirty="0">
+              <a:rPr lang="en-US" sz="6600" dirty="0" smtClean="0">
                 <a:solidFill>
                   <a:srgbClr val="0000FF"/>
                 </a:solidFill>
                 <a:latin typeface="Comic Sans MS" pitchFamily="66" charset="0"/>
               </a:rPr>
-              <a:t>f(n)</a:t>
-            </a:r>
-            <a:r>
-              <a:rPr lang="en-US" sz="6000" dirty="0">
+              <a:t>f</a:t>
+            </a:r>
+            <a:r>
+              <a:rPr lang="en-US" sz="6600" dirty="0" smtClean="0">
                 <a:latin typeface="Comic Sans MS" pitchFamily="66" charset="0"/>
               </a:rPr>
               <a:t>)</a:t>
             </a:r>
+            <a:endParaRPr lang="en-US" sz="6600" dirty="0">
+              <a:latin typeface="Comic Sans MS" pitchFamily="66" charset="0"/>
+            </a:endParaRPr>
           </a:p>
         </p:txBody>
       </p:sp>
@@ -3667,13 +6269,13 @@
   </p:clrMapOvr>
   <mc:AlternateContent xmlns:mc="http://schemas.openxmlformats.org/markup-compatibility/2006" xmlns:p14="http://schemas.microsoft.com/office/powerpoint/2010/main">
     <mc:Choice Requires="p14">
-      <p:transition spd="med" p14:dur="700">
-        <p:fade/>
+      <p:transition spd="slow" p14:dur="1200">
+        <p:fade thruBlk="1"/>
       </p:transition>
     </mc:Choice>
     <mc:Fallback xmlns="">
-      <p:transition xmlns:p14="http://schemas.microsoft.com/office/powerpoint/2010/main" spd="med">
-        <p:fade/>
+      <p:transition xmlns:p14="http://schemas.microsoft.com/office/powerpoint/2010/main" spd="slow">
+        <p:fade thruBlk="1"/>
       </p:transition>
     </mc:Fallback>
   </mc:AlternateContent>
@@ -3723,7 +6325,7 @@
                                     </p:set>
                                     <p:animEffect transition="in" filter="wipe(up)">
                                       <p:cBhvr>
-                                        <p:cTn id="7" dur="500"/>
+                                        <p:cTn id="7" dur="2000"/>
                                         <p:tgtEl>
                                           <p:spTgt spid="488454"/>
                                         </p:tgtEl>
@@ -3766,7 +6368,7 @@
 </p:sld>
 </file>
 
-<file path=ppt/slides/slide11.xml><?xml version="1.0" encoding="utf-8"?>
+<file path=ppt/slides/slide16.xml><?xml version="1.0" encoding="utf-8"?>
 <p:sld xmlns:a="http://schemas.openxmlformats.org/drawingml/2006/main" xmlns:r="http://schemas.openxmlformats.org/officeDocument/2006/relationships" xmlns:p="http://schemas.openxmlformats.org/presentationml/2006/main">
   <p:cSld>
     <p:spTree>
@@ -3785,6 +6387,234 @@
       </p:grpSpPr>
       <p:sp>
         <p:nvSpPr>
+          <p:cNvPr id="11269" name="Text Box 5"/>
+          <p:cNvSpPr txBox="1">
+            <a:spLocks noChangeArrowheads="1"/>
+          </p:cNvSpPr>
+          <p:nvPr/>
+        </p:nvSpPr>
+        <p:spPr bwMode="auto">
+          <a:xfrm>
+            <a:off x="1392076" y="990600"/>
+            <a:ext cx="6207448" cy="5016758"/>
+          </a:xfrm>
+          <a:prstGeom prst="rect">
+            <a:avLst/>
+          </a:prstGeom>
+          <a:noFill/>
+          <a:ln w="9525">
+            <a:noFill/>
+            <a:miter lim="800000"/>
+            <a:headEnd/>
+            <a:tailEnd type="none" w="lg" len="lg"/>
+          </a:ln>
+        </p:spPr>
+        <p:txBody>
+          <a:bodyPr wrap="none">
+            <a:spAutoFit/>
+          </a:bodyPr>
+          <a:lstStyle/>
+          <a:p>
+            <a:r>
+              <a:rPr lang="en-US" sz="6600" dirty="0" smtClean="0">
+                <a:solidFill>
+                  <a:srgbClr val="8D007E"/>
+                </a:solidFill>
+                <a:latin typeface="Comic Sans MS" pitchFamily="66" charset="0"/>
+              </a:rPr>
+              <a:t>Lemma:</a:t>
+            </a:r>
+            <a:r>
+              <a:rPr lang="en-US" sz="8000" dirty="0" smtClean="0">
+                <a:solidFill>
+                  <a:srgbClr val="006600"/>
+                </a:solidFill>
+                <a:latin typeface="Comic Sans MS" pitchFamily="66" charset="0"/>
+              </a:rPr>
+              <a:t> </a:t>
+            </a:r>
+          </a:p>
+          <a:p>
+            <a:r>
+              <a:rPr lang="en-US" sz="8000" kern="0" dirty="0" smtClean="0">
+                <a:solidFill>
+                  <a:srgbClr val="FF33CC"/>
+                </a:solidFill>
+                <a:latin typeface="Comic Sans MS"/>
+                <a:ea typeface="+mj-ea"/>
+                <a:cs typeface="+mj-cs"/>
+                <a:sym typeface="Symbol" pitchFamily="18" charset="2"/>
+              </a:rPr>
+              <a:t>  </a:t>
+            </a:r>
+            <a:r>
+              <a:rPr lang="en-US" sz="8000" kern="0" dirty="0" err="1" smtClean="0">
+                <a:solidFill>
+                  <a:srgbClr val="FF33CC"/>
+                </a:solidFill>
+                <a:latin typeface="Comic Sans MS"/>
+                <a:ea typeface="+mj-ea"/>
+                <a:cs typeface="+mj-cs"/>
+                <a:sym typeface="Symbol" pitchFamily="18" charset="2"/>
+              </a:rPr>
+              <a:t>Θ</a:t>
+            </a:r>
+            <a:r>
+              <a:rPr lang="en-US" sz="8000" kern="0" dirty="0">
+                <a:solidFill>
+                  <a:srgbClr val="FF33CC"/>
+                </a:solidFill>
+                <a:latin typeface="Comic Sans MS"/>
+                <a:ea typeface="+mj-ea"/>
+                <a:cs typeface="+mj-cs"/>
+              </a:rPr>
+              <a:t>(∙)</a:t>
+            </a:r>
+            <a:r>
+              <a:rPr lang="en-US" sz="8000" dirty="0" smtClean="0">
+                <a:solidFill>
+                  <a:srgbClr val="006600"/>
+                </a:solidFill>
+                <a:latin typeface="Comic Sans MS" pitchFamily="66" charset="0"/>
+              </a:rPr>
+              <a:t> </a:t>
+            </a:r>
+            <a:r>
+              <a:rPr lang="en-US" sz="8000" dirty="0">
+                <a:solidFill>
+                  <a:srgbClr val="006600"/>
+                </a:solidFill>
+                <a:latin typeface="Comic Sans MS" pitchFamily="66" charset="0"/>
+              </a:rPr>
+              <a:t>is </a:t>
+            </a:r>
+            <a:r>
+              <a:rPr lang="en-US" sz="8000" dirty="0" smtClean="0">
+                <a:solidFill>
+                  <a:srgbClr val="006600"/>
+                </a:solidFill>
+                <a:latin typeface="Comic Sans MS" pitchFamily="66" charset="0"/>
+              </a:rPr>
+              <a:t>an </a:t>
+            </a:r>
+          </a:p>
+          <a:p>
+            <a:r>
+              <a:rPr lang="en-US" sz="8000" dirty="0" smtClean="0">
+                <a:solidFill>
+                  <a:srgbClr val="006600"/>
+                </a:solidFill>
+                <a:latin typeface="Comic Sans MS" pitchFamily="66" charset="0"/>
+              </a:rPr>
+              <a:t>  equivalence</a:t>
+            </a:r>
+          </a:p>
+          <a:p>
+            <a:r>
+              <a:rPr lang="en-US" sz="8000" dirty="0" smtClean="0">
+                <a:solidFill>
+                  <a:srgbClr val="006600"/>
+                </a:solidFill>
+                <a:latin typeface="Comic Sans MS" pitchFamily="66" charset="0"/>
+              </a:rPr>
+              <a:t>  relation</a:t>
+            </a:r>
+            <a:endParaRPr lang="en-US" sz="8000" dirty="0">
+              <a:solidFill>
+                <a:srgbClr val="006600"/>
+              </a:solidFill>
+              <a:latin typeface="Comic Sans MS" pitchFamily="66" charset="0"/>
+            </a:endParaRPr>
+          </a:p>
+        </p:txBody>
+      </p:sp>
+      <p:sp>
+        <p:nvSpPr>
+          <p:cNvPr id="5" name="Rectangle 2"/>
+          <p:cNvSpPr>
+            <a:spLocks noGrp="1" noChangeArrowheads="1"/>
+          </p:cNvSpPr>
+          <p:nvPr>
+            <p:ph type="title"/>
+          </p:nvPr>
+        </p:nvSpPr>
+        <p:spPr>
+          <a:xfrm>
+            <a:off x="1485900" y="0"/>
+            <a:ext cx="7543800" cy="1143000"/>
+          </a:xfrm>
+        </p:spPr>
+        <p:txBody>
+          <a:bodyPr/>
+          <a:lstStyle/>
+          <a:p>
+            <a:pPr eaLnBrk="1" hangingPunct="1"/>
+            <a:r>
+              <a:rPr lang="en-US" sz="4800" dirty="0" smtClean="0"/>
+              <a:t>Theta:  </a:t>
+            </a:r>
+            <a:r>
+              <a:rPr lang="en-US" sz="4800" b="0" dirty="0" err="1" smtClean="0">
+                <a:solidFill>
+                  <a:srgbClr val="FF33CC"/>
+                </a:solidFill>
+                <a:sym typeface="Symbol" pitchFamily="18" charset="2"/>
+              </a:rPr>
+              <a:t>Θ</a:t>
+            </a:r>
+            <a:r>
+              <a:rPr lang="en-US" sz="4800" b="0" dirty="0" smtClean="0">
+                <a:solidFill>
+                  <a:srgbClr val="FF33CC"/>
+                </a:solidFill>
+              </a:rPr>
+              <a:t>(∙)</a:t>
+            </a:r>
+          </a:p>
+        </p:txBody>
+      </p:sp>
+    </p:spTree>
+    <p:extLst>
+      <p:ext uri="{BB962C8B-B14F-4D97-AF65-F5344CB8AC3E}">
+        <p14:creationId xmlns:p14="http://schemas.microsoft.com/office/powerpoint/2010/main" val="3982671723"/>
+      </p:ext>
+    </p:extLst>
+  </p:cSld>
+  <p:clrMapOvr>
+    <a:masterClrMapping/>
+  </p:clrMapOvr>
+  <p:transition xmlns:p14="http://schemas.microsoft.com/office/powerpoint/2010/main" spd="slow">
+    <p:fade/>
+  </p:transition>
+  <p:timing>
+    <p:tnLst>
+      <p:par>
+        <p:cTn xmlns:p14="http://schemas.microsoft.com/office/powerpoint/2010/main" id="1" dur="indefinite" restart="never" nodeType="tmRoot"/>
+      </p:par>
+    </p:tnLst>
+  </p:timing>
+</p:sld>
+</file>
+
+<file path=ppt/slides/slide17.xml><?xml version="1.0" encoding="utf-8"?>
+<p:sld xmlns:a="http://schemas.openxmlformats.org/drawingml/2006/main" xmlns:r="http://schemas.openxmlformats.org/officeDocument/2006/relationships" xmlns:p="http://schemas.openxmlformats.org/presentationml/2006/main">
+  <p:cSld>
+    <p:spTree>
+      <p:nvGrpSpPr>
+        <p:cNvPr id="1" name=""/>
+        <p:cNvGrpSpPr/>
+        <p:nvPr/>
+      </p:nvGrpSpPr>
+      <p:grpSpPr>
+        <a:xfrm>
+          <a:off x="0" y="0"/>
+          <a:ext cx="0" cy="0"/>
+          <a:chOff x="0" y="0"/>
+          <a:chExt cx="0" cy="0"/>
+        </a:xfrm>
+      </p:grpSpPr>
+      <p:sp>
+        <p:nvSpPr>
           <p:cNvPr id="53250" name="Title 1"/>
           <p:cNvSpPr>
             <a:spLocks noGrp="1"/>
@@ -3920,7 +6750,15 @@
                   <a:srgbClr val="FF3399"/>
                 </a:solidFill>
               </a:rPr>
-              <a:t> nearly equal</a:t>
+              <a:t> </a:t>
+            </a:r>
+            <a:r>
+              <a:rPr lang="en-US" sz="4400" dirty="0" smtClean="0">
+                <a:solidFill>
+                  <a:srgbClr val="8D007E"/>
+                </a:solidFill>
+              </a:rPr>
+              <a:t>nearly equal</a:t>
             </a:r>
           </a:p>
           <a:p>
@@ -4020,10 +6858,18 @@
             <a:r>
               <a:rPr lang="en-US" sz="4400" dirty="0" smtClean="0">
                 <a:solidFill>
+                  <a:srgbClr val="8D007E"/>
+                </a:solidFill>
+              </a:rPr>
+              <a:t>much less</a:t>
+            </a:r>
+            <a:r>
+              <a:rPr lang="en-US" sz="4400" dirty="0" smtClean="0">
+                <a:solidFill>
                   <a:srgbClr val="FF3399"/>
                 </a:solidFill>
               </a:rPr>
-              <a:t>much less </a:t>
+              <a:t> </a:t>
             </a:r>
             <a:r>
               <a:rPr lang="en-US" sz="4400" dirty="0" smtClean="0"/>
@@ -4135,7 +6981,7 @@
             <a:r>
               <a:rPr lang="en-US" sz="4400" dirty="0" smtClean="0">
                 <a:solidFill>
-                  <a:srgbClr val="FF3399"/>
+                  <a:srgbClr val="8D007E"/>
                 </a:solidFill>
               </a:rPr>
               <a:t>roughly </a:t>
@@ -4143,7 +6989,7 @@
             <a:r>
               <a:rPr lang="en-US" sz="4400" b="1" dirty="0" smtClean="0">
                 <a:solidFill>
-                  <a:srgbClr val="FF3399"/>
+                  <a:srgbClr val="8D007E"/>
                 </a:solidFill>
                 <a:latin typeface="Euclid Symbol" charset="2"/>
                 <a:cs typeface="Euclid Symbol" charset="2"/>
@@ -4270,7 +7116,7 @@
             <a:r>
               <a:rPr lang="en-US" sz="4400" dirty="0" smtClean="0">
                 <a:solidFill>
-                  <a:srgbClr val="FF3399"/>
+                  <a:srgbClr val="8D007E"/>
                 </a:solidFill>
               </a:rPr>
               <a:t>roughly </a:t>
@@ -4278,7 +7124,7 @@
             <a:r>
               <a:rPr lang="en-US" sz="4400" dirty="0" smtClean="0">
                 <a:solidFill>
-                  <a:srgbClr val="FF3399"/>
+                  <a:srgbClr val="8D007E"/>
                 </a:solidFill>
                 <a:sym typeface="Euclid Symbol"/>
               </a:rPr>
@@ -4319,13 +7165,13 @@
   </p:clrMapOvr>
   <mc:AlternateContent xmlns:mc="http://schemas.openxmlformats.org/markup-compatibility/2006" xmlns:p14="http://schemas.microsoft.com/office/powerpoint/2010/main">
     <mc:Choice Requires="p14">
-      <p:transition spd="med" p14:dur="700">
-        <p:fade/>
+      <p:transition spd="slow" p14:dur="1200">
+        <p:fade thruBlk="1"/>
       </p:transition>
     </mc:Choice>
     <mc:Fallback xmlns="">
-      <p:transition xmlns:p14="http://schemas.microsoft.com/office/powerpoint/2010/main" spd="med">
-        <p:fade/>
+      <p:transition xmlns:p14="http://schemas.microsoft.com/office/powerpoint/2010/main" spd="slow">
+        <p:fade thruBlk="1"/>
       </p:transition>
     </mc:Fallback>
   </mc:AlternateContent>
@@ -4694,7 +7540,7 @@
             <a:r>
               <a:rPr lang="en-US" sz="5400" dirty="0">
                 <a:solidFill>
-                  <a:srgbClr val="B702A0"/>
+                  <a:srgbClr val="8D007E"/>
                 </a:solidFill>
                 <a:latin typeface="Comic Sans MS" pitchFamily="66" charset="0"/>
               </a:rPr>
@@ -4788,7 +7634,7 @@
           <a:graphicData uri="http://schemas.openxmlformats.org/presentationml/2006/ole">
             <mc:AlternateContent xmlns:mc="http://schemas.openxmlformats.org/markup-compatibility/2006">
               <mc:Choice xmlns:v="urn:schemas-microsoft-com:vml" Requires="v">
-                <p:oleObj spid="_x0000_s149535" name="Equation" r:id="rId4" imgW="889000" imgH="457200" progId="Equation.DSMT4">
+                <p:oleObj spid="_x0000_s149550" name="Equation" r:id="rId4" imgW="889000" imgH="457200" progId="Equation.DSMT4">
                   <p:embed/>
                 </p:oleObj>
               </mc:Choice>
@@ -4992,7 +7838,7 @@
       </p:sp>
       <p:sp>
         <p:nvSpPr>
-          <p:cNvPr id="11269" name="Text Box 5"/>
+          <p:cNvPr id="6" name="Text Box 10"/>
           <p:cNvSpPr txBox="1">
             <a:spLocks noChangeArrowheads="1"/>
           </p:cNvSpPr>
@@ -5000,8 +7846,8 @@
         </p:nvSpPr>
         <p:spPr bwMode="auto">
           <a:xfrm>
-            <a:off x="1223963" y="1182688"/>
-            <a:ext cx="6853158" cy="923330"/>
+            <a:off x="311865" y="2044749"/>
+            <a:ext cx="2762295" cy="923330"/>
           </a:xfrm>
           <a:prstGeom prst="rect">
             <a:avLst/>
@@ -5021,190 +7867,46 @@
           <a:lstStyle/>
           <a:p>
             <a:r>
-              <a:rPr lang="en-US" sz="4000" dirty="0">
-                <a:solidFill>
-                  <a:srgbClr val="B702A0"/>
-                </a:solidFill>
-                <a:latin typeface="Comic Sans MS" pitchFamily="66" charset="0"/>
-              </a:rPr>
-              <a:t>Lemma</a:t>
-            </a:r>
-            <a:r>
-              <a:rPr lang="en-US" sz="4000" dirty="0">
-                <a:latin typeface="Comic Sans MS" pitchFamily="66" charset="0"/>
-              </a:rPr>
-              <a:t>:</a:t>
-            </a:r>
-            <a:r>
               <a:rPr lang="en-US" sz="5400" dirty="0">
-                <a:solidFill>
-                  <a:srgbClr val="006600"/>
-                </a:solidFill>
-                <a:latin typeface="Comic Sans MS" pitchFamily="66" charset="0"/>
-              </a:rPr>
-              <a:t> </a:t>
-            </a:r>
-            <a:r>
-              <a:rPr lang="en-US" sz="4800" b="1" dirty="0">
-                <a:solidFill>
-                  <a:srgbClr val="FF33CC"/>
-                </a:solidFill>
-                <a:latin typeface="Comic Sans MS" pitchFamily="66" charset="0"/>
-              </a:rPr>
-              <a:t>~</a:t>
-            </a:r>
-            <a:r>
-              <a:rPr lang="en-US" sz="5400" dirty="0">
-                <a:solidFill>
-                  <a:srgbClr val="006600"/>
-                </a:solidFill>
-                <a:latin typeface="Comic Sans MS" pitchFamily="66" charset="0"/>
-              </a:rPr>
-              <a:t> is symmetric</a:t>
-            </a:r>
-          </a:p>
-        </p:txBody>
-      </p:sp>
-      <p:sp>
-        <p:nvSpPr>
-          <p:cNvPr id="526342" name="Text Box 6"/>
-          <p:cNvSpPr txBox="1">
-            <a:spLocks noChangeArrowheads="1"/>
-          </p:cNvSpPr>
-          <p:nvPr/>
-        </p:nvSpPr>
-        <p:spPr bwMode="auto">
-          <a:xfrm>
-            <a:off x="962025" y="2279650"/>
-            <a:ext cx="6180673" cy="923330"/>
-          </a:xfrm>
-          <a:prstGeom prst="rect">
-            <a:avLst/>
-          </a:prstGeom>
-          <a:noFill/>
-          <a:ln w="9525">
-            <a:noFill/>
-            <a:miter lim="800000"/>
-            <a:headEnd/>
-            <a:tailEnd type="none" w="lg" len="lg"/>
-          </a:ln>
-        </p:spPr>
-        <p:txBody>
-          <a:bodyPr wrap="none">
-            <a:spAutoFit/>
-          </a:bodyPr>
-          <a:lstStyle/>
-          <a:p>
-            <a:r>
-              <a:rPr lang="en-US" sz="3600" dirty="0">
-                <a:solidFill>
-                  <a:srgbClr val="B702A0"/>
-                </a:solidFill>
-                <a:latin typeface="Comic Sans MS" pitchFamily="66" charset="0"/>
-              </a:rPr>
-              <a:t>Proof:</a:t>
-            </a:r>
-            <a:r>
-              <a:rPr lang="en-US" sz="5400" dirty="0">
-                <a:latin typeface="Comic Sans MS" pitchFamily="66" charset="0"/>
-              </a:rPr>
-              <a:t> </a:t>
-            </a:r>
-            <a:r>
-              <a:rPr lang="en-US" sz="4800" dirty="0">
-                <a:latin typeface="Comic Sans MS" pitchFamily="66" charset="0"/>
-              </a:rPr>
-              <a:t>Say </a:t>
-            </a:r>
-            <a:r>
-              <a:rPr lang="en-US" sz="4800" dirty="0">
-                <a:solidFill>
-                  <a:srgbClr val="0000FF"/>
-                </a:solidFill>
-                <a:latin typeface="Comic Sans MS" pitchFamily="66" charset="0"/>
-              </a:rPr>
-              <a:t>f </a:t>
-            </a:r>
-            <a:r>
-              <a:rPr lang="en-US" sz="4800" b="1" dirty="0">
-                <a:solidFill>
-                  <a:srgbClr val="FF33CC"/>
-                </a:solidFill>
-                <a:latin typeface="Comic Sans MS" pitchFamily="66" charset="0"/>
-              </a:rPr>
-              <a:t>~</a:t>
-            </a:r>
-            <a:r>
-              <a:rPr lang="en-US" sz="4800" b="1" dirty="0">
-                <a:solidFill>
-                  <a:srgbClr val="0000FF"/>
-                </a:solidFill>
-                <a:latin typeface="Comic Sans MS" pitchFamily="66" charset="0"/>
-              </a:rPr>
-              <a:t> </a:t>
-            </a:r>
-            <a:r>
-              <a:rPr lang="en-US" sz="4800" dirty="0">
-                <a:solidFill>
-                  <a:srgbClr val="0000FF"/>
-                </a:solidFill>
-                <a:latin typeface="Comic Sans MS" pitchFamily="66" charset="0"/>
-              </a:rPr>
-              <a:t>g</a:t>
-            </a:r>
-            <a:r>
-              <a:rPr lang="en-US" sz="4800" dirty="0">
-                <a:latin typeface="Comic Sans MS" pitchFamily="66" charset="0"/>
-              </a:rPr>
-              <a:t>. </a:t>
-            </a:r>
-            <a:r>
-              <a:rPr lang="en-US" sz="4800" i="1" dirty="0">
-                <a:latin typeface="Comic Sans MS" pitchFamily="66" charset="0"/>
-              </a:rPr>
-              <a:t> </a:t>
-            </a:r>
-            <a:r>
-              <a:rPr lang="en-US" sz="4800" dirty="0">
-                <a:latin typeface="Comic Sans MS" pitchFamily="66" charset="0"/>
-              </a:rPr>
-              <a:t>Now</a:t>
+                <a:latin typeface="Comic Sans MS" pitchFamily="66" charset="0"/>
+              </a:rPr>
+              <a:t>because</a:t>
             </a:r>
           </a:p>
         </p:txBody>
       </p:sp>
       <p:graphicFrame>
         <p:nvGraphicFramePr>
-          <p:cNvPr id="526344" name="Object 8"/>
+          <p:cNvPr id="7" name="Object 6"/>
           <p:cNvGraphicFramePr>
             <a:graphicFrameLocks noChangeAspect="1"/>
           </p:cNvGraphicFramePr>
           <p:nvPr>
             <p:extLst>
               <p:ext uri="{D42A27DB-BD31-4B8C-83A1-F6EECF244321}">
-                <p14:modId xmlns:p14="http://schemas.microsoft.com/office/powerpoint/2010/main" val="726922336"/>
+                <p14:modId xmlns:p14="http://schemas.microsoft.com/office/powerpoint/2010/main" val="2709133011"/>
               </p:ext>
             </p:extLst>
           </p:nvPr>
         </p:nvGraphicFramePr>
         <p:xfrm>
-          <a:off x="1038225" y="3419475"/>
-          <a:ext cx="7067550" cy="2668588"/>
+          <a:off x="2532063" y="908050"/>
+          <a:ext cx="4065587" cy="1330325"/>
         </p:xfrm>
         <a:graphic>
           <a:graphicData uri="http://schemas.openxmlformats.org/presentationml/2006/ole">
             <mc:AlternateContent xmlns:mc="http://schemas.openxmlformats.org/markup-compatibility/2006">
               <mc:Choice xmlns:v="urn:schemas-microsoft-com:vml" Requires="v">
-                <p:oleObj spid="_x0000_s151582" name="Equation" r:id="rId4" imgW="1816100" imgH="685800" progId="Equation.DSMT4">
+                <p:oleObj spid="_x0000_s151602" name="Equation" r:id="rId4" imgW="660400" imgH="215900" progId="Equation.DSMT4">
                   <p:embed/>
                 </p:oleObj>
               </mc:Choice>
               <mc:Fallback>
-                <p:oleObj name="Equation" r:id="rId4" imgW="1816100" imgH="685800" progId="Equation.DSMT4">
+                <p:oleObj name="Equation" r:id="rId4" imgW="660400" imgH="215900" progId="Equation.DSMT4">
                   <p:embed/>
                   <p:pic>
                     <p:nvPicPr>
-                      <p:cNvPr id="0" name="Object 8"/>
+                      <p:cNvPr id="0" name=""/>
                       <p:cNvPicPr>
                         <a:picLocks noChangeAspect="1" noChangeArrowheads="1"/>
                       </p:cNvPicPr>
@@ -5219,8 +7921,8 @@
                     </p:blipFill>
                     <p:spPr bwMode="auto">
                       <a:xfrm>
-                        <a:off x="1038225" y="3419475"/>
-                        <a:ext cx="7067550" cy="2668588"/>
+                        <a:off x="2532063" y="908050"/>
+                        <a:ext cx="4065587" cy="1330325"/>
                       </a:xfrm>
                       <a:prstGeom prst="rect">
                         <a:avLst/>
@@ -5235,6 +7937,68 @@
                           </a14:hiddenFill>
                         </a:ext>
                       </a:extLst>
+                    </p:spPr>
+                  </p:pic>
+                </p:oleObj>
+              </mc:Fallback>
+            </mc:AlternateContent>
+          </a:graphicData>
+        </a:graphic>
+      </p:graphicFrame>
+      <p:graphicFrame>
+        <p:nvGraphicFramePr>
+          <p:cNvPr id="8" name="Object 7"/>
+          <p:cNvGraphicFramePr>
+            <a:graphicFrameLocks noChangeAspect="1"/>
+          </p:cNvGraphicFramePr>
+          <p:nvPr>
+            <p:extLst>
+              <p:ext uri="{D42A27DB-BD31-4B8C-83A1-F6EECF244321}">
+                <p14:modId xmlns:p14="http://schemas.microsoft.com/office/powerpoint/2010/main" val="2063973033"/>
+              </p:ext>
+            </p:extLst>
+          </p:nvPr>
+        </p:nvGraphicFramePr>
+        <p:xfrm>
+          <a:off x="968375" y="2971800"/>
+          <a:ext cx="7004050" cy="2019300"/>
+        </p:xfrm>
+        <a:graphic>
+          <a:graphicData uri="http://schemas.openxmlformats.org/presentationml/2006/ole">
+            <mc:AlternateContent xmlns:mc="http://schemas.openxmlformats.org/markup-compatibility/2006">
+              <mc:Choice xmlns:v="urn:schemas-microsoft-com:vml" Requires="v">
+                <p:oleObj spid="_x0000_s151603" name="Equation" r:id="rId6" imgW="1498600" imgH="431800" progId="Equation.DSMT4">
+                  <p:embed/>
+                </p:oleObj>
+              </mc:Choice>
+              <mc:Fallback>
+                <p:oleObj name="Equation" r:id="rId6" imgW="1498600" imgH="431800" progId="Equation.DSMT4">
+                  <p:embed/>
+                  <p:pic>
+                    <p:nvPicPr>
+                      <p:cNvPr id="0" name=""/>
+                      <p:cNvPicPr>
+                        <a:picLocks noChangeAspect="1" noChangeArrowheads="1"/>
+                      </p:cNvPicPr>
+                      <p:nvPr/>
+                    </p:nvPicPr>
+                    <p:blipFill>
+                      <a:blip r:embed="rId7"/>
+                      <a:srcRect/>
+                      <a:stretch>
+                        <a:fillRect/>
+                      </a:stretch>
+                    </p:blipFill>
+                    <p:spPr bwMode="auto">
+                      <a:xfrm>
+                        <a:off x="968375" y="2971800"/>
+                        <a:ext cx="7004050" cy="2019300"/>
+                      </a:xfrm>
+                      <a:prstGeom prst="rect">
+                        <a:avLst/>
+                      </a:prstGeom>
+                      <a:noFill/>
+                      <a:extLst/>
                     </p:spPr>
                   </p:pic>
                 </p:oleObj>
@@ -5281,7 +8045,466 @@
                             </p:stCondLst>
                             <p:childTnLst>
                               <p:par>
-                                <p:cTn id="5" presetID="1" presetClass="entr" presetSubtype="0" fill="hold" grpId="0" nodeType="clickEffect">
+                                <p:cTn id="5" presetID="9" presetClass="entr" presetSubtype="0" fill="hold" grpId="0" nodeType="clickEffect">
+                                  <p:stCondLst>
+                                    <p:cond delay="0"/>
+                                  </p:stCondLst>
+                                  <p:childTnLst>
+                                    <p:set>
+                                      <p:cBhvr>
+                                        <p:cTn id="6" dur="1" fill="hold">
+                                          <p:stCondLst>
+                                            <p:cond delay="0"/>
+                                          </p:stCondLst>
+                                        </p:cTn>
+                                        <p:tgtEl>
+                                          <p:spTgt spid="6"/>
+                                        </p:tgtEl>
+                                        <p:attrNameLst>
+                                          <p:attrName>style.visibility</p:attrName>
+                                        </p:attrNameLst>
+                                      </p:cBhvr>
+                                      <p:to>
+                                        <p:strVal val="visible"/>
+                                      </p:to>
+                                    </p:set>
+                                    <p:animEffect transition="in" filter="dissolve">
+                                      <p:cBhvr>
+                                        <p:cTn id="7" dur="500"/>
+                                        <p:tgtEl>
+                                          <p:spTgt spid="6"/>
+                                        </p:tgtEl>
+                                      </p:cBhvr>
+                                    </p:animEffect>
+                                  </p:childTnLst>
+                                </p:cTn>
+                              </p:par>
+                            </p:childTnLst>
+                          </p:cTn>
+                        </p:par>
+                      </p:childTnLst>
+                    </p:cTn>
+                  </p:par>
+                  <p:par>
+                    <p:cTn id="8" fill="hold">
+                      <p:stCondLst>
+                        <p:cond delay="indefinite"/>
+                      </p:stCondLst>
+                      <p:childTnLst>
+                        <p:par>
+                          <p:cTn id="9" fill="hold">
+                            <p:stCondLst>
+                              <p:cond delay="0"/>
+                            </p:stCondLst>
+                            <p:childTnLst>
+                              <p:par>
+                                <p:cTn id="10" presetID="22" presetClass="entr" presetSubtype="8" fill="hold" nodeType="clickEffect">
+                                  <p:stCondLst>
+                                    <p:cond delay="0"/>
+                                  </p:stCondLst>
+                                  <p:childTnLst>
+                                    <p:set>
+                                      <p:cBhvr>
+                                        <p:cTn id="11" dur="1" fill="hold">
+                                          <p:stCondLst>
+                                            <p:cond delay="0"/>
+                                          </p:stCondLst>
+                                        </p:cTn>
+                                        <p:tgtEl>
+                                          <p:spTgt spid="8"/>
+                                        </p:tgtEl>
+                                        <p:attrNameLst>
+                                          <p:attrName>style.visibility</p:attrName>
+                                        </p:attrNameLst>
+                                      </p:cBhvr>
+                                      <p:to>
+                                        <p:strVal val="visible"/>
+                                      </p:to>
+                                    </p:set>
+                                    <p:animEffect transition="in" filter="wipe(left)">
+                                      <p:cBhvr>
+                                        <p:cTn id="12" dur="1000"/>
+                                        <p:tgtEl>
+                                          <p:spTgt spid="8"/>
+                                        </p:tgtEl>
+                                      </p:cBhvr>
+                                    </p:animEffect>
+                                  </p:childTnLst>
+                                </p:cTn>
+                              </p:par>
+                            </p:childTnLst>
+                          </p:cTn>
+                        </p:par>
+                      </p:childTnLst>
+                    </p:cTn>
+                  </p:par>
+                </p:childTnLst>
+              </p:cTn>
+              <p:prevCondLst>
+                <p:cond evt="onPrev" delay="0">
+                  <p:tgtEl>
+                    <p:sldTgt/>
+                  </p:tgtEl>
+                </p:cond>
+              </p:prevCondLst>
+              <p:nextCondLst>
+                <p:cond evt="onNext" delay="0">
+                  <p:tgtEl>
+                    <p:sldTgt/>
+                  </p:tgtEl>
+                </p:cond>
+              </p:nextCondLst>
+            </p:seq>
+          </p:childTnLst>
+        </p:cTn>
+      </p:par>
+    </p:tnLst>
+    <p:bldLst>
+      <p:bldP spid="6" grpId="0"/>
+    </p:bldLst>
+  </p:timing>
+</p:sld>
+</file>
+
+<file path=ppt/slides/slide4.xml><?xml version="1.0" encoding="utf-8"?>
+<p:sld xmlns:a="http://schemas.openxmlformats.org/drawingml/2006/main" xmlns:r="http://schemas.openxmlformats.org/officeDocument/2006/relationships" xmlns:p="http://schemas.openxmlformats.org/presentationml/2006/main">
+  <p:cSld>
+    <p:spTree>
+      <p:nvGrpSpPr>
+        <p:cNvPr id="1" name=""/>
+        <p:cNvGrpSpPr/>
+        <p:nvPr/>
+      </p:nvGrpSpPr>
+      <p:grpSpPr>
+        <a:xfrm>
+          <a:off x="0" y="0"/>
+          <a:ext cx="0" cy="0"/>
+          <a:chOff x="0" y="0"/>
+          <a:chExt cx="0" cy="0"/>
+        </a:xfrm>
+      </p:grpSpPr>
+      <p:sp>
+        <p:nvSpPr>
+          <p:cNvPr id="11268" name="Rectangle 2"/>
+          <p:cNvSpPr>
+            <a:spLocks noGrp="1" noChangeArrowheads="1"/>
+          </p:cNvSpPr>
+          <p:nvPr>
+            <p:ph type="title"/>
+          </p:nvPr>
+        </p:nvSpPr>
+        <p:spPr/>
+        <p:txBody>
+          <a:bodyPr/>
+          <a:lstStyle/>
+          <a:p>
+            <a:pPr eaLnBrk="1" hangingPunct="1"/>
+            <a:r>
+              <a:rPr lang="en-US" dirty="0" smtClean="0"/>
+              <a:t>Asymptotic Equivalence </a:t>
+            </a:r>
+            <a:r>
+              <a:rPr lang="en-US" dirty="0" smtClean="0">
+                <a:solidFill>
+                  <a:srgbClr val="FF33CC"/>
+                </a:solidFill>
+              </a:rPr>
+              <a:t>~</a:t>
+            </a:r>
+          </a:p>
+        </p:txBody>
+      </p:sp>
+      <p:sp>
+        <p:nvSpPr>
+          <p:cNvPr id="11269" name="Text Box 5"/>
+          <p:cNvSpPr txBox="1">
+            <a:spLocks noChangeArrowheads="1"/>
+          </p:cNvSpPr>
+          <p:nvPr/>
+        </p:nvSpPr>
+        <p:spPr bwMode="auto">
+          <a:xfrm>
+            <a:off x="1223963" y="1182688"/>
+            <a:ext cx="6853158" cy="923330"/>
+          </a:xfrm>
+          <a:prstGeom prst="rect">
+            <a:avLst/>
+          </a:prstGeom>
+          <a:noFill/>
+          <a:ln w="9525">
+            <a:noFill/>
+            <a:miter lim="800000"/>
+            <a:headEnd/>
+            <a:tailEnd type="none" w="lg" len="lg"/>
+          </a:ln>
+        </p:spPr>
+        <p:txBody>
+          <a:bodyPr wrap="none">
+            <a:spAutoFit/>
+          </a:bodyPr>
+          <a:lstStyle/>
+          <a:p>
+            <a:r>
+              <a:rPr lang="en-US" sz="4000" dirty="0">
+                <a:solidFill>
+                  <a:srgbClr val="8D007E"/>
+                </a:solidFill>
+                <a:latin typeface="Comic Sans MS" pitchFamily="66" charset="0"/>
+              </a:rPr>
+              <a:t>Lemma:</a:t>
+            </a:r>
+            <a:r>
+              <a:rPr lang="en-US" sz="5400" dirty="0">
+                <a:solidFill>
+                  <a:srgbClr val="006600"/>
+                </a:solidFill>
+                <a:latin typeface="Comic Sans MS" pitchFamily="66" charset="0"/>
+              </a:rPr>
+              <a:t> </a:t>
+            </a:r>
+            <a:r>
+              <a:rPr lang="en-US" sz="4800" b="1" dirty="0">
+                <a:solidFill>
+                  <a:srgbClr val="FF33CC"/>
+                </a:solidFill>
+                <a:latin typeface="Comic Sans MS" pitchFamily="66" charset="0"/>
+              </a:rPr>
+              <a:t>~</a:t>
+            </a:r>
+            <a:r>
+              <a:rPr lang="en-US" sz="5400" dirty="0">
+                <a:solidFill>
+                  <a:srgbClr val="006600"/>
+                </a:solidFill>
+                <a:latin typeface="Comic Sans MS" pitchFamily="66" charset="0"/>
+              </a:rPr>
+              <a:t> is symmetric</a:t>
+            </a:r>
+          </a:p>
+        </p:txBody>
+      </p:sp>
+      <p:sp>
+        <p:nvSpPr>
+          <p:cNvPr id="526342" name="Text Box 6"/>
+          <p:cNvSpPr txBox="1">
+            <a:spLocks noChangeArrowheads="1"/>
+          </p:cNvSpPr>
+          <p:nvPr/>
+        </p:nvSpPr>
+        <p:spPr bwMode="auto">
+          <a:xfrm>
+            <a:off x="962025" y="2279650"/>
+            <a:ext cx="6180673" cy="923330"/>
+          </a:xfrm>
+          <a:prstGeom prst="rect">
+            <a:avLst/>
+          </a:prstGeom>
+          <a:noFill/>
+          <a:ln w="9525">
+            <a:noFill/>
+            <a:miter lim="800000"/>
+            <a:headEnd/>
+            <a:tailEnd type="none" w="lg" len="lg"/>
+          </a:ln>
+        </p:spPr>
+        <p:txBody>
+          <a:bodyPr wrap="none">
+            <a:spAutoFit/>
+          </a:bodyPr>
+          <a:lstStyle/>
+          <a:p>
+            <a:r>
+              <a:rPr lang="en-US" sz="3600" dirty="0">
+                <a:solidFill>
+                  <a:srgbClr val="8D007E"/>
+                </a:solidFill>
+                <a:latin typeface="Comic Sans MS" pitchFamily="66" charset="0"/>
+              </a:rPr>
+              <a:t>Proof:</a:t>
+            </a:r>
+            <a:r>
+              <a:rPr lang="en-US" sz="5400" dirty="0">
+                <a:latin typeface="Comic Sans MS" pitchFamily="66" charset="0"/>
+              </a:rPr>
+              <a:t> </a:t>
+            </a:r>
+            <a:r>
+              <a:rPr lang="en-US" sz="4800" dirty="0">
+                <a:latin typeface="Comic Sans MS" pitchFamily="66" charset="0"/>
+              </a:rPr>
+              <a:t>Say </a:t>
+            </a:r>
+            <a:r>
+              <a:rPr lang="en-US" sz="4800" dirty="0">
+                <a:solidFill>
+                  <a:srgbClr val="0000FF"/>
+                </a:solidFill>
+                <a:latin typeface="Comic Sans MS" pitchFamily="66" charset="0"/>
+              </a:rPr>
+              <a:t>f </a:t>
+            </a:r>
+            <a:r>
+              <a:rPr lang="en-US" sz="4800" b="1" dirty="0">
+                <a:solidFill>
+                  <a:srgbClr val="FF33CC"/>
+                </a:solidFill>
+                <a:latin typeface="Comic Sans MS" pitchFamily="66" charset="0"/>
+              </a:rPr>
+              <a:t>~</a:t>
+            </a:r>
+            <a:r>
+              <a:rPr lang="en-US" sz="4800" b="1" dirty="0">
+                <a:solidFill>
+                  <a:srgbClr val="0000FF"/>
+                </a:solidFill>
+                <a:latin typeface="Comic Sans MS" pitchFamily="66" charset="0"/>
+              </a:rPr>
+              <a:t> </a:t>
+            </a:r>
+            <a:r>
+              <a:rPr lang="en-US" sz="4800" dirty="0">
+                <a:solidFill>
+                  <a:srgbClr val="0000FF"/>
+                </a:solidFill>
+                <a:latin typeface="Comic Sans MS" pitchFamily="66" charset="0"/>
+              </a:rPr>
+              <a:t>g</a:t>
+            </a:r>
+            <a:r>
+              <a:rPr lang="en-US" sz="4800" dirty="0">
+                <a:latin typeface="Comic Sans MS" pitchFamily="66" charset="0"/>
+              </a:rPr>
+              <a:t>. </a:t>
+            </a:r>
+            <a:r>
+              <a:rPr lang="en-US" sz="4800" i="1" dirty="0">
+                <a:latin typeface="Comic Sans MS" pitchFamily="66" charset="0"/>
+              </a:rPr>
+              <a:t> </a:t>
+            </a:r>
+            <a:r>
+              <a:rPr lang="en-US" sz="4800" dirty="0">
+                <a:latin typeface="Comic Sans MS" pitchFamily="66" charset="0"/>
+              </a:rPr>
+              <a:t>Now</a:t>
+            </a:r>
+          </a:p>
+        </p:txBody>
+      </p:sp>
+      <p:graphicFrame>
+        <p:nvGraphicFramePr>
+          <p:cNvPr id="526344" name="Object 8"/>
+          <p:cNvGraphicFramePr>
+            <a:graphicFrameLocks noChangeAspect="1"/>
+          </p:cNvGraphicFramePr>
+          <p:nvPr>
+            <p:extLst>
+              <p:ext uri="{D42A27DB-BD31-4B8C-83A1-F6EECF244321}">
+                <p14:modId xmlns:p14="http://schemas.microsoft.com/office/powerpoint/2010/main" val="895145738"/>
+              </p:ext>
+            </p:extLst>
+          </p:nvPr>
+        </p:nvGraphicFramePr>
+        <p:xfrm>
+          <a:off x="1038225" y="3419475"/>
+          <a:ext cx="7067550" cy="2668588"/>
+        </p:xfrm>
+        <a:graphic>
+          <a:graphicData uri="http://schemas.openxmlformats.org/presentationml/2006/ole">
+            <mc:AlternateContent xmlns:mc="http://schemas.openxmlformats.org/markup-compatibility/2006">
+              <mc:Choice xmlns:v="urn:schemas-microsoft-com:vml" Requires="v">
+                <p:oleObj spid="_x0000_s162821" name="Equation" r:id="rId4" imgW="1816100" imgH="685800" progId="Equation.DSMT4">
+                  <p:embed/>
+                </p:oleObj>
+              </mc:Choice>
+              <mc:Fallback>
+                <p:oleObj name="Equation" r:id="rId4" imgW="1816100" imgH="685800" progId="Equation.DSMT4">
+                  <p:embed/>
+                  <p:pic>
+                    <p:nvPicPr>
+                      <p:cNvPr id="0" name=""/>
+                      <p:cNvPicPr>
+                        <a:picLocks noChangeAspect="1" noChangeArrowheads="1"/>
+                      </p:cNvPicPr>
+                      <p:nvPr/>
+                    </p:nvPicPr>
+                    <p:blipFill>
+                      <a:blip r:embed="rId5"/>
+                      <a:srcRect/>
+                      <a:stretch>
+                        <a:fillRect/>
+                      </a:stretch>
+                    </p:blipFill>
+                    <p:spPr bwMode="auto">
+                      <a:xfrm>
+                        <a:off x="1038225" y="3419475"/>
+                        <a:ext cx="7067550" cy="2668588"/>
+                      </a:xfrm>
+                      <a:prstGeom prst="rect">
+                        <a:avLst/>
+                      </a:prstGeom>
+                      <a:noFill/>
+                      <a:extLst>
+                        <a:ext uri="{909E8E84-426E-40dd-AFC4-6F175D3DCCD1}">
+                          <a14:hiddenFill xmlns:a14="http://schemas.microsoft.com/office/drawing/2010/main">
+                            <a:solidFill>
+                              <a:srgbClr val="FFFFFF"/>
+                            </a:solidFill>
+                          </a14:hiddenFill>
+                        </a:ext>
+                      </a:extLst>
+                    </p:spPr>
+                  </p:pic>
+                </p:oleObj>
+              </mc:Fallback>
+            </mc:AlternateContent>
+          </a:graphicData>
+        </a:graphic>
+      </p:graphicFrame>
+    </p:spTree>
+    <p:extLst>
+      <p:ext uri="{BB962C8B-B14F-4D97-AF65-F5344CB8AC3E}">
+        <p14:creationId xmlns:p14="http://schemas.microsoft.com/office/powerpoint/2010/main" val="2371827789"/>
+      </p:ext>
+    </p:extLst>
+  </p:cSld>
+  <p:clrMapOvr>
+    <a:masterClrMapping/>
+  </p:clrMapOvr>
+  <mc:AlternateContent xmlns:mc="http://schemas.openxmlformats.org/markup-compatibility/2006" xmlns:p14="http://schemas.microsoft.com/office/powerpoint/2010/main">
+    <mc:Choice Requires="p14">
+      <p:transition spd="slow" p14:dur="800">
+        <p:fade thruBlk="1"/>
+      </p:transition>
+    </mc:Choice>
+    <mc:Fallback xmlns="">
+      <p:transition xmlns:p14="http://schemas.microsoft.com/office/powerpoint/2010/main" spd="slow">
+        <p:fade thruBlk="1"/>
+      </p:transition>
+    </mc:Fallback>
+  </mc:AlternateContent>
+  <p:timing>
+    <p:tnLst>
+      <p:par>
+        <p:cTn xmlns:p14="http://schemas.microsoft.com/office/powerpoint/2010/main" id="1" dur="indefinite" restart="never" nodeType="tmRoot">
+          <p:childTnLst>
+            <p:seq concurrent="1" nextAc="seek">
+              <p:cTn id="2" dur="indefinite" nodeType="mainSeq">
+                <p:childTnLst>
+                  <p:par>
+                    <p:cTn id="3" fill="hold">
+                      <p:stCondLst>
+                        <p:cond delay="indefinite"/>
+                      </p:stCondLst>
+                      <p:childTnLst>
+                        <p:par>
+                          <p:cTn id="4" fill="hold">
+                            <p:stCondLst>
+                              <p:cond delay="0"/>
+                            </p:stCondLst>
+                            <p:childTnLst>
+                              <p:par>
+                                <p:cTn id="5" presetID="9" presetClass="entr" presetSubtype="0" fill="hold" grpId="0" nodeType="clickEffect">
                                   <p:stCondLst>
                                     <p:cond delay="0"/>
                                   </p:stCondLst>
@@ -5304,6 +8527,14 @@
                                         <p:strVal val="visible"/>
                                       </p:to>
                                     </p:set>
+                                    <p:animEffect transition="in" filter="dissolve">
+                                      <p:cBhvr>
+                                        <p:cTn id="7" dur="500"/>
+                                        <p:tgtEl>
+                                          <p:spTgt spid="526342"/>
+                                        </p:tgtEl>
+                                      </p:cBhvr>
+                                    </p:animEffect>
                                   </p:childTnLst>
                                 </p:cTn>
                               </p:par>
@@ -5314,26 +8545,26 @@
                     </p:cTn>
                   </p:par>
                   <p:par>
-                    <p:cTn id="7" fill="hold">
+                    <p:cTn id="8" fill="hold">
                       <p:stCondLst>
                         <p:cond delay="indefinite"/>
                       </p:stCondLst>
                       <p:childTnLst>
                         <p:par>
-                          <p:cTn id="8" fill="hold">
+                          <p:cTn id="9" fill="hold">
                             <p:stCondLst>
                               <p:cond delay="0"/>
                             </p:stCondLst>
                             <p:childTnLst>
                               <p:par>
-                                <p:cTn id="9" presetID="1" presetClass="entr" presetSubtype="0" fill="hold" nodeType="clickEffect">
+                                <p:cTn id="10" presetID="22" presetClass="entr" presetSubtype="8" fill="hold" nodeType="clickEffect">
                                   <p:stCondLst>
                                     <p:cond delay="0"/>
                                   </p:stCondLst>
                                   <p:childTnLst>
                                     <p:set>
                                       <p:cBhvr>
-                                        <p:cTn id="10" dur="1" fill="hold">
+                                        <p:cTn id="11" dur="1" fill="hold">
                                           <p:stCondLst>
                                             <p:cond delay="0"/>
                                           </p:stCondLst>
@@ -5349,6 +8580,14 @@
                                         <p:strVal val="visible"/>
                                       </p:to>
                                     </p:set>
+                                    <p:animEffect transition="in" filter="wipe(left)">
+                                      <p:cBhvr>
+                                        <p:cTn id="12" dur="2000"/>
+                                        <p:tgtEl>
+                                          <p:spTgt spid="526344"/>
+                                        </p:tgtEl>
+                                      </p:cBhvr>
+                                    </p:animEffect>
                                   </p:childTnLst>
                                 </p:cTn>
                               </p:par>
@@ -5386,7 +8625,7 @@
 </p:sld>
 </file>
 
-<file path=ppt/slides/slide4.xml><?xml version="1.0" encoding="utf-8"?>
+<file path=ppt/slides/slide5.xml><?xml version="1.0" encoding="utf-8"?>
 <p:sld xmlns:a="http://schemas.openxmlformats.org/drawingml/2006/main" xmlns:r="http://schemas.openxmlformats.org/officeDocument/2006/relationships" xmlns:p="http://schemas.openxmlformats.org/presentationml/2006/main">
   <p:cSld>
     <p:spTree>
@@ -5467,7 +8706,7 @@
             <a:r>
               <a:rPr lang="en-US" sz="4000" dirty="0">
                 <a:solidFill>
-                  <a:srgbClr val="B702A0"/>
+                  <a:srgbClr val="8D007E"/>
                 </a:solidFill>
                 <a:latin typeface="Comic Sans MS" pitchFamily="66" charset="0"/>
               </a:rPr>
@@ -5485,7 +8724,7 @@
             <a:r>
               <a:rPr lang="en-US" sz="4800" b="1" dirty="0">
                 <a:solidFill>
-                  <a:srgbClr val="CC0099"/>
+                  <a:srgbClr val="FF07EF"/>
                 </a:solidFill>
                 <a:latin typeface="Comic Sans MS" pitchFamily="66" charset="0"/>
               </a:rPr>
@@ -5494,11 +8733,20 @@
             <a:r>
               <a:rPr lang="en-US" sz="5400" dirty="0">
                 <a:solidFill>
-                  <a:srgbClr val="006600"/>
-                </a:solidFill>
-                <a:latin typeface="Comic Sans MS" pitchFamily="66" charset="0"/>
-              </a:rPr>
-              <a:t> is symmetric</a:t>
+                  <a:srgbClr val="FF07EF"/>
+                </a:solidFill>
+                <a:latin typeface="Comic Sans MS" pitchFamily="66" charset="0"/>
+              </a:rPr>
+              <a:t> </a:t>
+            </a:r>
+            <a:r>
+              <a:rPr lang="en-US" sz="5400" dirty="0">
+                <a:solidFill>
+                  <a:srgbClr val="008000"/>
+                </a:solidFill>
+                <a:latin typeface="Comic Sans MS" pitchFamily="66" charset="0"/>
+              </a:rPr>
+              <a:t>is symmetric</a:t>
             </a:r>
           </a:p>
         </p:txBody>
@@ -5536,7 +8784,7 @@
             <a:r>
               <a:rPr lang="en-US" sz="3600" dirty="0">
                 <a:solidFill>
-                  <a:srgbClr val="B702A0"/>
+                  <a:srgbClr val="8D007E"/>
                 </a:solidFill>
                 <a:latin typeface="Comic Sans MS" pitchFamily="66" charset="0"/>
               </a:rPr>
@@ -5627,7 +8875,7 @@
 </p:sld>
 </file>
 
-<file path=ppt/slides/slide5.xml><?xml version="1.0" encoding="utf-8"?>
+<file path=ppt/slides/slide6.xml><?xml version="1.0" encoding="utf-8"?>
 <p:sld xmlns:a="http://schemas.openxmlformats.org/drawingml/2006/main" xmlns:r="http://schemas.openxmlformats.org/officeDocument/2006/relationships" xmlns:p="http://schemas.openxmlformats.org/presentationml/2006/main">
   <p:cSld>
     <p:spTree>
@@ -5675,47 +8923,175 @@
           </a:p>
         </p:txBody>
       </p:sp>
-      <p:graphicFrame>
-        <p:nvGraphicFramePr>
-          <p:cNvPr id="12290" name="Object 6"/>
-          <p:cNvGraphicFramePr>
-            <a:graphicFrameLocks noGrp="1" noChangeAspect="1"/>
-          </p:cNvGraphicFramePr>
+      <p:sp>
+        <p:nvSpPr>
+          <p:cNvPr id="3" name="Content Placeholder 2"/>
+          <p:cNvSpPr>
+            <a:spLocks noGrp="1"/>
+          </p:cNvSpPr>
           <p:nvPr>
             <p:ph idx="1"/>
           </p:nvPr>
+        </p:nvSpPr>
+        <p:spPr>
+          <a:xfrm>
+            <a:off x="838200" y="838200"/>
+            <a:ext cx="7239000" cy="2209800"/>
+          </a:xfrm>
+        </p:spPr>
+        <p:txBody>
+          <a:bodyPr/>
+          <a:lstStyle/>
+          <a:p>
+            <a:r>
+              <a:rPr lang="en-US" sz="5400" dirty="0" smtClean="0"/>
+              <a:t>Suppose </a:t>
+            </a:r>
+            <a:r>
+              <a:rPr lang="en-US" sz="5400" dirty="0" err="1" smtClean="0">
+                <a:solidFill>
+                  <a:srgbClr val="0000FF"/>
+                </a:solidFill>
+              </a:rPr>
+              <a:t>f</a:t>
+            </a:r>
+            <a:r>
+              <a:rPr lang="en-US" sz="5400" dirty="0" err="1" smtClean="0">
+                <a:solidFill>
+                  <a:srgbClr val="FF07EF"/>
+                </a:solidFill>
+              </a:rPr>
+              <a:t>~</a:t>
+            </a:r>
+            <a:r>
+              <a:rPr lang="en-US" sz="5400" dirty="0" err="1" smtClean="0">
+                <a:solidFill>
+                  <a:srgbClr val="0000FF"/>
+                </a:solidFill>
+              </a:rPr>
+              <a:t>g</a:t>
+            </a:r>
+            <a:r>
+              <a:rPr lang="en-US" sz="5400" dirty="0" smtClean="0"/>
+              <a:t> and </a:t>
+            </a:r>
+            <a:r>
+              <a:rPr lang="en-US" sz="5400" dirty="0" err="1" smtClean="0">
+                <a:solidFill>
+                  <a:srgbClr val="0000FF"/>
+                </a:solidFill>
+              </a:rPr>
+              <a:t>g</a:t>
+            </a:r>
+            <a:r>
+              <a:rPr lang="en-US" sz="5400" dirty="0" err="1" smtClean="0">
+                <a:solidFill>
+                  <a:srgbClr val="FF07EF"/>
+                </a:solidFill>
+              </a:rPr>
+              <a:t>~</a:t>
+            </a:r>
+            <a:r>
+              <a:rPr lang="en-US" sz="5400" dirty="0" err="1" smtClean="0">
+                <a:solidFill>
+                  <a:srgbClr val="0000FF"/>
+                </a:solidFill>
+              </a:rPr>
+              <a:t>h</a:t>
+            </a:r>
+            <a:r>
+              <a:rPr lang="en-US" sz="5400" dirty="0" smtClean="0">
+                <a:solidFill>
+                  <a:srgbClr val="0000FF"/>
+                </a:solidFill>
+              </a:rPr>
+              <a:t>,</a:t>
+            </a:r>
+          </a:p>
+          <a:p>
+            <a:r>
+              <a:rPr lang="en-US" sz="5400" dirty="0" smtClean="0"/>
+              <a:t>prove  </a:t>
+            </a:r>
+            <a:r>
+              <a:rPr lang="en-US" sz="5400" dirty="0" err="1" smtClean="0">
+                <a:solidFill>
+                  <a:srgbClr val="0000FF"/>
+                </a:solidFill>
+              </a:rPr>
+              <a:t>f</a:t>
+            </a:r>
+            <a:r>
+              <a:rPr lang="en-US" sz="5400" dirty="0" err="1" smtClean="0">
+                <a:solidFill>
+                  <a:srgbClr val="FF07EF"/>
+                </a:solidFill>
+              </a:rPr>
+              <a:t>~</a:t>
+            </a:r>
+            <a:r>
+              <a:rPr lang="en-US" sz="5400" dirty="0" err="1" smtClean="0">
+                <a:solidFill>
+                  <a:srgbClr val="0000FF"/>
+                </a:solidFill>
+              </a:rPr>
+              <a:t>h</a:t>
+            </a:r>
+            <a:r>
+              <a:rPr lang="en-US" sz="5400" dirty="0" smtClean="0">
+                <a:solidFill>
+                  <a:srgbClr val="000000"/>
+                </a:solidFill>
+              </a:rPr>
+              <a:t>.</a:t>
+            </a:r>
+            <a:endParaRPr lang="en-US" sz="5400" dirty="0">
+              <a:solidFill>
+                <a:srgbClr val="000000"/>
+              </a:solidFill>
+            </a:endParaRPr>
+          </a:p>
+        </p:txBody>
+      </p:sp>
+      <p:graphicFrame>
+        <p:nvGraphicFramePr>
+          <p:cNvPr id="6" name="Object 6"/>
+          <p:cNvGraphicFramePr>
+            <a:graphicFrameLocks noChangeAspect="1"/>
+          </p:cNvGraphicFramePr>
+          <p:nvPr>
+            <p:extLst>
+              <p:ext uri="{D42A27DB-BD31-4B8C-83A1-F6EECF244321}">
+                <p14:modId xmlns:p14="http://schemas.microsoft.com/office/powerpoint/2010/main" val="3054999438"/>
+              </p:ext>
+            </p:extLst>
+          </p:nvPr>
         </p:nvGraphicFramePr>
         <p:xfrm>
-          <a:off x="1424715" y="977185"/>
-          <a:ext cx="6288702" cy="5389802"/>
+          <a:off x="919824" y="2743200"/>
+          <a:ext cx="7081176" cy="3395663"/>
         </p:xfrm>
         <a:graphic>
           <a:graphicData uri="http://schemas.openxmlformats.org/presentationml/2006/ole">
             <mc:AlternateContent xmlns:mc="http://schemas.openxmlformats.org/markup-compatibility/2006">
               <mc:Choice xmlns:v="urn:schemas-microsoft-com:vml" Requires="v">
-                <p:oleObj spid="_x0000_s152606" name="Equation" r:id="rId4" imgW="1777680" imgH="1523880" progId="Equation.DSMT4">
+                <p:oleObj spid="_x0000_s1037" name="Equation" r:id="rId4" imgW="1854200" imgH="889000" progId="Equation.DSMT4">
                   <p:embed/>
                 </p:oleObj>
               </mc:Choice>
               <mc:Fallback>
-                <p:oleObj name="Equation" r:id="rId4" imgW="1777680" imgH="1523880" progId="Equation.DSMT4">
+                <p:oleObj name="Equation" r:id="rId4" imgW="1854200" imgH="889000" progId="Equation.DSMT4">
                   <p:embed/>
                   <p:pic>
                     <p:nvPicPr>
-                      <p:cNvPr id="0" name="Object 6"/>
+                      <p:cNvPr id="0" name=""/>
                       <p:cNvPicPr>
                         <a:picLocks noChangeAspect="1" noChangeArrowheads="1"/>
                       </p:cNvPicPr>
                       <p:nvPr/>
                     </p:nvPicPr>
                     <p:blipFill>
-                      <a:blip r:embed="rId5">
-                        <a:extLst>
-                          <a:ext uri="{28A0092B-C50C-407E-A947-70E740481C1C}">
-                            <a14:useLocalDpi xmlns:a14="http://schemas.microsoft.com/office/drawing/2010/main" val="0"/>
-                          </a:ext>
-                        </a:extLst>
-                      </a:blip>
+                      <a:blip r:embed="rId5"/>
                       <a:srcRect/>
                       <a:stretch>
                         <a:fillRect/>
@@ -5723,22 +9099,14 @@
                     </p:blipFill>
                     <p:spPr bwMode="auto">
                       <a:xfrm>
-                        <a:off x="1424715" y="977185"/>
-                        <a:ext cx="6288702" cy="5389802"/>
+                        <a:off x="919824" y="2743200"/>
+                        <a:ext cx="7081176" cy="3395663"/>
                       </a:xfrm>
                       <a:prstGeom prst="rect">
                         <a:avLst/>
                       </a:prstGeom>
                       <a:noFill/>
-                      <a:extLst>
-                        <a:ext uri="{909E8E84-426E-40dd-AFC4-6F175D3DCCD1}">
-                          <a14:hiddenFill xmlns:a14="http://schemas.microsoft.com/office/drawing/2010/main">
-                            <a:solidFill>
-                              <a:srgbClr val="FFFFFF"/>
-                            </a:solidFill>
-                          </a14:hiddenFill>
-                        </a:ext>
-                      </a:extLst>
+                      <a:extLst/>
                     </p:spPr>
                   </p:pic>
                 </p:oleObj>
@@ -5748,6 +9116,11 @@
         </a:graphic>
       </p:graphicFrame>
     </p:spTree>
+    <p:extLst>
+      <p:ext uri="{BB962C8B-B14F-4D97-AF65-F5344CB8AC3E}">
+        <p14:creationId xmlns:p14="http://schemas.microsoft.com/office/powerpoint/2010/main" val="1312342032"/>
+      </p:ext>
+    </p:extLst>
   </p:cSld>
   <p:clrMapOvr>
     <a:masterClrMapping/>
@@ -5785,7 +9158,7 @@
                             </p:stCondLst>
                             <p:childTnLst>
                               <p:par>
-                                <p:cTn id="5" presetID="22" presetClass="entr" presetSubtype="1" fill="hold" nodeType="clickEffect">
+                                <p:cTn id="5" presetID="22" presetClass="entr" presetSubtype="8" fill="hold" nodeType="clickEffect">
                                   <p:stCondLst>
                                     <p:cond delay="0"/>
                                   </p:stCondLst>
@@ -5793,508 +9166,6 @@
                                     <p:set>
                                       <p:cBhvr>
                                         <p:cTn id="6" dur="1" fill="hold">
-                                          <p:stCondLst>
-                                            <p:cond delay="0"/>
-                                          </p:stCondLst>
-                                        </p:cTn>
-                                        <p:tgtEl>
-                                          <p:spTgt spid="12290"/>
-                                        </p:tgtEl>
-                                        <p:attrNameLst>
-                                          <p:attrName>style.visibility</p:attrName>
-                                        </p:attrNameLst>
-                                      </p:cBhvr>
-                                      <p:to>
-                                        <p:strVal val="visible"/>
-                                      </p:to>
-                                    </p:set>
-                                    <p:animEffect transition="in" filter="wipe(up)">
-                                      <p:cBhvr>
-                                        <p:cTn id="7" dur="2000"/>
-                                        <p:tgtEl>
-                                          <p:spTgt spid="12290"/>
-                                        </p:tgtEl>
-                                      </p:cBhvr>
-                                    </p:animEffect>
-                                  </p:childTnLst>
-                                </p:cTn>
-                              </p:par>
-                            </p:childTnLst>
-                          </p:cTn>
-                        </p:par>
-                      </p:childTnLst>
-                    </p:cTn>
-                  </p:par>
-                </p:childTnLst>
-              </p:cTn>
-              <p:prevCondLst>
-                <p:cond evt="onPrev" delay="0">
-                  <p:tgtEl>
-                    <p:sldTgt/>
-                  </p:tgtEl>
-                </p:cond>
-              </p:prevCondLst>
-              <p:nextCondLst>
-                <p:cond evt="onNext" delay="0">
-                  <p:tgtEl>
-                    <p:sldTgt/>
-                  </p:tgtEl>
-                </p:cond>
-              </p:nextCondLst>
-            </p:seq>
-          </p:childTnLst>
-        </p:cTn>
-      </p:par>
-    </p:tnLst>
-  </p:timing>
-</p:sld>
-</file>
-
-<file path=ppt/slides/slide6.xml><?xml version="1.0" encoding="utf-8"?>
-<p:sld xmlns:a="http://schemas.openxmlformats.org/drawingml/2006/main" xmlns:r="http://schemas.openxmlformats.org/officeDocument/2006/relationships" xmlns:p="http://schemas.openxmlformats.org/presentationml/2006/main">
-  <p:cSld>
-    <p:spTree>
-      <p:nvGrpSpPr>
-        <p:cNvPr id="1" name=""/>
-        <p:cNvGrpSpPr/>
-        <p:nvPr/>
-      </p:nvGrpSpPr>
-      <p:grpSpPr>
-        <a:xfrm>
-          <a:off x="0" y="0"/>
-          <a:ext cx="0" cy="0"/>
-          <a:chOff x="0" y="0"/>
-          <a:chExt cx="0" cy="0"/>
-        </a:xfrm>
-      </p:grpSpPr>
-      <p:sp>
-        <p:nvSpPr>
-          <p:cNvPr id="13317" name="Rectangle 3"/>
-          <p:cNvSpPr>
-            <a:spLocks noGrp="1" noChangeArrowheads="1"/>
-          </p:cNvSpPr>
-          <p:nvPr>
-            <p:ph type="body" idx="1"/>
-          </p:nvPr>
-        </p:nvSpPr>
-        <p:spPr>
-          <a:xfrm>
-            <a:off x="1260475" y="982663"/>
-            <a:ext cx="7318375" cy="1035050"/>
-          </a:xfrm>
-        </p:spPr>
-        <p:txBody>
-          <a:bodyPr/>
-          <a:lstStyle/>
-          <a:p>
-            <a:pPr marL="0" indent="0" eaLnBrk="1" hangingPunct="1">
-              <a:lnSpc>
-                <a:spcPct val="90000"/>
-              </a:lnSpc>
-              <a:buFontTx/>
-              <a:buNone/>
-            </a:pPr>
-            <a:r>
-              <a:rPr lang="en-US" sz="4800" dirty="0" smtClean="0">
-                <a:solidFill>
-                  <a:srgbClr val="FF33CC"/>
-                </a:solidFill>
-              </a:rPr>
-              <a:t>Asymptotically smaller</a:t>
-            </a:r>
-            <a:r>
-              <a:rPr lang="en-US" sz="4800" i="1" dirty="0" smtClean="0">
-                <a:solidFill>
-                  <a:srgbClr val="FF33CC"/>
-                </a:solidFill>
-              </a:rPr>
-              <a:t> </a:t>
-            </a:r>
-            <a:r>
-              <a:rPr lang="en-US" sz="4800" dirty="0" smtClean="0"/>
-              <a:t>:</a:t>
-            </a:r>
-            <a:endParaRPr lang="en-US" sz="4000" dirty="0" smtClean="0"/>
-          </a:p>
-        </p:txBody>
-      </p:sp>
-      <p:sp>
-        <p:nvSpPr>
-          <p:cNvPr id="483333" name="Rectangle 5"/>
-          <p:cNvSpPr>
-            <a:spLocks noChangeArrowheads="1"/>
-          </p:cNvSpPr>
-          <p:nvPr/>
-        </p:nvSpPr>
-        <p:spPr bwMode="auto">
-          <a:xfrm>
-            <a:off x="1123950" y="1855788"/>
-            <a:ext cx="6616700" cy="1890712"/>
-          </a:xfrm>
-          <a:prstGeom prst="rect">
-            <a:avLst/>
-          </a:prstGeom>
-          <a:noFill/>
-          <a:ln w="9525">
-            <a:noFill/>
-            <a:miter lim="800000"/>
-            <a:headEnd/>
-            <a:tailEnd/>
-          </a:ln>
-        </p:spPr>
-        <p:txBody>
-          <a:bodyPr/>
-          <a:lstStyle/>
-          <a:p>
-            <a:pPr>
-              <a:spcBef>
-                <a:spcPct val="20000"/>
-              </a:spcBef>
-            </a:pPr>
-            <a:r>
-              <a:rPr lang="en-US" sz="4800" dirty="0" smtClean="0">
-                <a:solidFill>
-                  <a:srgbClr val="B702A0"/>
-                </a:solidFill>
-                <a:latin typeface="Comic Sans MS" pitchFamily="66" charset="0"/>
-              </a:rPr>
-              <a:t>Def:</a:t>
-            </a:r>
-            <a:r>
-              <a:rPr lang="en-US" sz="5400" i="1" dirty="0" smtClean="0">
-                <a:solidFill>
-                  <a:srgbClr val="000099"/>
-                </a:solidFill>
-                <a:latin typeface="Comic Sans MS" pitchFamily="66" charset="0"/>
-              </a:rPr>
-              <a:t> </a:t>
-            </a:r>
-            <a:r>
-              <a:rPr lang="en-US" sz="5400" i="1" dirty="0" smtClean="0">
-                <a:latin typeface="Comic Sans MS" pitchFamily="66" charset="0"/>
-              </a:rPr>
-              <a:t> </a:t>
-            </a:r>
-            <a:r>
-              <a:rPr lang="en-US" sz="5400" dirty="0">
-                <a:solidFill>
-                  <a:srgbClr val="0000FF"/>
-                </a:solidFill>
-                <a:latin typeface="Comic Sans MS" pitchFamily="66" charset="0"/>
-              </a:rPr>
-              <a:t>f(n)</a:t>
-            </a:r>
-            <a:r>
-              <a:rPr lang="en-US" sz="5400" dirty="0">
-                <a:latin typeface="Comic Sans MS" pitchFamily="66" charset="0"/>
-              </a:rPr>
-              <a:t> </a:t>
-            </a:r>
-            <a:r>
-              <a:rPr lang="en-US" sz="5400" b="1" dirty="0">
-                <a:latin typeface="Comic Sans MS" pitchFamily="66" charset="0"/>
-              </a:rPr>
-              <a:t>= </a:t>
-            </a:r>
-            <a:r>
-              <a:rPr lang="en-US" sz="5400" dirty="0">
-                <a:solidFill>
-                  <a:srgbClr val="FF33CC"/>
-                </a:solidFill>
-                <a:latin typeface="Comic Sans MS" pitchFamily="66" charset="0"/>
-              </a:rPr>
-              <a:t>o(</a:t>
-            </a:r>
-            <a:r>
-              <a:rPr lang="en-US" sz="5400" dirty="0">
-                <a:solidFill>
-                  <a:srgbClr val="0000FF"/>
-                </a:solidFill>
-                <a:latin typeface="Comic Sans MS" pitchFamily="66" charset="0"/>
-              </a:rPr>
-              <a:t>g(n)</a:t>
-            </a:r>
-            <a:r>
-              <a:rPr lang="en-US" sz="5400" dirty="0">
-                <a:solidFill>
-                  <a:srgbClr val="FF33CC"/>
-                </a:solidFill>
-                <a:latin typeface="Comic Sans MS" pitchFamily="66" charset="0"/>
-              </a:rPr>
-              <a:t>)</a:t>
-            </a:r>
-          </a:p>
-          <a:p>
-            <a:pPr>
-              <a:spcBef>
-                <a:spcPct val="20000"/>
-              </a:spcBef>
-            </a:pPr>
-            <a:r>
-              <a:rPr lang="en-US" sz="5400" dirty="0" smtClean="0">
-                <a:latin typeface="Comic Sans MS" pitchFamily="66" charset="0"/>
-              </a:rPr>
-              <a:t>  </a:t>
-            </a:r>
-            <a:r>
-              <a:rPr lang="en-US" sz="5400" dirty="0" err="1" smtClean="0">
-                <a:latin typeface="Comic Sans MS" pitchFamily="66" charset="0"/>
-              </a:rPr>
-              <a:t>iff</a:t>
-            </a:r>
-            <a:endParaRPr lang="en-US" sz="5400" dirty="0">
-              <a:latin typeface="Comic Sans MS" pitchFamily="66" charset="0"/>
-            </a:endParaRPr>
-          </a:p>
-        </p:txBody>
-      </p:sp>
-      <p:sp useBgFill="1">
-        <p:nvSpPr>
-          <p:cNvPr id="8" name="Rectangle 2"/>
-          <p:cNvSpPr>
-            <a:spLocks noGrp="1" noChangeArrowheads="1"/>
-          </p:cNvSpPr>
-          <p:nvPr>
-            <p:ph type="title"/>
-          </p:nvPr>
-        </p:nvSpPr>
-        <p:spPr>
-          <a:xfrm>
-            <a:off x="1143000" y="152400"/>
-            <a:ext cx="7239000" cy="914400"/>
-          </a:xfrm>
-        </p:spPr>
-        <p:txBody>
-          <a:bodyPr/>
-          <a:lstStyle/>
-          <a:p>
-            <a:pPr eaLnBrk="1" hangingPunct="1"/>
-            <a:r>
-              <a:rPr lang="en-US" dirty="0" smtClean="0"/>
-              <a:t>Little Oh:   </a:t>
-            </a:r>
-            <a:r>
-              <a:rPr lang="en-US" dirty="0" smtClean="0">
-                <a:solidFill>
-                  <a:srgbClr val="FF33CC"/>
-                </a:solidFill>
-              </a:rPr>
-              <a:t>o(∙)</a:t>
-            </a:r>
-          </a:p>
-        </p:txBody>
-      </p:sp>
-      <p:graphicFrame>
-        <p:nvGraphicFramePr>
-          <p:cNvPr id="6" name="Object 6"/>
-          <p:cNvGraphicFramePr>
-            <a:graphicFrameLocks noChangeAspect="1"/>
-          </p:cNvGraphicFramePr>
-          <p:nvPr>
-            <p:extLst>
-              <p:ext uri="{D42A27DB-BD31-4B8C-83A1-F6EECF244321}">
-                <p14:modId xmlns:p14="http://schemas.microsoft.com/office/powerpoint/2010/main" val="2319889666"/>
-              </p:ext>
-            </p:extLst>
-          </p:nvPr>
-        </p:nvGraphicFramePr>
-        <p:xfrm>
-          <a:off x="2146300" y="2981325"/>
-          <a:ext cx="4865688" cy="2392363"/>
-        </p:xfrm>
-        <a:graphic>
-          <a:graphicData uri="http://schemas.openxmlformats.org/presentationml/2006/ole">
-            <mc:AlternateContent xmlns:mc="http://schemas.openxmlformats.org/markup-compatibility/2006">
-              <mc:Choice xmlns:v="urn:schemas-microsoft-com:vml" Requires="v">
-                <p:oleObj spid="_x0000_s153629" name="Equation" r:id="rId4" imgW="927100" imgH="457200" progId="Equation.DSMT4">
-                  <p:embed/>
-                </p:oleObj>
-              </mc:Choice>
-              <mc:Fallback>
-                <p:oleObj name="Equation" r:id="rId4" imgW="927100" imgH="457200" progId="Equation.DSMT4">
-                  <p:embed/>
-                  <p:pic>
-                    <p:nvPicPr>
-                      <p:cNvPr id="0" name=""/>
-                      <p:cNvPicPr>
-                        <a:picLocks noChangeAspect="1" noChangeArrowheads="1"/>
-                      </p:cNvPicPr>
-                      <p:nvPr/>
-                    </p:nvPicPr>
-                    <p:blipFill>
-                      <a:blip r:embed="rId5"/>
-                      <a:srcRect/>
-                      <a:stretch>
-                        <a:fillRect/>
-                      </a:stretch>
-                    </p:blipFill>
-                    <p:spPr bwMode="auto">
-                      <a:xfrm>
-                        <a:off x="2146300" y="2981325"/>
-                        <a:ext cx="4865688" cy="2392363"/>
-                      </a:xfrm>
-                      <a:prstGeom prst="rect">
-                        <a:avLst/>
-                      </a:prstGeom>
-                      <a:noFill/>
-                      <a:extLst>
-                        <a:ext uri="{909E8E84-426E-40dd-AFC4-6F175D3DCCD1}">
-                          <a14:hiddenFill xmlns:a14="http://schemas.microsoft.com/office/drawing/2010/main">
-                            <a:solidFill>
-                              <a:srgbClr val="FFFFFF"/>
-                            </a:solidFill>
-                          </a14:hiddenFill>
-                        </a:ext>
-                      </a:extLst>
-                    </p:spPr>
-                  </p:pic>
-                </p:oleObj>
-              </mc:Fallback>
-            </mc:AlternateContent>
-          </a:graphicData>
-        </a:graphic>
-      </p:graphicFrame>
-    </p:spTree>
-  </p:cSld>
-  <p:clrMapOvr>
-    <a:masterClrMapping/>
-  </p:clrMapOvr>
-  <p:transition xmlns:p14="http://schemas.microsoft.com/office/powerpoint/2010/main" spd="slow">
-    <p:fade thruBlk="1"/>
-  </p:transition>
-  <p:timing>
-    <p:tnLst>
-      <p:par>
-        <p:cTn xmlns:p14="http://schemas.microsoft.com/office/powerpoint/2010/main" id="1" dur="indefinite" restart="never" nodeType="tmRoot">
-          <p:childTnLst>
-            <p:seq concurrent="1" nextAc="seek">
-              <p:cTn id="2" dur="indefinite" nodeType="mainSeq">
-                <p:childTnLst>
-                  <p:par>
-                    <p:cTn id="3" fill="hold">
-                      <p:stCondLst>
-                        <p:cond delay="indefinite"/>
-                        <p:cond evt="onBegin" delay="0">
-                          <p:tn val="2"/>
-                        </p:cond>
-                      </p:stCondLst>
-                      <p:childTnLst>
-                        <p:par>
-                          <p:cTn id="4" fill="hold">
-                            <p:stCondLst>
-                              <p:cond delay="0"/>
-                            </p:stCondLst>
-                            <p:childTnLst>
-                              <p:par>
-                                <p:cTn id="5" presetID="9" presetClass="entr" presetSubtype="0" fill="hold" nodeType="withEffect">
-                                  <p:stCondLst>
-                                    <p:cond delay="0"/>
-                                  </p:stCondLst>
-                                  <p:childTnLst>
-                                    <p:set>
-                                      <p:cBhvr>
-                                        <p:cTn id="6" dur="1" fill="hold">
-                                          <p:stCondLst>
-                                            <p:cond delay="0"/>
-                                          </p:stCondLst>
-                                        </p:cTn>
-                                        <p:tgtEl>
-                                          <p:spTgt spid="483333">
-                                            <p:txEl>
-                                              <p:pRg st="0" end="0"/>
-                                            </p:txEl>
-                                          </p:spTgt>
-                                        </p:tgtEl>
-                                        <p:attrNameLst>
-                                          <p:attrName>style.visibility</p:attrName>
-                                        </p:attrNameLst>
-                                      </p:cBhvr>
-                                      <p:to>
-                                        <p:strVal val="visible"/>
-                                      </p:to>
-                                    </p:set>
-                                    <p:animEffect transition="in" filter="dissolve">
-                                      <p:cBhvr>
-                                        <p:cTn id="7" dur="500"/>
-                                        <p:tgtEl>
-                                          <p:spTgt spid="483333">
-                                            <p:txEl>
-                                              <p:pRg st="0" end="0"/>
-                                            </p:txEl>
-                                          </p:spTgt>
-                                        </p:tgtEl>
-                                      </p:cBhvr>
-                                    </p:animEffect>
-                                  </p:childTnLst>
-                                </p:cTn>
-                              </p:par>
-                            </p:childTnLst>
-                          </p:cTn>
-                        </p:par>
-                      </p:childTnLst>
-                    </p:cTn>
-                  </p:par>
-                  <p:par>
-                    <p:cTn id="8" fill="hold">
-                      <p:stCondLst>
-                        <p:cond delay="indefinite"/>
-                      </p:stCondLst>
-                      <p:childTnLst>
-                        <p:par>
-                          <p:cTn id="9" fill="hold">
-                            <p:stCondLst>
-                              <p:cond delay="0"/>
-                            </p:stCondLst>
-                            <p:childTnLst>
-                              <p:par>
-                                <p:cTn id="10" presetID="1" presetClass="entr" presetSubtype="0" fill="hold" nodeType="clickEffect">
-                                  <p:stCondLst>
-                                    <p:cond delay="0"/>
-                                  </p:stCondLst>
-                                  <p:childTnLst>
-                                    <p:set>
-                                      <p:cBhvr>
-                                        <p:cTn id="11" dur="1" fill="hold">
-                                          <p:stCondLst>
-                                            <p:cond delay="0"/>
-                                          </p:stCondLst>
-                                        </p:cTn>
-                                        <p:tgtEl>
-                                          <p:spTgt spid="483333">
-                                            <p:txEl>
-                                              <p:pRg st="1" end="1"/>
-                                            </p:txEl>
-                                          </p:spTgt>
-                                        </p:tgtEl>
-                                        <p:attrNameLst>
-                                          <p:attrName>style.visibility</p:attrName>
-                                        </p:attrNameLst>
-                                      </p:cBhvr>
-                                      <p:to>
-                                        <p:strVal val="visible"/>
-                                      </p:to>
-                                    </p:set>
-                                  </p:childTnLst>
-                                </p:cTn>
-                              </p:par>
-                            </p:childTnLst>
-                          </p:cTn>
-                        </p:par>
-                        <p:par>
-                          <p:cTn id="12" fill="hold">
-                            <p:stCondLst>
-                              <p:cond delay="0"/>
-                            </p:stCondLst>
-                            <p:childTnLst>
-                              <p:par>
-                                <p:cTn id="13" presetID="22" presetClass="entr" presetSubtype="8" fill="hold" nodeType="afterEffect">
-                                  <p:stCondLst>
-                                    <p:cond delay="0"/>
-                                  </p:stCondLst>
-                                  <p:childTnLst>
-                                    <p:set>
-                                      <p:cBhvr>
-                                        <p:cTn id="14" dur="1" fill="hold">
                                           <p:stCondLst>
                                             <p:cond delay="0"/>
                                           </p:stCondLst>
@@ -6312,7 +9183,7 @@
                                     </p:set>
                                     <p:animEffect transition="in" filter="wipe(left)">
                                       <p:cBhvr>
-                                        <p:cTn id="15" dur="1000"/>
+                                        <p:cTn id="7" dur="2000"/>
                                         <p:tgtEl>
                                           <p:spTgt spid="6"/>
                                         </p:tgtEl>
@@ -6369,9 +9240,9 @@
           <a:chExt cx="0" cy="0"/>
         </a:xfrm>
       </p:grpSpPr>
-      <p:sp useBgFill="1">
-        <p:nvSpPr>
-          <p:cNvPr id="50179" name="Rectangle 2"/>
+      <p:sp>
+        <p:nvSpPr>
+          <p:cNvPr id="12292" name="Rectangle 2"/>
           <p:cNvSpPr>
             <a:spLocks noGrp="1" noChangeArrowheads="1"/>
           </p:cNvSpPr>
@@ -6386,91 +9257,53 @@
           <a:p>
             <a:pPr eaLnBrk="1" hangingPunct="1"/>
             <a:r>
-              <a:rPr lang="en-US" dirty="0" smtClean="0"/>
-              <a:t>Little Oh:   </a:t>
-            </a:r>
-            <a:r>
-              <a:rPr lang="en-US" dirty="0" smtClean="0">
+              <a:rPr lang="en-US" sz="4400" dirty="0" smtClean="0"/>
+              <a:t>transitivity of </a:t>
+            </a:r>
+            <a:r>
+              <a:rPr lang="en-US" sz="4400" dirty="0" smtClean="0">
                 <a:solidFill>
                   <a:srgbClr val="FF33CC"/>
                 </a:solidFill>
               </a:rPr>
-              <a:t>o(∙)</a:t>
-            </a:r>
-          </a:p>
-        </p:txBody>
-      </p:sp>
-      <p:sp>
-        <p:nvSpPr>
-          <p:cNvPr id="50180" name="Text Box 10"/>
-          <p:cNvSpPr txBox="1">
-            <a:spLocks noChangeArrowheads="1"/>
-          </p:cNvSpPr>
-          <p:nvPr/>
-        </p:nvSpPr>
-        <p:spPr bwMode="auto">
-          <a:xfrm>
-            <a:off x="311865" y="2044749"/>
-            <a:ext cx="2762295" cy="923330"/>
-          </a:xfrm>
-          <a:prstGeom prst="rect">
-            <a:avLst/>
-          </a:prstGeom>
-          <a:noFill/>
-          <a:ln w="9525">
-            <a:noFill/>
-            <a:miter lim="800000"/>
-            <a:headEnd/>
-            <a:tailEnd type="none" w="lg" len="lg"/>
-          </a:ln>
-        </p:spPr>
-        <p:txBody>
-          <a:bodyPr wrap="none">
-            <a:spAutoFit/>
-          </a:bodyPr>
-          <a:lstStyle/>
-          <a:p>
-            <a:r>
-              <a:rPr lang="en-US" sz="5400" dirty="0">
-                <a:latin typeface="Comic Sans MS" pitchFamily="66" charset="0"/>
-              </a:rPr>
-              <a:t>because</a:t>
+              <a:t>~</a:t>
             </a:r>
           </a:p>
         </p:txBody>
       </p:sp>
       <p:graphicFrame>
         <p:nvGraphicFramePr>
-          <p:cNvPr id="8" name="Object 7"/>
+          <p:cNvPr id="12290" name="Object 6"/>
           <p:cNvGraphicFramePr>
-            <a:graphicFrameLocks noChangeAspect="1"/>
+            <a:graphicFrameLocks noGrp="1" noChangeAspect="1"/>
           </p:cNvGraphicFramePr>
           <p:nvPr>
+            <p:ph idx="1"/>
             <p:extLst>
               <p:ext uri="{D42A27DB-BD31-4B8C-83A1-F6EECF244321}">
-                <p14:modId xmlns:p14="http://schemas.microsoft.com/office/powerpoint/2010/main" val="2478136810"/>
+                <p14:modId xmlns:p14="http://schemas.microsoft.com/office/powerpoint/2010/main" val="388286537"/>
               </p:ext>
             </p:extLst>
           </p:nvPr>
         </p:nvGraphicFramePr>
         <p:xfrm>
-          <a:off x="2532063" y="830263"/>
-          <a:ext cx="4065587" cy="1487487"/>
+          <a:off x="1416050" y="1041400"/>
+          <a:ext cx="6127750" cy="2938463"/>
         </p:xfrm>
         <a:graphic>
           <a:graphicData uri="http://schemas.openxmlformats.org/presentationml/2006/ole">
             <mc:AlternateContent xmlns:mc="http://schemas.openxmlformats.org/markup-compatibility/2006">
               <mc:Choice xmlns:v="urn:schemas-microsoft-com:vml" Requires="v">
-                <p:oleObj spid="_x0000_s154671" name="Equation" r:id="rId4" imgW="660400" imgH="241300" progId="Equation.DSMT4">
+                <p:oleObj spid="_x0000_s157718" name="Equation" r:id="rId4" imgW="1854200" imgH="889000" progId="Equation.DSMT4">
                   <p:embed/>
                 </p:oleObj>
               </mc:Choice>
               <mc:Fallback>
-                <p:oleObj name="Equation" r:id="rId4" imgW="660400" imgH="241300" progId="Equation.DSMT4">
+                <p:oleObj name="Equation" r:id="rId4" imgW="1854200" imgH="889000" progId="Equation.DSMT4">
                   <p:embed/>
                   <p:pic>
                     <p:nvPicPr>
-                      <p:cNvPr id="0" name="Picture 2"/>
+                      <p:cNvPr id="0" name=""/>
                       <p:cNvPicPr>
                         <a:picLocks noChangeAspect="1" noChangeArrowheads="1"/>
                       </p:cNvPicPr>
@@ -6485,8 +9318,8 @@
                     </p:blipFill>
                     <p:spPr bwMode="auto">
                       <a:xfrm>
-                        <a:off x="2532063" y="830263"/>
-                        <a:ext cx="4065587" cy="1487487"/>
+                        <a:off x="1416050" y="1041400"/>
+                        <a:ext cx="6127750" cy="2938463"/>
                       </a:xfrm>
                       <a:prstGeom prst="rect">
                         <a:avLst/>
@@ -6511,66 +9344,53 @@
       </p:graphicFrame>
       <p:graphicFrame>
         <p:nvGraphicFramePr>
-          <p:cNvPr id="9" name="Object 8"/>
+          <p:cNvPr id="2" name="Object 1"/>
           <p:cNvGraphicFramePr>
             <a:graphicFrameLocks noChangeAspect="1"/>
           </p:cNvGraphicFramePr>
           <p:nvPr>
             <p:extLst>
               <p:ext uri="{D42A27DB-BD31-4B8C-83A1-F6EECF244321}">
-                <p14:modId xmlns:p14="http://schemas.microsoft.com/office/powerpoint/2010/main" val="1405486214"/>
+                <p14:modId xmlns:p14="http://schemas.microsoft.com/office/powerpoint/2010/main" val="3446729402"/>
               </p:ext>
             </p:extLst>
           </p:nvPr>
         </p:nvGraphicFramePr>
         <p:xfrm>
-          <a:off x="1033463" y="2628900"/>
-          <a:ext cx="7038975" cy="2690813"/>
+          <a:off x="1625600" y="3505201"/>
+          <a:ext cx="4927600" cy="2585770"/>
         </p:xfrm>
         <a:graphic>
           <a:graphicData uri="http://schemas.openxmlformats.org/presentationml/2006/ole">
             <mc:AlternateContent xmlns:mc="http://schemas.openxmlformats.org/markup-compatibility/2006">
               <mc:Choice xmlns:v="urn:schemas-microsoft-com:vml" Requires="v">
-                <p:oleObj spid="_x0000_s154672" name="Equation" r:id="rId6" imgW="1130300" imgH="431800" progId="Equation.DSMT4">
+                <p:oleObj spid="_x0000_s157719" name="Equation" r:id="rId6" imgW="1282700" imgH="673100" progId="Equation.DSMT4">
                   <p:embed/>
                 </p:oleObj>
               </mc:Choice>
               <mc:Fallback>
-                <p:oleObj name="Equation" r:id="rId6" imgW="1130300" imgH="431800" progId="Equation.DSMT4">
+                <p:oleObj name="Equation" r:id="rId6" imgW="1282700" imgH="673100" progId="Equation.DSMT4">
                   <p:embed/>
                   <p:pic>
                     <p:nvPicPr>
-                      <p:cNvPr id="0" name="Picture 3"/>
-                      <p:cNvPicPr>
-                        <a:picLocks noChangeAspect="1" noChangeArrowheads="1"/>
-                      </p:cNvPicPr>
+                      <p:cNvPr id="0" name=""/>
+                      <p:cNvPicPr/>
                       <p:nvPr/>
                     </p:nvPicPr>
                     <p:blipFill>
                       <a:blip r:embed="rId7"/>
-                      <a:srcRect/>
                       <a:stretch>
                         <a:fillRect/>
                       </a:stretch>
                     </p:blipFill>
-                    <p:spPr bwMode="auto">
+                    <p:spPr>
                       <a:xfrm>
-                        <a:off x="1033463" y="2628900"/>
-                        <a:ext cx="7038975" cy="2690813"/>
+                        <a:off x="1625600" y="3505201"/>
+                        <a:ext cx="4927600" cy="2585770"/>
                       </a:xfrm>
                       <a:prstGeom prst="rect">
                         <a:avLst/>
                       </a:prstGeom>
-                      <a:noFill/>
-                      <a:extLst>
-                        <a:ext uri="{909E8E84-426E-40dd-AFC4-6F175D3DCCD1}">
-                          <a14:hiddenFill xmlns:a14="http://schemas.microsoft.com/office/drawing/2010/main">
-                            <a:solidFill>
-                              <a:srgbClr val="FFFFFF"/>
-                            </a:solidFill>
-                          </a14:hiddenFill>
-                        </a:ext>
-                      </a:extLst>
                     </p:spPr>
                   </p:pic>
                 </p:oleObj>
@@ -6580,13 +9400,18 @@
         </a:graphic>
       </p:graphicFrame>
     </p:spTree>
+    <p:extLst>
+      <p:ext uri="{BB962C8B-B14F-4D97-AF65-F5344CB8AC3E}">
+        <p14:creationId xmlns:p14="http://schemas.microsoft.com/office/powerpoint/2010/main" val="1496283238"/>
+      </p:ext>
+    </p:extLst>
   </p:cSld>
   <p:clrMapOvr>
     <a:masterClrMapping/>
   </p:clrMapOvr>
   <mc:AlternateContent xmlns:mc="http://schemas.openxmlformats.org/markup-compatibility/2006" xmlns:p14="http://schemas.microsoft.com/office/powerpoint/2010/main">
     <mc:Choice Requires="p14">
-      <p:transition spd="med" p14:dur="700">
+      <p:transition spd="med" p14:dur="600">
         <p:fade/>
       </p:transition>
     </mc:Choice>
@@ -6608,6 +9433,9 @@
                     <p:cTn id="3" fill="hold">
                       <p:stCondLst>
                         <p:cond delay="indefinite"/>
+                        <p:cond evt="onBegin" delay="0">
+                          <p:tn val="2"/>
+                        </p:cond>
                       </p:stCondLst>
                       <p:childTnLst>
                         <p:par>
@@ -6617,7 +9445,7 @@
                             </p:stCondLst>
                             <p:childTnLst>
                               <p:par>
-                                <p:cTn id="5" presetID="9" presetClass="entr" presetSubtype="0" fill="hold" grpId="1" nodeType="clickEffect">
+                                <p:cTn id="5" presetID="22" presetClass="entr" presetSubtype="8" fill="hold" nodeType="afterEffect">
                                   <p:stCondLst>
                                     <p:cond delay="0"/>
                                   </p:stCondLst>
@@ -6630,7 +9458,581 @@
                                           </p:stCondLst>
                                         </p:cTn>
                                         <p:tgtEl>
-                                          <p:spTgt spid="50180"/>
+                                          <p:spTgt spid="2"/>
+                                        </p:tgtEl>
+                                        <p:attrNameLst>
+                                          <p:attrName>style.visibility</p:attrName>
+                                        </p:attrNameLst>
+                                      </p:cBhvr>
+                                      <p:to>
+                                        <p:strVal val="visible"/>
+                                      </p:to>
+                                    </p:set>
+                                    <p:animEffect transition="in" filter="wipe(left)">
+                                      <p:cBhvr>
+                                        <p:cTn id="7" dur="1000"/>
+                                        <p:tgtEl>
+                                          <p:spTgt spid="2"/>
+                                        </p:tgtEl>
+                                      </p:cBhvr>
+                                    </p:animEffect>
+                                  </p:childTnLst>
+                                </p:cTn>
+                              </p:par>
+                            </p:childTnLst>
+                          </p:cTn>
+                        </p:par>
+                      </p:childTnLst>
+                    </p:cTn>
+                  </p:par>
+                </p:childTnLst>
+              </p:cTn>
+              <p:prevCondLst>
+                <p:cond evt="onPrev" delay="0">
+                  <p:tgtEl>
+                    <p:sldTgt/>
+                  </p:tgtEl>
+                </p:cond>
+              </p:prevCondLst>
+              <p:nextCondLst>
+                <p:cond evt="onNext" delay="0">
+                  <p:tgtEl>
+                    <p:sldTgt/>
+                  </p:tgtEl>
+                </p:cond>
+              </p:nextCondLst>
+            </p:seq>
+          </p:childTnLst>
+        </p:cTn>
+      </p:par>
+    </p:tnLst>
+  </p:timing>
+</p:sld>
+</file>
+
+<file path=ppt/slides/slide8.xml><?xml version="1.0" encoding="utf-8"?>
+<p:sld xmlns:a="http://schemas.openxmlformats.org/drawingml/2006/main" xmlns:r="http://schemas.openxmlformats.org/officeDocument/2006/relationships" xmlns:p="http://schemas.openxmlformats.org/presentationml/2006/main">
+  <p:cSld>
+    <p:spTree>
+      <p:nvGrpSpPr>
+        <p:cNvPr id="1" name=""/>
+        <p:cNvGrpSpPr/>
+        <p:nvPr/>
+      </p:nvGrpSpPr>
+      <p:grpSpPr>
+        <a:xfrm>
+          <a:off x="0" y="0"/>
+          <a:ext cx="0" cy="0"/>
+          <a:chOff x="0" y="0"/>
+          <a:chExt cx="0" cy="0"/>
+        </a:xfrm>
+      </p:grpSpPr>
+      <p:sp>
+        <p:nvSpPr>
+          <p:cNvPr id="11268" name="Rectangle 2"/>
+          <p:cNvSpPr>
+            <a:spLocks noGrp="1" noChangeArrowheads="1"/>
+          </p:cNvSpPr>
+          <p:nvPr>
+            <p:ph type="title"/>
+          </p:nvPr>
+        </p:nvSpPr>
+        <p:spPr/>
+        <p:txBody>
+          <a:bodyPr/>
+          <a:lstStyle/>
+          <a:p>
+            <a:pPr eaLnBrk="1" hangingPunct="1"/>
+            <a:r>
+              <a:rPr lang="en-US" dirty="0" smtClean="0"/>
+              <a:t>Asymptotic Equivalence </a:t>
+            </a:r>
+            <a:r>
+              <a:rPr lang="en-US" dirty="0" smtClean="0">
+                <a:solidFill>
+                  <a:srgbClr val="FF33CC"/>
+                </a:solidFill>
+              </a:rPr>
+              <a:t>~</a:t>
+            </a:r>
+          </a:p>
+        </p:txBody>
+      </p:sp>
+      <p:sp>
+        <p:nvSpPr>
+          <p:cNvPr id="11269" name="Text Box 5"/>
+          <p:cNvSpPr txBox="1">
+            <a:spLocks noChangeArrowheads="1"/>
+          </p:cNvSpPr>
+          <p:nvPr/>
+        </p:nvSpPr>
+        <p:spPr bwMode="auto">
+          <a:xfrm>
+            <a:off x="172344" y="2035076"/>
+            <a:ext cx="8666856" cy="2308324"/>
+          </a:xfrm>
+          <a:prstGeom prst="rect">
+            <a:avLst/>
+          </a:prstGeom>
+          <a:noFill/>
+          <a:ln w="9525">
+            <a:noFill/>
+            <a:miter lim="800000"/>
+            <a:headEnd/>
+            <a:tailEnd type="none" w="lg" len="lg"/>
+          </a:ln>
+        </p:spPr>
+        <p:txBody>
+          <a:bodyPr wrap="none">
+            <a:spAutoFit/>
+          </a:bodyPr>
+          <a:lstStyle/>
+          <a:p>
+            <a:r>
+              <a:rPr lang="en-US" sz="6000" dirty="0" smtClean="0">
+                <a:solidFill>
+                  <a:srgbClr val="8D007E"/>
+                </a:solidFill>
+                <a:latin typeface="Comic Sans MS" pitchFamily="66" charset="0"/>
+              </a:rPr>
+              <a:t>Corollary:</a:t>
+            </a:r>
+            <a:r>
+              <a:rPr lang="en-US" sz="7200" dirty="0" smtClean="0">
+                <a:solidFill>
+                  <a:srgbClr val="006600"/>
+                </a:solidFill>
+                <a:latin typeface="Comic Sans MS" pitchFamily="66" charset="0"/>
+              </a:rPr>
+              <a:t> </a:t>
+            </a:r>
+            <a:r>
+              <a:rPr lang="en-US" sz="7200" b="1" dirty="0">
+                <a:solidFill>
+                  <a:srgbClr val="FF33CC"/>
+                </a:solidFill>
+                <a:latin typeface="Comic Sans MS" pitchFamily="66" charset="0"/>
+              </a:rPr>
+              <a:t>~</a:t>
+            </a:r>
+            <a:r>
+              <a:rPr lang="en-US" sz="7200" dirty="0">
+                <a:solidFill>
+                  <a:srgbClr val="006600"/>
+                </a:solidFill>
+                <a:latin typeface="Comic Sans MS" pitchFamily="66" charset="0"/>
+              </a:rPr>
+              <a:t> is </a:t>
+            </a:r>
+            <a:r>
+              <a:rPr lang="en-US" sz="7200" dirty="0" smtClean="0">
+                <a:solidFill>
+                  <a:srgbClr val="006600"/>
+                </a:solidFill>
+                <a:latin typeface="Comic Sans MS" pitchFamily="66" charset="0"/>
+              </a:rPr>
+              <a:t>an </a:t>
+            </a:r>
+          </a:p>
+          <a:p>
+            <a:r>
+              <a:rPr lang="en-US" sz="7200" dirty="0" smtClean="0">
+                <a:solidFill>
+                  <a:srgbClr val="006600"/>
+                </a:solidFill>
+                <a:latin typeface="Comic Sans MS" pitchFamily="66" charset="0"/>
+              </a:rPr>
+              <a:t>equivalence relation</a:t>
+            </a:r>
+            <a:endParaRPr lang="en-US" sz="7200" dirty="0">
+              <a:solidFill>
+                <a:srgbClr val="006600"/>
+              </a:solidFill>
+              <a:latin typeface="Comic Sans MS" pitchFamily="66" charset="0"/>
+            </a:endParaRPr>
+          </a:p>
+        </p:txBody>
+      </p:sp>
+    </p:spTree>
+    <p:extLst>
+      <p:ext uri="{BB962C8B-B14F-4D97-AF65-F5344CB8AC3E}">
+        <p14:creationId xmlns:p14="http://schemas.microsoft.com/office/powerpoint/2010/main" val="3013828491"/>
+      </p:ext>
+    </p:extLst>
+  </p:cSld>
+  <p:clrMapOvr>
+    <a:masterClrMapping/>
+  </p:clrMapOvr>
+  <mc:AlternateContent xmlns:mc="http://schemas.openxmlformats.org/markup-compatibility/2006" xmlns:p14="http://schemas.microsoft.com/office/powerpoint/2010/main">
+    <mc:Choice Requires="p14">
+      <p:transition spd="med" p14:dur="700">
+        <p:fade/>
+      </p:transition>
+    </mc:Choice>
+    <mc:Fallback xmlns="">
+      <p:transition xmlns:p14="http://schemas.microsoft.com/office/powerpoint/2010/main" spd="med">
+        <p:fade/>
+      </p:transition>
+    </mc:Fallback>
+  </mc:AlternateContent>
+  <p:timing>
+    <p:tnLst>
+      <p:par>
+        <p:cTn xmlns:p14="http://schemas.microsoft.com/office/powerpoint/2010/main" id="1" dur="indefinite" restart="never" nodeType="tmRoot"/>
+      </p:par>
+    </p:tnLst>
+  </p:timing>
+</p:sld>
+</file>
+
+<file path=ppt/slides/slide9.xml><?xml version="1.0" encoding="utf-8"?>
+<p:sld xmlns:a="http://schemas.openxmlformats.org/drawingml/2006/main" xmlns:r="http://schemas.openxmlformats.org/officeDocument/2006/relationships" xmlns:p="http://schemas.openxmlformats.org/presentationml/2006/main">
+  <p:cSld>
+    <p:spTree>
+      <p:nvGrpSpPr>
+        <p:cNvPr id="1" name=""/>
+        <p:cNvGrpSpPr/>
+        <p:nvPr/>
+      </p:nvGrpSpPr>
+      <p:grpSpPr>
+        <a:xfrm>
+          <a:off x="0" y="0"/>
+          <a:ext cx="0" cy="0"/>
+          <a:chOff x="0" y="0"/>
+          <a:chExt cx="0" cy="0"/>
+        </a:xfrm>
+      </p:grpSpPr>
+      <p:sp>
+        <p:nvSpPr>
+          <p:cNvPr id="483333" name="Rectangle 5"/>
+          <p:cNvSpPr>
+            <a:spLocks noChangeArrowheads="1"/>
+          </p:cNvSpPr>
+          <p:nvPr/>
+        </p:nvSpPr>
+        <p:spPr bwMode="auto">
+          <a:xfrm>
+            <a:off x="1066800" y="1066800"/>
+            <a:ext cx="6858000" cy="4114800"/>
+          </a:xfrm>
+          <a:prstGeom prst="rect">
+            <a:avLst/>
+          </a:prstGeom>
+          <a:noFill/>
+          <a:ln w="9525">
+            <a:noFill/>
+            <a:miter lim="800000"/>
+            <a:headEnd/>
+            <a:tailEnd/>
+          </a:ln>
+        </p:spPr>
+        <p:txBody>
+          <a:bodyPr/>
+          <a:lstStyle/>
+          <a:p>
+            <a:pPr>
+              <a:spcBef>
+                <a:spcPct val="20000"/>
+              </a:spcBef>
+            </a:pPr>
+            <a:r>
+              <a:rPr lang="en-US" sz="6000" b="1" kern="0" dirty="0" smtClean="0">
+                <a:solidFill>
+                  <a:srgbClr val="FF33CC"/>
+                </a:solidFill>
+                <a:latin typeface="Comic Sans MS"/>
+                <a:ea typeface="+mj-ea"/>
+                <a:cs typeface="+mj-cs"/>
+              </a:rPr>
+              <a:t>~ </a:t>
+            </a:r>
+            <a:r>
+              <a:rPr lang="en-US" sz="6000" b="1" kern="0" dirty="0" smtClean="0">
+                <a:latin typeface="Comic Sans MS"/>
+                <a:ea typeface="+mj-ea"/>
+                <a:cs typeface="+mj-cs"/>
+              </a:rPr>
+              <a:t>is a relation</a:t>
+            </a:r>
+          </a:p>
+          <a:p>
+            <a:pPr>
+              <a:spcBef>
+                <a:spcPct val="20000"/>
+              </a:spcBef>
+            </a:pPr>
+            <a:r>
+              <a:rPr lang="en-US" sz="6000" b="1" kern="0" dirty="0" smtClean="0">
+                <a:latin typeface="Comic Sans MS"/>
+                <a:ea typeface="+mj-ea"/>
+                <a:cs typeface="+mj-cs"/>
+              </a:rPr>
+              <a:t>on </a:t>
+            </a:r>
+            <a:r>
+              <a:rPr lang="en-US" sz="6000" b="1" kern="0" dirty="0" smtClean="0">
+                <a:solidFill>
+                  <a:srgbClr val="8D007E"/>
+                </a:solidFill>
+                <a:latin typeface="Comic Sans MS"/>
+                <a:ea typeface="+mj-ea"/>
+                <a:cs typeface="+mj-cs"/>
+              </a:rPr>
+              <a:t>functions</a:t>
+            </a:r>
+            <a:r>
+              <a:rPr lang="en-US" sz="6000" b="1" kern="0" dirty="0" smtClean="0">
+                <a:latin typeface="Comic Sans MS"/>
+                <a:ea typeface="+mj-ea"/>
+                <a:cs typeface="+mj-cs"/>
+              </a:rPr>
+              <a:t>:</a:t>
+            </a:r>
+          </a:p>
+          <a:p>
+            <a:pPr algn="ctr">
+              <a:spcBef>
+                <a:spcPct val="20000"/>
+              </a:spcBef>
+            </a:pPr>
+            <a:r>
+              <a:rPr lang="en-US" sz="8000" dirty="0" smtClean="0">
+                <a:solidFill>
+                  <a:srgbClr val="0000FF"/>
+                </a:solidFill>
+                <a:latin typeface="Comic Sans MS" pitchFamily="66" charset="0"/>
+              </a:rPr>
+              <a:t>f</a:t>
+            </a:r>
+            <a:r>
+              <a:rPr lang="en-US" sz="8000" dirty="0">
+                <a:solidFill>
+                  <a:srgbClr val="0000FF"/>
+                </a:solidFill>
+                <a:latin typeface="Comic Sans MS" pitchFamily="66" charset="0"/>
+              </a:rPr>
+              <a:t>(n)</a:t>
+            </a:r>
+            <a:r>
+              <a:rPr lang="en-US" sz="8000" dirty="0">
+                <a:latin typeface="Comic Sans MS" pitchFamily="66" charset="0"/>
+              </a:rPr>
+              <a:t> </a:t>
+            </a:r>
+            <a:r>
+              <a:rPr lang="en-US" sz="8000" dirty="0" smtClean="0">
+                <a:latin typeface="Comic Sans MS" pitchFamily="66" charset="0"/>
+              </a:rPr>
+              <a:t> </a:t>
+            </a:r>
+            <a:r>
+              <a:rPr lang="en-US" sz="8000" dirty="0" smtClean="0">
+                <a:solidFill>
+                  <a:srgbClr val="FF33CC"/>
+                </a:solidFill>
+                <a:latin typeface="Comic Sans MS" pitchFamily="66" charset="0"/>
+              </a:rPr>
+              <a:t>~  </a:t>
+            </a:r>
+            <a:r>
+              <a:rPr lang="en-US" sz="8000" dirty="0" smtClean="0">
+                <a:solidFill>
+                  <a:srgbClr val="0000FF"/>
+                </a:solidFill>
+                <a:latin typeface="Comic Sans MS" pitchFamily="66" charset="0"/>
+              </a:rPr>
+              <a:t>g</a:t>
+            </a:r>
+            <a:r>
+              <a:rPr lang="en-US" sz="8000" dirty="0">
+                <a:solidFill>
+                  <a:srgbClr val="0000FF"/>
+                </a:solidFill>
+                <a:latin typeface="Comic Sans MS" pitchFamily="66" charset="0"/>
+              </a:rPr>
+              <a:t>(n</a:t>
+            </a:r>
+            <a:r>
+              <a:rPr lang="en-US" sz="8000" dirty="0" smtClean="0">
+                <a:solidFill>
+                  <a:srgbClr val="0000FF"/>
+                </a:solidFill>
+                <a:latin typeface="Comic Sans MS" pitchFamily="66" charset="0"/>
+              </a:rPr>
+              <a:t>)</a:t>
+            </a:r>
+            <a:endParaRPr lang="en-US" sz="8000" dirty="0">
+              <a:solidFill>
+                <a:srgbClr val="FF33CC"/>
+              </a:solidFill>
+              <a:latin typeface="Comic Sans MS" pitchFamily="66" charset="0"/>
+            </a:endParaRPr>
+          </a:p>
+        </p:txBody>
+      </p:sp>
+      <p:sp useBgFill="1">
+        <p:nvSpPr>
+          <p:cNvPr id="4" name="TextBox 3"/>
+          <p:cNvSpPr txBox="1"/>
+          <p:nvPr/>
+        </p:nvSpPr>
+        <p:spPr>
+          <a:xfrm>
+            <a:off x="1295400" y="3429000"/>
+            <a:ext cx="6324600" cy="1569660"/>
+          </a:xfrm>
+          <a:prstGeom prst="rect">
+            <a:avLst/>
+          </a:prstGeom>
+        </p:spPr>
+        <p:txBody>
+          <a:bodyPr wrap="square" rtlCol="0">
+            <a:spAutoFit/>
+          </a:bodyPr>
+          <a:lstStyle/>
+          <a:p>
+            <a:r>
+              <a:rPr lang="en-US" sz="9600" dirty="0" smtClean="0">
+                <a:solidFill>
+                  <a:srgbClr val="0000FF"/>
+                </a:solidFill>
+                <a:latin typeface="Comic Sans MS" pitchFamily="66" charset="0"/>
+              </a:rPr>
+              <a:t> </a:t>
+            </a:r>
+            <a:r>
+              <a:rPr lang="en-US" sz="9600" dirty="0" smtClean="0">
+                <a:solidFill>
+                  <a:srgbClr val="0000FF"/>
+                </a:solidFill>
+                <a:latin typeface="Comic Sans MS" pitchFamily="66" charset="0"/>
+              </a:rPr>
+              <a:t>   f  </a:t>
+            </a:r>
+            <a:r>
+              <a:rPr lang="en-US" sz="9600" dirty="0" smtClean="0">
+                <a:solidFill>
+                  <a:srgbClr val="FF33CC"/>
+                </a:solidFill>
+                <a:latin typeface="Comic Sans MS" pitchFamily="66" charset="0"/>
+              </a:rPr>
+              <a:t>~  </a:t>
+            </a:r>
+            <a:r>
+              <a:rPr lang="en-US" sz="9600" dirty="0" smtClean="0">
+                <a:solidFill>
+                  <a:srgbClr val="0000FF"/>
+                </a:solidFill>
+                <a:latin typeface="Comic Sans MS" pitchFamily="66" charset="0"/>
+              </a:rPr>
+              <a:t>g</a:t>
+            </a:r>
+            <a:r>
+              <a:rPr lang="en-US" sz="9600" dirty="0" smtClean="0">
+                <a:solidFill>
+                  <a:srgbClr val="FF33CC"/>
+                </a:solidFill>
+                <a:latin typeface="Comic Sans MS" pitchFamily="66" charset="0"/>
+              </a:rPr>
+              <a:t>   </a:t>
+            </a:r>
+            <a:endParaRPr lang="en-US" sz="9600" dirty="0">
+              <a:solidFill>
+                <a:srgbClr val="FF33CC"/>
+              </a:solidFill>
+              <a:latin typeface="Comic Sans MS" pitchFamily="66" charset="0"/>
+            </a:endParaRPr>
+          </a:p>
+        </p:txBody>
+      </p:sp>
+      <p:sp>
+        <p:nvSpPr>
+          <p:cNvPr id="6" name="Rectangle 2"/>
+          <p:cNvSpPr>
+            <a:spLocks noGrp="1" noChangeArrowheads="1"/>
+          </p:cNvSpPr>
+          <p:nvPr>
+            <p:ph type="title"/>
+          </p:nvPr>
+        </p:nvSpPr>
+        <p:spPr>
+          <a:xfrm>
+            <a:off x="1143000" y="152400"/>
+            <a:ext cx="7239000" cy="914400"/>
+          </a:xfrm>
+        </p:spPr>
+        <p:txBody>
+          <a:bodyPr/>
+          <a:lstStyle/>
+          <a:p>
+            <a:pPr eaLnBrk="1" hangingPunct="1"/>
+            <a:r>
+              <a:rPr lang="en-US" dirty="0" smtClean="0"/>
+              <a:t>Asymptotic Equivalence </a:t>
+            </a:r>
+            <a:r>
+              <a:rPr lang="en-US" dirty="0" smtClean="0">
+                <a:solidFill>
+                  <a:srgbClr val="FF33CC"/>
+                </a:solidFill>
+              </a:rPr>
+              <a:t>~</a:t>
+            </a:r>
+          </a:p>
+        </p:txBody>
+      </p:sp>
+    </p:spTree>
+    <p:extLst>
+      <p:ext uri="{BB962C8B-B14F-4D97-AF65-F5344CB8AC3E}">
+        <p14:creationId xmlns:p14="http://schemas.microsoft.com/office/powerpoint/2010/main" val="4234101335"/>
+      </p:ext>
+    </p:extLst>
+  </p:cSld>
+  <p:clrMapOvr>
+    <a:masterClrMapping/>
+  </p:clrMapOvr>
+  <p:transition xmlns:p14="http://schemas.microsoft.com/office/powerpoint/2010/main" spd="slow">
+    <p:fade/>
+  </p:transition>
+  <p:timing>
+    <p:tnLst>
+      <p:par>
+        <p:cTn xmlns:p14="http://schemas.microsoft.com/office/powerpoint/2010/main" id="1" dur="indefinite" restart="never" nodeType="tmRoot">
+          <p:childTnLst>
+            <p:seq concurrent="1" nextAc="seek">
+              <p:cTn id="2" dur="indefinite" nodeType="mainSeq">
+                <p:childTnLst>
+                  <p:par>
+                    <p:cTn id="3" fill="hold">
+                      <p:stCondLst>
+                        <p:cond delay="indefinite"/>
+                      </p:stCondLst>
+                      <p:childTnLst>
+                        <p:par>
+                          <p:cTn id="4" fill="hold">
+                            <p:stCondLst>
+                              <p:cond delay="0"/>
+                            </p:stCondLst>
+                            <p:childTnLst>
+                              <p:par>
+                                <p:cTn id="5" presetID="9" presetClass="entr" presetSubtype="0" fill="hold" nodeType="clickEffect">
+                                  <p:stCondLst>
+                                    <p:cond delay="0"/>
+                                  </p:stCondLst>
+                                  <p:childTnLst>
+                                    <p:set>
+                                      <p:cBhvr>
+                                        <p:cTn id="6" dur="1" fill="hold">
+                                          <p:stCondLst>
+                                            <p:cond delay="0"/>
+                                          </p:stCondLst>
+                                        </p:cTn>
+                                        <p:tgtEl>
+                                          <p:spTgt spid="483333">
+                                            <p:txEl>
+                                              <p:pRg st="2" end="2"/>
+                                            </p:txEl>
+                                          </p:spTgt>
                                         </p:tgtEl>
                                         <p:attrNameLst>
                                           <p:attrName>style.visibility</p:attrName>
@@ -6644,7 +10046,11 @@
                                       <p:cBhvr>
                                         <p:cTn id="7" dur="500"/>
                                         <p:tgtEl>
-                                          <p:spTgt spid="50180"/>
+                                          <p:spTgt spid="483333">
+                                            <p:txEl>
+                                              <p:pRg st="2" end="2"/>
+                                            </p:txEl>
+                                          </p:spTgt>
                                         </p:tgtEl>
                                       </p:cBhvr>
                                     </p:animEffect>
@@ -6670,7 +10076,7 @@
                             </p:stCondLst>
                             <p:childTnLst>
                               <p:par>
-                                <p:cTn id="10" presetID="22" presetClass="entr" presetSubtype="8" fill="hold" nodeType="clickEffect">
+                                <p:cTn id="10" presetID="9" presetClass="entr" presetSubtype="0" fill="hold" grpId="0" nodeType="clickEffect">
                                   <p:stCondLst>
                                     <p:cond delay="0"/>
                                   </p:stCondLst>
@@ -6683,7 +10089,7 @@
                                           </p:stCondLst>
                                         </p:cTn>
                                         <p:tgtEl>
-                                          <p:spTgt spid="9"/>
+                                          <p:spTgt spid="4"/>
                                         </p:tgtEl>
                                         <p:attrNameLst>
                                           <p:attrName>style.visibility</p:attrName>
@@ -6693,11 +10099,11 @@
                                         <p:strVal val="visible"/>
                                       </p:to>
                                     </p:set>
-                                    <p:animEffect transition="in" filter="wipe(left)">
+                                    <p:animEffect transition="in" filter="dissolve">
                                       <p:cBhvr>
-                                        <p:cTn id="12" dur="1000"/>
+                                        <p:cTn id="12" dur="500"/>
                                         <p:tgtEl>
-                                          <p:spTgt spid="9"/>
+                                          <p:spTgt spid="4"/>
                                         </p:tgtEl>
                                       </p:cBhvr>
                                     </p:animEffect>
@@ -6732,1013 +10138,7 @@
       </p:par>
     </p:tnLst>
     <p:bldLst>
-      <p:bldP spid="50180" grpId="1"/>
-    </p:bldLst>
-  </p:timing>
-</p:sld>
-</file>
-
-<file path=ppt/slides/slide8.xml><?xml version="1.0" encoding="utf-8"?>
-<p:sld xmlns:a="http://schemas.openxmlformats.org/drawingml/2006/main" xmlns:r="http://schemas.openxmlformats.org/officeDocument/2006/relationships" xmlns:p="http://schemas.openxmlformats.org/presentationml/2006/main">
-  <p:cSld>
-    <p:spTree>
-      <p:nvGrpSpPr>
-        <p:cNvPr id="1" name=""/>
-        <p:cNvGrpSpPr/>
-        <p:nvPr/>
-      </p:nvGrpSpPr>
-      <p:grpSpPr>
-        <a:xfrm>
-          <a:off x="0" y="0"/>
-          <a:ext cx="0" cy="0"/>
-          <a:chOff x="0" y="0"/>
-          <a:chExt cx="0" cy="0"/>
-        </a:xfrm>
-      </p:grpSpPr>
-      <p:sp>
-        <p:nvSpPr>
-          <p:cNvPr id="14341" name="Rectangle 1027"/>
-          <p:cNvSpPr>
-            <a:spLocks noGrp="1" noChangeArrowheads="1"/>
-          </p:cNvSpPr>
-          <p:nvPr>
-            <p:ph type="body" sz="half" idx="1"/>
-          </p:nvPr>
-        </p:nvSpPr>
-        <p:spPr>
-          <a:xfrm>
-            <a:off x="676275" y="1147763"/>
-            <a:ext cx="7989888" cy="1730375"/>
-          </a:xfrm>
-        </p:spPr>
-        <p:txBody>
-          <a:bodyPr/>
-          <a:lstStyle/>
-          <a:p>
-            <a:pPr marL="0" indent="0" eaLnBrk="1" hangingPunct="1">
-              <a:lnSpc>
-                <a:spcPct val="90000"/>
-              </a:lnSpc>
-              <a:buFontTx/>
-              <a:buNone/>
-            </a:pPr>
-            <a:r>
-              <a:rPr lang="en-US" sz="4000" dirty="0" smtClean="0">
-                <a:solidFill>
-                  <a:srgbClr val="FF33CC"/>
-                </a:solidFill>
-              </a:rPr>
-              <a:t>Asymptotic Order of Growth:</a:t>
-            </a:r>
-          </a:p>
-          <a:p>
-            <a:pPr marL="0" indent="0" eaLnBrk="1" hangingPunct="1">
-              <a:lnSpc>
-                <a:spcPct val="90000"/>
-              </a:lnSpc>
-              <a:buFontTx/>
-              <a:buNone/>
-            </a:pPr>
-            <a:endParaRPr lang="en-US" sz="4000" dirty="0" smtClean="0"/>
-          </a:p>
-          <a:p>
-            <a:pPr marL="0" indent="0" eaLnBrk="1" hangingPunct="1">
-              <a:lnSpc>
-                <a:spcPct val="90000"/>
-              </a:lnSpc>
-              <a:buFontTx/>
-              <a:buNone/>
-            </a:pPr>
-            <a:endParaRPr lang="en-US" sz="2400" dirty="0" smtClean="0"/>
-          </a:p>
-        </p:txBody>
-      </p:sp>
-      <p:sp>
-        <p:nvSpPr>
-          <p:cNvPr id="487429" name="Rectangle 1029"/>
-          <p:cNvSpPr>
-            <a:spLocks noChangeArrowheads="1"/>
-          </p:cNvSpPr>
-          <p:nvPr/>
-        </p:nvSpPr>
-        <p:spPr bwMode="auto">
-          <a:xfrm>
-            <a:off x="1828800" y="1957388"/>
-            <a:ext cx="5219700" cy="1166812"/>
-          </a:xfrm>
-          <a:prstGeom prst="rect">
-            <a:avLst/>
-          </a:prstGeom>
-          <a:noFill/>
-          <a:ln w="9525">
-            <a:noFill/>
-            <a:miter lim="800000"/>
-            <a:headEnd/>
-            <a:tailEnd/>
-          </a:ln>
-        </p:spPr>
-        <p:txBody>
-          <a:bodyPr/>
-          <a:lstStyle/>
-          <a:p>
-            <a:pPr algn="ctr">
-              <a:spcBef>
-                <a:spcPct val="20000"/>
-              </a:spcBef>
-            </a:pPr>
-            <a:r>
-              <a:rPr lang="en-US" sz="5400" dirty="0">
-                <a:solidFill>
-                  <a:srgbClr val="0000FF"/>
-                </a:solidFill>
-                <a:latin typeface="Comic Sans MS" pitchFamily="66" charset="0"/>
-              </a:rPr>
-              <a:t>f(n)</a:t>
-            </a:r>
-            <a:r>
-              <a:rPr lang="en-US" sz="5400" dirty="0">
-                <a:solidFill>
-                  <a:schemeClr val="accent5">
-                    <a:lumMod val="50000"/>
-                  </a:schemeClr>
-                </a:solidFill>
-                <a:latin typeface="Comic Sans MS" pitchFamily="66" charset="0"/>
-              </a:rPr>
-              <a:t> </a:t>
-            </a:r>
-            <a:r>
-              <a:rPr lang="en-US" sz="5400" dirty="0" smtClean="0">
-                <a:solidFill>
-                  <a:schemeClr val="accent5">
-                    <a:lumMod val="50000"/>
-                  </a:schemeClr>
-                </a:solidFill>
-                <a:latin typeface="Comic Sans MS" pitchFamily="66" charset="0"/>
-              </a:rPr>
-              <a:t> </a:t>
-            </a:r>
-            <a:r>
-              <a:rPr lang="en-US" sz="5400" b="1" dirty="0" smtClean="0">
-                <a:latin typeface="Euclid Symbol" charset="2"/>
-                <a:cs typeface="Euclid Symbol" charset="2"/>
-              </a:rPr>
-              <a:t>=</a:t>
-            </a:r>
-            <a:r>
-              <a:rPr lang="en-US" sz="5400" b="1" dirty="0" smtClean="0">
-                <a:latin typeface="Comic Sans MS" pitchFamily="66" charset="0"/>
-              </a:rPr>
-              <a:t> </a:t>
-            </a:r>
-            <a:r>
-              <a:rPr lang="en-US" sz="5400" dirty="0" smtClean="0">
-                <a:solidFill>
-                  <a:srgbClr val="FF33CC"/>
-                </a:solidFill>
-                <a:latin typeface="Comic Sans MS" pitchFamily="66" charset="0"/>
-              </a:rPr>
-              <a:t>O</a:t>
-            </a:r>
-            <a:r>
-              <a:rPr lang="en-US" sz="5400" dirty="0">
-                <a:solidFill>
-                  <a:srgbClr val="FF33CC"/>
-                </a:solidFill>
-                <a:latin typeface="Comic Sans MS" pitchFamily="66" charset="0"/>
-              </a:rPr>
-              <a:t>(</a:t>
-            </a:r>
-            <a:r>
-              <a:rPr lang="en-US" sz="5400" dirty="0">
-                <a:solidFill>
-                  <a:srgbClr val="0000FF"/>
-                </a:solidFill>
-                <a:latin typeface="Comic Sans MS" pitchFamily="66" charset="0"/>
-              </a:rPr>
-              <a:t>g(n)</a:t>
-            </a:r>
-            <a:r>
-              <a:rPr lang="en-US" sz="5400" dirty="0">
-                <a:solidFill>
-                  <a:srgbClr val="FF33CC"/>
-                </a:solidFill>
-                <a:latin typeface="Comic Sans MS" pitchFamily="66" charset="0"/>
-              </a:rPr>
-              <a:t>)</a:t>
-            </a:r>
-          </a:p>
-        </p:txBody>
-      </p:sp>
-      <p:graphicFrame>
-        <p:nvGraphicFramePr>
-          <p:cNvPr id="487430" name="Object 1030"/>
-          <p:cNvGraphicFramePr>
-            <a:graphicFrameLocks noChangeAspect="1"/>
-          </p:cNvGraphicFramePr>
-          <p:nvPr/>
-        </p:nvGraphicFramePr>
-        <p:xfrm>
-          <a:off x="900113" y="3225800"/>
-          <a:ext cx="7327900" cy="2087563"/>
-        </p:xfrm>
-        <a:graphic>
-          <a:graphicData uri="http://schemas.openxmlformats.org/presentationml/2006/ole">
-            <mc:AlternateContent xmlns:mc="http://schemas.openxmlformats.org/markup-compatibility/2006">
-              <mc:Choice xmlns:v="urn:schemas-microsoft-com:vml" Requires="v">
-                <p:oleObj spid="_x0000_s155676" name="Equation" r:id="rId4" imgW="1689100" imgH="482600" progId="Equation.DSMT4">
-                  <p:embed/>
-                </p:oleObj>
-              </mc:Choice>
-              <mc:Fallback>
-                <p:oleObj name="Equation" r:id="rId4" imgW="1689100" imgH="482600" progId="Equation.DSMT4">
-                  <p:embed/>
-                  <p:pic>
-                    <p:nvPicPr>
-                      <p:cNvPr id="0" name="Object 1030"/>
-                      <p:cNvPicPr>
-                        <a:picLocks noChangeAspect="1" noChangeArrowheads="1"/>
-                      </p:cNvPicPr>
-                      <p:nvPr/>
-                    </p:nvPicPr>
-                    <p:blipFill>
-                      <a:blip r:embed="rId5">
-                        <a:extLst>
-                          <a:ext uri="{28A0092B-C50C-407E-A947-70E740481C1C}">
-                            <a14:useLocalDpi xmlns:a14="http://schemas.microsoft.com/office/drawing/2010/main" val="0"/>
-                          </a:ext>
-                        </a:extLst>
-                      </a:blip>
-                      <a:srcRect/>
-                      <a:stretch>
-                        <a:fillRect/>
-                      </a:stretch>
-                    </p:blipFill>
-                    <p:spPr bwMode="auto">
-                      <a:xfrm>
-                        <a:off x="900113" y="3225800"/>
-                        <a:ext cx="7327900" cy="2087563"/>
-                      </a:xfrm>
-                      <a:prstGeom prst="rect">
-                        <a:avLst/>
-                      </a:prstGeom>
-                      <a:noFill/>
-                      <a:extLst>
-                        <a:ext uri="{909E8E84-426E-40dd-AFC4-6F175D3DCCD1}">
-                          <a14:hiddenFill xmlns:a14="http://schemas.microsoft.com/office/drawing/2010/main">
-                            <a:solidFill>
-                              <a:srgbClr val="FFFFFF"/>
-                            </a:solidFill>
-                          </a14:hiddenFill>
-                        </a:ext>
-                      </a:extLst>
-                    </p:spPr>
-                  </p:pic>
-                </p:oleObj>
-              </mc:Fallback>
-            </mc:AlternateContent>
-          </a:graphicData>
-        </a:graphic>
-      </p:graphicFrame>
-      <p:sp>
-        <p:nvSpPr>
-          <p:cNvPr id="487431" name="Line 1031"/>
-          <p:cNvSpPr>
-            <a:spLocks noChangeShapeType="1"/>
-          </p:cNvSpPr>
-          <p:nvPr/>
-        </p:nvSpPr>
-        <p:spPr bwMode="auto">
-          <a:xfrm>
-            <a:off x="2748117" y="4243110"/>
-            <a:ext cx="1061883" cy="45719"/>
-          </a:xfrm>
-          <a:prstGeom prst="line">
-            <a:avLst/>
-          </a:prstGeom>
-          <a:noFill/>
-          <a:ln w="57150">
-            <a:solidFill>
-              <a:srgbClr val="FF0000"/>
-            </a:solidFill>
-            <a:round/>
-            <a:headEnd/>
-            <a:tailEnd type="none" w="lg" len="lg"/>
-          </a:ln>
-        </p:spPr>
-        <p:txBody>
-          <a:bodyPr/>
-          <a:lstStyle/>
-          <a:p>
-            <a:endParaRPr lang="en-US"/>
-          </a:p>
-        </p:txBody>
-      </p:sp>
-      <p:sp>
-        <p:nvSpPr>
-          <p:cNvPr id="487432" name="Text Box 1032"/>
-          <p:cNvSpPr txBox="1">
-            <a:spLocks noChangeArrowheads="1"/>
-          </p:cNvSpPr>
-          <p:nvPr/>
-        </p:nvSpPr>
-        <p:spPr bwMode="auto">
-          <a:xfrm>
-            <a:off x="962025" y="5338763"/>
-            <a:ext cx="6615113" cy="701675"/>
-          </a:xfrm>
-          <a:prstGeom prst="rect">
-            <a:avLst/>
-          </a:prstGeom>
-          <a:noFill/>
-          <a:ln w="9525">
-            <a:noFill/>
-            <a:miter lim="800000"/>
-            <a:headEnd/>
-            <a:tailEnd type="none" w="lg" len="lg"/>
-          </a:ln>
-        </p:spPr>
-        <p:txBody>
-          <a:bodyPr wrap="none">
-            <a:spAutoFit/>
-          </a:bodyPr>
-          <a:lstStyle/>
-          <a:p>
-            <a:r>
-              <a:rPr lang="en-US" dirty="0">
-                <a:solidFill>
-                  <a:srgbClr val="C80000"/>
-                </a:solidFill>
-                <a:latin typeface="Comic Sans MS" pitchFamily="66" charset="0"/>
-              </a:rPr>
-              <a:t>a technicality -- ignore now</a:t>
-            </a:r>
-          </a:p>
-        </p:txBody>
-      </p:sp>
-      <p:sp>
-        <p:nvSpPr>
-          <p:cNvPr id="10" name="Rectangle 2"/>
-          <p:cNvSpPr>
-            <a:spLocks noGrp="1" noChangeArrowheads="1"/>
-          </p:cNvSpPr>
-          <p:nvPr>
-            <p:ph type="title"/>
-          </p:nvPr>
-        </p:nvSpPr>
-        <p:spPr>
-          <a:xfrm>
-            <a:off x="1143000" y="152400"/>
-            <a:ext cx="7239000" cy="914400"/>
-          </a:xfrm>
-        </p:spPr>
-        <p:txBody>
-          <a:bodyPr/>
-          <a:lstStyle/>
-          <a:p>
-            <a:pPr eaLnBrk="1" hangingPunct="1"/>
-            <a:r>
-              <a:rPr lang="en-US" dirty="0" smtClean="0"/>
-              <a:t>Big Oh: </a:t>
-            </a:r>
-            <a:r>
-              <a:rPr lang="en-US" dirty="0" smtClean="0">
-                <a:solidFill>
-                  <a:srgbClr val="FF33CC"/>
-                </a:solidFill>
-              </a:rPr>
-              <a:t>O(∙)</a:t>
-            </a:r>
-          </a:p>
-        </p:txBody>
-      </p:sp>
-    </p:spTree>
-  </p:cSld>
-  <p:clrMapOvr>
-    <a:masterClrMapping/>
-  </p:clrMapOvr>
-  <p:transition xmlns:p14="http://schemas.microsoft.com/office/powerpoint/2010/main" spd="slow">
-    <p:fade thruBlk="1"/>
-  </p:transition>
-  <p:timing>
-    <p:tnLst>
-      <p:par>
-        <p:cTn xmlns:p14="http://schemas.microsoft.com/office/powerpoint/2010/main" id="1" dur="indefinite" restart="never" nodeType="tmRoot">
-          <p:childTnLst>
-            <p:seq concurrent="1" nextAc="seek">
-              <p:cTn id="2" dur="indefinite" nodeType="mainSeq">
-                <p:childTnLst>
-                  <p:par>
-                    <p:cTn id="3" fill="hold">
-                      <p:stCondLst>
-                        <p:cond delay="indefinite"/>
-                      </p:stCondLst>
-                      <p:childTnLst>
-                        <p:par>
-                          <p:cTn id="4" fill="hold">
-                            <p:stCondLst>
-                              <p:cond delay="0"/>
-                            </p:stCondLst>
-                            <p:childTnLst>
-                              <p:par>
-                                <p:cTn id="5" presetID="9" presetClass="entr" presetSubtype="0" fill="hold" grpId="0" nodeType="clickEffect">
-                                  <p:stCondLst>
-                                    <p:cond delay="0"/>
-                                  </p:stCondLst>
-                                  <p:childTnLst>
-                                    <p:set>
-                                      <p:cBhvr>
-                                        <p:cTn id="6" dur="1" fill="hold">
-                                          <p:stCondLst>
-                                            <p:cond delay="0"/>
-                                          </p:stCondLst>
-                                        </p:cTn>
-                                        <p:tgtEl>
-                                          <p:spTgt spid="487429"/>
-                                        </p:tgtEl>
-                                        <p:attrNameLst>
-                                          <p:attrName>style.visibility</p:attrName>
-                                        </p:attrNameLst>
-                                      </p:cBhvr>
-                                      <p:to>
-                                        <p:strVal val="visible"/>
-                                      </p:to>
-                                    </p:set>
-                                    <p:animEffect transition="in" filter="dissolve">
-                                      <p:cBhvr>
-                                        <p:cTn id="7" dur="500"/>
-                                        <p:tgtEl>
-                                          <p:spTgt spid="487429"/>
-                                        </p:tgtEl>
-                                      </p:cBhvr>
-                                    </p:animEffect>
-                                  </p:childTnLst>
-                                </p:cTn>
-                              </p:par>
-                            </p:childTnLst>
-                          </p:cTn>
-                        </p:par>
-                      </p:childTnLst>
-                    </p:cTn>
-                  </p:par>
-                  <p:par>
-                    <p:cTn id="8" fill="hold">
-                      <p:stCondLst>
-                        <p:cond delay="indefinite"/>
-                      </p:stCondLst>
-                      <p:childTnLst>
-                        <p:par>
-                          <p:cTn id="9" fill="hold">
-                            <p:stCondLst>
-                              <p:cond delay="0"/>
-                            </p:stCondLst>
-                            <p:childTnLst>
-                              <p:par>
-                                <p:cTn id="10" presetID="22" presetClass="entr" presetSubtype="8" fill="hold" nodeType="clickEffect">
-                                  <p:stCondLst>
-                                    <p:cond delay="0"/>
-                                  </p:stCondLst>
-                                  <p:childTnLst>
-                                    <p:set>
-                                      <p:cBhvr>
-                                        <p:cTn id="11" dur="1" fill="hold">
-                                          <p:stCondLst>
-                                            <p:cond delay="0"/>
-                                          </p:stCondLst>
-                                        </p:cTn>
-                                        <p:tgtEl>
-                                          <p:spTgt spid="487430"/>
-                                        </p:tgtEl>
-                                        <p:attrNameLst>
-                                          <p:attrName>style.visibility</p:attrName>
-                                        </p:attrNameLst>
-                                      </p:cBhvr>
-                                      <p:to>
-                                        <p:strVal val="visible"/>
-                                      </p:to>
-                                    </p:set>
-                                    <p:animEffect transition="in" filter="wipe(left)">
-                                      <p:cBhvr>
-                                        <p:cTn id="12" dur="1000"/>
-                                        <p:tgtEl>
-                                          <p:spTgt spid="487430"/>
-                                        </p:tgtEl>
-                                      </p:cBhvr>
-                                    </p:animEffect>
-                                  </p:childTnLst>
-                                </p:cTn>
-                              </p:par>
-                            </p:childTnLst>
-                          </p:cTn>
-                        </p:par>
-                      </p:childTnLst>
-                    </p:cTn>
-                  </p:par>
-                  <p:par>
-                    <p:cTn id="13" fill="hold">
-                      <p:stCondLst>
-                        <p:cond delay="indefinite"/>
-                      </p:stCondLst>
-                      <p:childTnLst>
-                        <p:par>
-                          <p:cTn id="14" fill="hold">
-                            <p:stCondLst>
-                              <p:cond delay="0"/>
-                            </p:stCondLst>
-                            <p:childTnLst>
-                              <p:par>
-                                <p:cTn id="15" presetID="22" presetClass="entr" presetSubtype="2" fill="hold" grpId="0" nodeType="clickEffect">
-                                  <p:stCondLst>
-                                    <p:cond delay="0"/>
-                                  </p:stCondLst>
-                                  <p:childTnLst>
-                                    <p:set>
-                                      <p:cBhvr>
-                                        <p:cTn id="16" dur="1" fill="hold">
-                                          <p:stCondLst>
-                                            <p:cond delay="0"/>
-                                          </p:stCondLst>
-                                        </p:cTn>
-                                        <p:tgtEl>
-                                          <p:spTgt spid="487431"/>
-                                        </p:tgtEl>
-                                        <p:attrNameLst>
-                                          <p:attrName>style.visibility</p:attrName>
-                                        </p:attrNameLst>
-                                      </p:cBhvr>
-                                      <p:to>
-                                        <p:strVal val="visible"/>
-                                      </p:to>
-                                    </p:set>
-                                    <p:animEffect transition="in" filter="wipe(right)">
-                                      <p:cBhvr>
-                                        <p:cTn id="17" dur="500"/>
-                                        <p:tgtEl>
-                                          <p:spTgt spid="487431"/>
-                                        </p:tgtEl>
-                                      </p:cBhvr>
-                                    </p:animEffect>
-                                  </p:childTnLst>
-                                </p:cTn>
-                              </p:par>
-                            </p:childTnLst>
-                          </p:cTn>
-                        </p:par>
-                        <p:par>
-                          <p:cTn id="18" fill="hold">
-                            <p:stCondLst>
-                              <p:cond delay="500"/>
-                            </p:stCondLst>
-                            <p:childTnLst>
-                              <p:par>
-                                <p:cTn id="19" presetID="22" presetClass="entr" presetSubtype="1" fill="hold" nodeType="afterEffect">
-                                  <p:stCondLst>
-                                    <p:cond delay="0"/>
-                                  </p:stCondLst>
-                                  <p:childTnLst>
-                                    <p:set>
-                                      <p:cBhvr>
-                                        <p:cTn id="20" dur="1" fill="hold">
-                                          <p:stCondLst>
-                                            <p:cond delay="0"/>
-                                          </p:stCondLst>
-                                        </p:cTn>
-                                        <p:tgtEl>
-                                          <p:spTgt spid="487432">
-                                            <p:txEl>
-                                              <p:pRg st="0" end="0"/>
-                                            </p:txEl>
-                                          </p:spTgt>
-                                        </p:tgtEl>
-                                        <p:attrNameLst>
-                                          <p:attrName>style.visibility</p:attrName>
-                                        </p:attrNameLst>
-                                      </p:cBhvr>
-                                      <p:to>
-                                        <p:strVal val="visible"/>
-                                      </p:to>
-                                    </p:set>
-                                    <p:animEffect transition="in" filter="wipe(up)">
-                                      <p:cBhvr>
-                                        <p:cTn id="21" dur="1000"/>
-                                        <p:tgtEl>
-                                          <p:spTgt spid="487432">
-                                            <p:txEl>
-                                              <p:pRg st="0" end="0"/>
-                                            </p:txEl>
-                                          </p:spTgt>
-                                        </p:tgtEl>
-                                      </p:cBhvr>
-                                    </p:animEffect>
-                                  </p:childTnLst>
-                                </p:cTn>
-                              </p:par>
-                            </p:childTnLst>
-                          </p:cTn>
-                        </p:par>
-                      </p:childTnLst>
-                    </p:cTn>
-                  </p:par>
-                </p:childTnLst>
-              </p:cTn>
-              <p:prevCondLst>
-                <p:cond evt="onPrev" delay="0">
-                  <p:tgtEl>
-                    <p:sldTgt/>
-                  </p:tgtEl>
-                </p:cond>
-              </p:prevCondLst>
-              <p:nextCondLst>
-                <p:cond evt="onNext" delay="0">
-                  <p:tgtEl>
-                    <p:sldTgt/>
-                  </p:tgtEl>
-                </p:cond>
-              </p:nextCondLst>
-            </p:seq>
-          </p:childTnLst>
-        </p:cTn>
-      </p:par>
-    </p:tnLst>
-    <p:bldLst>
-      <p:bldP spid="487429" grpId="0"/>
-      <p:bldP spid="487431" grpId="0" animBg="1"/>
-    </p:bldLst>
-  </p:timing>
-</p:sld>
-</file>
-
-<file path=ppt/slides/slide9.xml><?xml version="1.0" encoding="utf-8"?>
-<p:sld xmlns:a="http://schemas.openxmlformats.org/drawingml/2006/main" xmlns:r="http://schemas.openxmlformats.org/officeDocument/2006/relationships" xmlns:p="http://schemas.openxmlformats.org/presentationml/2006/main">
-  <p:cSld>
-    <p:spTree>
-      <p:nvGrpSpPr>
-        <p:cNvPr id="1" name=""/>
-        <p:cNvGrpSpPr/>
-        <p:nvPr/>
-      </p:nvGrpSpPr>
-      <p:grpSpPr>
-        <a:xfrm>
-          <a:off x="0" y="0"/>
-          <a:ext cx="0" cy="0"/>
-          <a:chOff x="0" y="0"/>
-          <a:chExt cx="0" cy="0"/>
-        </a:xfrm>
-      </p:grpSpPr>
-      <p:sp>
-        <p:nvSpPr>
-          <p:cNvPr id="50179" name="Rectangle 2"/>
-          <p:cNvSpPr>
-            <a:spLocks noGrp="1" noChangeArrowheads="1"/>
-          </p:cNvSpPr>
-          <p:nvPr>
-            <p:ph type="title"/>
-          </p:nvPr>
-        </p:nvSpPr>
-        <p:spPr/>
-        <p:txBody>
-          <a:bodyPr/>
-          <a:lstStyle/>
-          <a:p>
-            <a:pPr eaLnBrk="1" hangingPunct="1"/>
-            <a:r>
-              <a:rPr lang="en-US" dirty="0" smtClean="0"/>
-              <a:t>Big Oh: </a:t>
-            </a:r>
-            <a:r>
-              <a:rPr lang="en-US" dirty="0" smtClean="0">
-                <a:solidFill>
-                  <a:srgbClr val="FF33CC"/>
-                </a:solidFill>
-              </a:rPr>
-              <a:t>O(∙)</a:t>
-            </a:r>
-          </a:p>
-        </p:txBody>
-      </p:sp>
-      <p:sp>
-        <p:nvSpPr>
-          <p:cNvPr id="50180" name="Text Box 10"/>
-          <p:cNvSpPr txBox="1">
-            <a:spLocks noChangeArrowheads="1"/>
-          </p:cNvSpPr>
-          <p:nvPr/>
-        </p:nvSpPr>
-        <p:spPr bwMode="auto">
-          <a:xfrm>
-            <a:off x="311865" y="2044749"/>
-            <a:ext cx="2762295" cy="923330"/>
-          </a:xfrm>
-          <a:prstGeom prst="rect">
-            <a:avLst/>
-          </a:prstGeom>
-          <a:noFill/>
-          <a:ln w="9525">
-            <a:noFill/>
-            <a:miter lim="800000"/>
-            <a:headEnd/>
-            <a:tailEnd type="none" w="lg" len="lg"/>
-          </a:ln>
-        </p:spPr>
-        <p:txBody>
-          <a:bodyPr wrap="none">
-            <a:spAutoFit/>
-          </a:bodyPr>
-          <a:lstStyle/>
-          <a:p>
-            <a:r>
-              <a:rPr lang="en-US" sz="5400" dirty="0">
-                <a:latin typeface="Comic Sans MS" pitchFamily="66" charset="0"/>
-              </a:rPr>
-              <a:t>because</a:t>
-            </a:r>
-          </a:p>
-        </p:txBody>
-      </p:sp>
-      <p:graphicFrame>
-        <p:nvGraphicFramePr>
-          <p:cNvPr id="8" name="Object 7"/>
-          <p:cNvGraphicFramePr>
-            <a:graphicFrameLocks noChangeAspect="1"/>
-          </p:cNvGraphicFramePr>
-          <p:nvPr>
-            <p:extLst>
-              <p:ext uri="{D42A27DB-BD31-4B8C-83A1-F6EECF244321}">
-                <p14:modId xmlns:p14="http://schemas.microsoft.com/office/powerpoint/2010/main" val="1236512052"/>
-              </p:ext>
-            </p:extLst>
-          </p:nvPr>
-        </p:nvGraphicFramePr>
-        <p:xfrm>
-          <a:off x="2141538" y="830263"/>
-          <a:ext cx="4846637" cy="1487487"/>
-        </p:xfrm>
-        <a:graphic>
-          <a:graphicData uri="http://schemas.openxmlformats.org/presentationml/2006/ole">
-            <mc:AlternateContent xmlns:mc="http://schemas.openxmlformats.org/markup-compatibility/2006">
-              <mc:Choice xmlns:v="urn:schemas-microsoft-com:vml" Requires="v">
-                <p:oleObj spid="_x0000_s156719" name="Equation" r:id="rId4" imgW="787400" imgH="241300" progId="Equation.DSMT4">
-                  <p:embed/>
-                </p:oleObj>
-              </mc:Choice>
-              <mc:Fallback>
-                <p:oleObj name="Equation" r:id="rId4" imgW="787400" imgH="241300" progId="Equation.DSMT4">
-                  <p:embed/>
-                  <p:pic>
-                    <p:nvPicPr>
-                      <p:cNvPr id="0" name="Picture 2"/>
-                      <p:cNvPicPr>
-                        <a:picLocks noChangeAspect="1" noChangeArrowheads="1"/>
-                      </p:cNvPicPr>
-                      <p:nvPr/>
-                    </p:nvPicPr>
-                    <p:blipFill>
-                      <a:blip r:embed="rId5"/>
-                      <a:srcRect/>
-                      <a:stretch>
-                        <a:fillRect/>
-                      </a:stretch>
-                    </p:blipFill>
-                    <p:spPr bwMode="auto">
-                      <a:xfrm>
-                        <a:off x="2141538" y="830263"/>
-                        <a:ext cx="4846637" cy="1487487"/>
-                      </a:xfrm>
-                      <a:prstGeom prst="rect">
-                        <a:avLst/>
-                      </a:prstGeom>
-                      <a:noFill/>
-                      <a:extLst>
-                        <a:ext uri="{909E8E84-426E-40dd-AFC4-6F175D3DCCD1}">
-                          <a14:hiddenFill xmlns:a14="http://schemas.microsoft.com/office/drawing/2010/main">
-                            <a:solidFill>
-                              <a:srgbClr val="FFFFFF"/>
-                            </a:solidFill>
-                          </a14:hiddenFill>
-                        </a:ext>
-                      </a:extLst>
-                    </p:spPr>
-                  </p:pic>
-                </p:oleObj>
-              </mc:Fallback>
-            </mc:AlternateContent>
-          </a:graphicData>
-        </a:graphic>
-      </p:graphicFrame>
-      <p:graphicFrame>
-        <p:nvGraphicFramePr>
-          <p:cNvPr id="9" name="Object 8"/>
-          <p:cNvGraphicFramePr>
-            <a:graphicFrameLocks noChangeAspect="1"/>
-          </p:cNvGraphicFramePr>
-          <p:nvPr/>
-        </p:nvGraphicFramePr>
-        <p:xfrm>
-          <a:off x="1350963" y="2590800"/>
-          <a:ext cx="6405562" cy="2768600"/>
-        </p:xfrm>
-        <a:graphic>
-          <a:graphicData uri="http://schemas.openxmlformats.org/presentationml/2006/ole">
-            <mc:AlternateContent xmlns:mc="http://schemas.openxmlformats.org/markup-compatibility/2006">
-              <mc:Choice xmlns:v="urn:schemas-microsoft-com:vml" Requires="v">
-                <p:oleObj spid="_x0000_s156720" name="Equation" r:id="rId6" imgW="1028700" imgH="444500" progId="Equation.DSMT4">
-                  <p:embed/>
-                </p:oleObj>
-              </mc:Choice>
-              <mc:Fallback>
-                <p:oleObj name="Equation" r:id="rId6" imgW="1028700" imgH="444500" progId="Equation.DSMT4">
-                  <p:embed/>
-                  <p:pic>
-                    <p:nvPicPr>
-                      <p:cNvPr id="0" name="Picture 3"/>
-                      <p:cNvPicPr>
-                        <a:picLocks noChangeAspect="1" noChangeArrowheads="1"/>
-                      </p:cNvPicPr>
-                      <p:nvPr/>
-                    </p:nvPicPr>
-                    <p:blipFill>
-                      <a:blip r:embed="rId7">
-                        <a:extLst>
-                          <a:ext uri="{28A0092B-C50C-407E-A947-70E740481C1C}">
-                            <a14:useLocalDpi xmlns:a14="http://schemas.microsoft.com/office/drawing/2010/main" val="0"/>
-                          </a:ext>
-                        </a:extLst>
-                      </a:blip>
-                      <a:srcRect/>
-                      <a:stretch>
-                        <a:fillRect/>
-                      </a:stretch>
-                    </p:blipFill>
-                    <p:spPr bwMode="auto">
-                      <a:xfrm>
-                        <a:off x="1350963" y="2590800"/>
-                        <a:ext cx="6405562" cy="2768600"/>
-                      </a:xfrm>
-                      <a:prstGeom prst="rect">
-                        <a:avLst/>
-                      </a:prstGeom>
-                      <a:noFill/>
-                      <a:extLst>
-                        <a:ext uri="{909E8E84-426E-40dd-AFC4-6F175D3DCCD1}">
-                          <a14:hiddenFill xmlns:a14="http://schemas.microsoft.com/office/drawing/2010/main">
-                            <a:solidFill>
-                              <a:srgbClr val="FFFFFF"/>
-                            </a:solidFill>
-                          </a14:hiddenFill>
-                        </a:ext>
-                      </a:extLst>
-                    </p:spPr>
-                  </p:pic>
-                </p:oleObj>
-              </mc:Fallback>
-            </mc:AlternateContent>
-          </a:graphicData>
-        </a:graphic>
-      </p:graphicFrame>
-    </p:spTree>
-  </p:cSld>
-  <p:clrMapOvr>
-    <a:masterClrMapping/>
-  </p:clrMapOvr>
-  <mc:AlternateContent xmlns:mc="http://schemas.openxmlformats.org/markup-compatibility/2006" xmlns:p14="http://schemas.microsoft.com/office/powerpoint/2010/main">
-    <mc:Choice Requires="p14">
-      <p:transition spd="med" p14:dur="700">
-        <p:fade/>
-      </p:transition>
-    </mc:Choice>
-    <mc:Fallback xmlns="">
-      <p:transition xmlns:p14="http://schemas.microsoft.com/office/powerpoint/2010/main" spd="med">
-        <p:fade/>
-      </p:transition>
-    </mc:Fallback>
-  </mc:AlternateContent>
-  <p:timing>
-    <p:tnLst>
-      <p:par>
-        <p:cTn xmlns:p14="http://schemas.microsoft.com/office/powerpoint/2010/main" id="1" dur="indefinite" restart="never" nodeType="tmRoot">
-          <p:childTnLst>
-            <p:seq concurrent="1" nextAc="seek">
-              <p:cTn id="2" dur="indefinite" nodeType="mainSeq">
-                <p:childTnLst>
-                  <p:par>
-                    <p:cTn id="3" fill="hold">
-                      <p:stCondLst>
-                        <p:cond delay="indefinite"/>
-                      </p:stCondLst>
-                      <p:childTnLst>
-                        <p:par>
-                          <p:cTn id="4" fill="hold">
-                            <p:stCondLst>
-                              <p:cond delay="0"/>
-                            </p:stCondLst>
-                            <p:childTnLst>
-                              <p:par>
-                                <p:cTn id="5" presetID="9" presetClass="entr" presetSubtype="0" fill="hold" grpId="0" nodeType="clickEffect">
-                                  <p:stCondLst>
-                                    <p:cond delay="0"/>
-                                  </p:stCondLst>
-                                  <p:childTnLst>
-                                    <p:set>
-                                      <p:cBhvr>
-                                        <p:cTn id="6" dur="1" fill="hold">
-                                          <p:stCondLst>
-                                            <p:cond delay="0"/>
-                                          </p:stCondLst>
-                                        </p:cTn>
-                                        <p:tgtEl>
-                                          <p:spTgt spid="50180"/>
-                                        </p:tgtEl>
-                                        <p:attrNameLst>
-                                          <p:attrName>style.visibility</p:attrName>
-                                        </p:attrNameLst>
-                                      </p:cBhvr>
-                                      <p:to>
-                                        <p:strVal val="visible"/>
-                                      </p:to>
-                                    </p:set>
-                                    <p:animEffect transition="in" filter="dissolve">
-                                      <p:cBhvr>
-                                        <p:cTn id="7" dur="500"/>
-                                        <p:tgtEl>
-                                          <p:spTgt spid="50180"/>
-                                        </p:tgtEl>
-                                      </p:cBhvr>
-                                    </p:animEffect>
-                                  </p:childTnLst>
-                                </p:cTn>
-                              </p:par>
-                            </p:childTnLst>
-                          </p:cTn>
-                        </p:par>
-                        <p:par>
-                          <p:cTn id="8" fill="hold">
-                            <p:stCondLst>
-                              <p:cond delay="500"/>
-                            </p:stCondLst>
-                            <p:childTnLst>
-                              <p:par>
-                                <p:cTn id="9" presetID="22" presetClass="entr" presetSubtype="8" fill="hold" nodeType="afterEffect">
-                                  <p:stCondLst>
-                                    <p:cond delay="0"/>
-                                  </p:stCondLst>
-                                  <p:childTnLst>
-                                    <p:set>
-                                      <p:cBhvr>
-                                        <p:cTn id="10" dur="1" fill="hold">
-                                          <p:stCondLst>
-                                            <p:cond delay="0"/>
-                                          </p:stCondLst>
-                                        </p:cTn>
-                                        <p:tgtEl>
-                                          <p:spTgt spid="9"/>
-                                        </p:tgtEl>
-                                        <p:attrNameLst>
-                                          <p:attrName>style.visibility</p:attrName>
-                                        </p:attrNameLst>
-                                      </p:cBhvr>
-                                      <p:to>
-                                        <p:strVal val="visible"/>
-                                      </p:to>
-                                    </p:set>
-                                    <p:animEffect transition="in" filter="wipe(left)">
-                                      <p:cBhvr>
-                                        <p:cTn id="11" dur="2000"/>
-                                        <p:tgtEl>
-                                          <p:spTgt spid="9"/>
-                                        </p:tgtEl>
-                                      </p:cBhvr>
-                                    </p:animEffect>
-                                  </p:childTnLst>
-                                </p:cTn>
-                              </p:par>
-                            </p:childTnLst>
-                          </p:cTn>
-                        </p:par>
-                      </p:childTnLst>
-                    </p:cTn>
-                  </p:par>
-                </p:childTnLst>
-              </p:cTn>
-              <p:prevCondLst>
-                <p:cond evt="onPrev" delay="0">
-                  <p:tgtEl>
-                    <p:sldTgt/>
-                  </p:tgtEl>
-                </p:cond>
-              </p:prevCondLst>
-              <p:nextCondLst>
-                <p:cond evt="onNext" delay="0">
-                  <p:tgtEl>
-                    <p:sldTgt/>
-                  </p:tgtEl>
-                </p:cond>
-              </p:nextCondLst>
-            </p:seq>
-          </p:childTnLst>
-        </p:cTn>
-      </p:par>
-    </p:tnLst>
-    <p:bldLst>
-      <p:bldP spid="50180" grpId="0"/>
+      <p:bldP spid="4" grpId="0" animBg="1"/>
     </p:bldLst>
   </p:timing>
 </p:sld>
